--- a/src/main/webapp/resources/Project File/SamBank Project.pptx
+++ b/src/main/webapp/resources/Project File/SamBank Project.pptx
@@ -9,8 +9,8 @@
     <p:sldId id="257" r:id="rId3"/>
     <p:sldId id="259" r:id="rId4"/>
     <p:sldId id="262" r:id="rId5"/>
-    <p:sldId id="263" r:id="rId6"/>
-    <p:sldId id="265" r:id="rId7"/>
+    <p:sldId id="265" r:id="rId6"/>
+    <p:sldId id="263" r:id="rId7"/>
     <p:sldId id="264" r:id="rId8"/>
   </p:sldIdLst>
   <p:sldSz cx="12192000" cy="6858000"/>
@@ -251,7 +251,7 @@
                 </a:solidFill>
               </a:rPr>
               <a:pPr/>
-              <a:t>2020-05-07</a:t>
+              <a:t>2020-05-08</a:t>
             </a:fld>
             <a:endParaRPr lang="ko-KR" altLang="en-US">
               <a:solidFill>
@@ -453,7 +453,7 @@
                 </a:solidFill>
               </a:rPr>
               <a:pPr/>
-              <a:t>2020-05-07</a:t>
+              <a:t>2020-05-08</a:t>
             </a:fld>
             <a:endParaRPr lang="ko-KR" altLang="en-US">
               <a:solidFill>
@@ -665,7 +665,7 @@
                 </a:solidFill>
               </a:rPr>
               <a:pPr/>
-              <a:t>2020-05-07</a:t>
+              <a:t>2020-05-08</a:t>
             </a:fld>
             <a:endParaRPr lang="ko-KR" altLang="en-US">
               <a:solidFill>
@@ -742,36 +742,6 @@
     <p:extLst>
       <p:ext uri="{BB962C8B-B14F-4D97-AF65-F5344CB8AC3E}">
         <p14:creationId xmlns:p14="http://schemas.microsoft.com/office/powerpoint/2010/main" val="3637064631"/>
-      </p:ext>
-    </p:extLst>
-  </p:cSld>
-  <p:clrMapOvr>
-    <a:masterClrMapping/>
-  </p:clrMapOvr>
-</p:sldLayout>
-</file>
-
-<file path=ppt/slideLayouts/slideLayout12.xml><?xml version="1.0" encoding="utf-8"?>
-<p:sldLayout xmlns:a="http://schemas.openxmlformats.org/drawingml/2006/main" xmlns:r="http://schemas.openxmlformats.org/officeDocument/2006/relationships" xmlns:p="http://schemas.openxmlformats.org/presentationml/2006/main" userDrawn="1">
-  <p:cSld name="1_제목 슬라이드">
-    <p:spTree>
-      <p:nvGrpSpPr>
-        <p:cNvPr id="1" name=""/>
-        <p:cNvGrpSpPr/>
-        <p:nvPr/>
-      </p:nvGrpSpPr>
-      <p:grpSpPr>
-        <a:xfrm>
-          <a:off x="0" y="0"/>
-          <a:ext cx="0" cy="0"/>
-          <a:chOff x="0" y="0"/>
-          <a:chExt cx="0" cy="0"/>
-        </a:xfrm>
-      </p:grpSpPr>
-    </p:spTree>
-    <p:extLst>
-      <p:ext uri="{BB962C8B-B14F-4D97-AF65-F5344CB8AC3E}">
-        <p14:creationId xmlns:p14="http://schemas.microsoft.com/office/powerpoint/2010/main" val="4122469740"/>
       </p:ext>
     </p:extLst>
   </p:cSld>
@@ -897,7 +867,7 @@
                 </a:solidFill>
               </a:rPr>
               <a:pPr/>
-              <a:t>2020-05-07</a:t>
+              <a:t>2020-05-08</a:t>
             </a:fld>
             <a:endParaRPr lang="ko-KR" altLang="en-US">
               <a:solidFill>
@@ -1175,7 +1145,7 @@
                 </a:solidFill>
               </a:rPr>
               <a:pPr/>
-              <a:t>2020-05-07</a:t>
+              <a:t>2020-05-08</a:t>
             </a:fld>
             <a:endParaRPr lang="ko-KR" altLang="en-US">
               <a:solidFill>
@@ -1439,7 +1409,7 @@
                 </a:solidFill>
               </a:rPr>
               <a:pPr/>
-              <a:t>2020-05-07</a:t>
+              <a:t>2020-05-08</a:t>
             </a:fld>
             <a:endParaRPr lang="ko-KR" altLang="en-US">
               <a:solidFill>
@@ -1838,7 +1808,7 @@
                 </a:solidFill>
               </a:rPr>
               <a:pPr/>
-              <a:t>2020-05-07</a:t>
+              <a:t>2020-05-08</a:t>
             </a:fld>
             <a:endParaRPr lang="ko-KR" altLang="en-US">
               <a:solidFill>
@@ -1988,7 +1958,7 @@
                 </a:solidFill>
               </a:rPr>
               <a:pPr/>
-              <a:t>2020-05-07</a:t>
+              <a:t>2020-05-08</a:t>
             </a:fld>
             <a:endParaRPr lang="ko-KR" altLang="en-US">
               <a:solidFill>
@@ -2115,7 +2085,7 @@
                 </a:solidFill>
               </a:rPr>
               <a:pPr/>
-              <a:t>2020-05-07</a:t>
+              <a:t>2020-05-08</a:t>
             </a:fld>
             <a:endParaRPr lang="ko-KR" altLang="en-US">
               <a:solidFill>
@@ -2424,7 +2394,7 @@
                 </a:solidFill>
               </a:rPr>
               <a:pPr/>
-              <a:t>2020-05-07</a:t>
+              <a:t>2020-05-08</a:t>
             </a:fld>
             <a:endParaRPr lang="ko-KR" altLang="en-US">
               <a:solidFill>
@@ -2709,7 +2679,7 @@
                 </a:solidFill>
               </a:rPr>
               <a:pPr/>
-              <a:t>2020-05-07</a:t>
+              <a:t>2020-05-08</a:t>
             </a:fld>
             <a:endParaRPr lang="ko-KR" altLang="en-US">
               <a:solidFill>
@@ -2954,7 +2924,7 @@
                 </a:solidFill>
               </a:rPr>
               <a:pPr/>
-              <a:t>2020-05-07</a:t>
+              <a:t>2020-05-08</a:t>
             </a:fld>
             <a:endParaRPr lang="ko-KR" altLang="en-US">
               <a:solidFill>
@@ -3083,7 +3053,6 @@
     <p:sldLayoutId id="2147483669" r:id="rId9"/>
     <p:sldLayoutId id="2147483670" r:id="rId10"/>
     <p:sldLayoutId id="2147483671" r:id="rId11"/>
-    <p:sldLayoutId id="2147483672" r:id="rId12"/>
   </p:sldLayoutIdLst>
   <p:txStyles>
     <p:titleStyle>
@@ -7814,9 +7783,9 @@
         <p:grpSpPr>
           <a:xfrm>
             <a:off x="2917180" y="1761620"/>
-            <a:ext cx="6884575" cy="3693889"/>
+            <a:ext cx="6824415" cy="3821600"/>
             <a:chOff x="3230011" y="1696997"/>
-            <a:chExt cx="6884575" cy="3693889"/>
+            <a:chExt cx="6824415" cy="3821600"/>
           </a:xfrm>
         </p:grpSpPr>
         <p:sp>
@@ -7999,6 +7968,10 @@
               <a:avLst/>
             </a:prstGeom>
             <a:noFill/>
+            <a:ln>
+              <a:noFill/>
+              <a:prstDash val="lgDash"/>
+            </a:ln>
           </p:spPr>
           <p:txBody>
             <a:bodyPr wrap="none" rtlCol="0">
@@ -8097,6 +8070,10 @@
               <a:avLst/>
             </a:prstGeom>
             <a:noFill/>
+            <a:ln>
+              <a:noFill/>
+              <a:prstDash val="lgDash"/>
+            </a:ln>
           </p:spPr>
           <p:txBody>
             <a:bodyPr wrap="none" rtlCol="0">
@@ -8188,6 +8165,10 @@
               <a:avLst/>
             </a:prstGeom>
             <a:noFill/>
+            <a:ln>
+              <a:noFill/>
+              <a:prstDash val="lgDash"/>
+            </a:ln>
           </p:spPr>
           <p:txBody>
             <a:bodyPr wrap="none" rtlCol="0">
@@ -8248,13 +8229,17 @@
           </p:nvSpPr>
           <p:spPr>
             <a:xfrm>
-              <a:off x="8451951" y="4336751"/>
-              <a:ext cx="1662635" cy="1054135"/>
+              <a:off x="8391791" y="4072047"/>
+              <a:ext cx="1662635" cy="1446550"/>
             </a:xfrm>
             <a:prstGeom prst="rect">
               <a:avLst/>
             </a:prstGeom>
             <a:noFill/>
+            <a:ln>
+              <a:noFill/>
+              <a:prstDash val="lgDash"/>
+            </a:ln>
           </p:spPr>
           <p:txBody>
             <a:bodyPr wrap="none" rtlCol="0">
@@ -8315,10 +8300,127 @@
                 <a:rPr lang="ko-KR" altLang="en-US" sz="1100" b="1" dirty="0" smtClean="0"/>
                 <a:t>연동</a:t>
               </a:r>
+              <a:endParaRPr lang="en-US" altLang="ko-KR" sz="1100" b="1" dirty="0" smtClean="0"/>
+            </a:p>
+            <a:p>
+              <a:pPr>
+                <a:lnSpc>
+                  <a:spcPct val="200000"/>
+                </a:lnSpc>
+              </a:pPr>
+              <a:r>
+                <a:rPr lang="ko-KR" altLang="en-US" sz="1100" b="1" dirty="0" smtClean="0"/>
+                <a:t>사용자  화면구현  서브</a:t>
+              </a:r>
               <a:endParaRPr lang="en-US" altLang="ko-KR" sz="1100" b="1" dirty="0"/>
             </a:p>
           </p:txBody>
         </p:sp>
+      </p:grpSp>
+      <p:grpSp>
+        <p:nvGrpSpPr>
+          <p:cNvPr id="7" name="그룹 6"/>
+          <p:cNvGrpSpPr/>
+          <p:nvPr/>
+        </p:nvGrpSpPr>
+        <p:grpSpPr>
+          <a:xfrm>
+            <a:off x="1467853" y="582968"/>
+            <a:ext cx="9805736" cy="5739183"/>
+            <a:chOff x="1467853" y="582968"/>
+            <a:chExt cx="9805736" cy="5739183"/>
+          </a:xfrm>
+        </p:grpSpPr>
+        <p:pic>
+          <p:nvPicPr>
+            <p:cNvPr id="38" name="그림 37"/>
+            <p:cNvPicPr>
+              <a:picLocks noChangeAspect="1"/>
+            </p:cNvPicPr>
+            <p:nvPr/>
+          </p:nvPicPr>
+          <p:blipFill>
+            <a:blip r:embed="rId3">
+              <a:extLst>
+                <a:ext uri="{28A0092B-C50C-407E-A947-70E740481C1C}">
+                  <a14:useLocalDpi xmlns:a14="http://schemas.microsoft.com/office/drawing/2010/main" val="0"/>
+                </a:ext>
+              </a:extLst>
+            </a:blip>
+            <a:stretch>
+              <a:fillRect/>
+            </a:stretch>
+          </p:blipFill>
+          <p:spPr>
+            <a:xfrm>
+              <a:off x="1467853" y="1434157"/>
+              <a:ext cx="1449327" cy="1560815"/>
+            </a:xfrm>
+            <a:prstGeom prst="rect">
+              <a:avLst/>
+            </a:prstGeom>
+          </p:spPr>
+        </p:pic>
+        <p:pic>
+          <p:nvPicPr>
+            <p:cNvPr id="40" name="그림 39"/>
+            <p:cNvPicPr>
+              <a:picLocks noChangeAspect="1"/>
+            </p:cNvPicPr>
+            <p:nvPr/>
+          </p:nvPicPr>
+          <p:blipFill>
+            <a:blip r:embed="rId4">
+              <a:extLst>
+                <a:ext uri="{28A0092B-C50C-407E-A947-70E740481C1C}">
+                  <a14:useLocalDpi xmlns:a14="http://schemas.microsoft.com/office/drawing/2010/main" val="0"/>
+                </a:ext>
+              </a:extLst>
+            </a:blip>
+            <a:stretch>
+              <a:fillRect/>
+            </a:stretch>
+          </p:blipFill>
+          <p:spPr>
+            <a:xfrm>
+              <a:off x="10541974" y="5123815"/>
+              <a:ext cx="731615" cy="1198336"/>
+            </a:xfrm>
+            <a:prstGeom prst="rect">
+              <a:avLst/>
+            </a:prstGeom>
+          </p:spPr>
+        </p:pic>
+        <p:pic>
+          <p:nvPicPr>
+            <p:cNvPr id="47" name="그림 46"/>
+            <p:cNvPicPr>
+              <a:picLocks noChangeAspect="1"/>
+            </p:cNvPicPr>
+            <p:nvPr/>
+          </p:nvPicPr>
+          <p:blipFill>
+            <a:blip r:embed="rId5">
+              <a:extLst>
+                <a:ext uri="{28A0092B-C50C-407E-A947-70E740481C1C}">
+                  <a14:useLocalDpi xmlns:a14="http://schemas.microsoft.com/office/drawing/2010/main" val="0"/>
+                </a:ext>
+              </a:extLst>
+            </a:blip>
+            <a:stretch>
+              <a:fillRect/>
+            </a:stretch>
+          </p:blipFill>
+          <p:spPr>
+            <a:xfrm>
+              <a:off x="9857903" y="582968"/>
+              <a:ext cx="970546" cy="2074961"/>
+            </a:xfrm>
+            <a:prstGeom prst="rect">
+              <a:avLst/>
+            </a:prstGeom>
+          </p:spPr>
+        </p:pic>
       </p:grpSp>
     </p:spTree>
     <p:extLst>
@@ -9455,7 +9557,7 @@
         </p:nvGrpSpPr>
         <p:grpSpPr>
           <a:xfrm>
-            <a:off x="1955625" y="3096599"/>
+            <a:off x="2003753" y="3096599"/>
             <a:ext cx="3205758" cy="1581851"/>
             <a:chOff x="716291" y="488048"/>
             <a:chExt cx="5113256" cy="1916473"/>
@@ -9705,21 +9807,7 @@
                 <a:latin typeface="나눔스퀘어 Bold" panose="020B0600000101010101" pitchFamily="50" charset="-127"/>
                 <a:ea typeface="나눔스퀘어 Bold" panose="020B0600000101010101" pitchFamily="50" charset="-127"/>
               </a:rPr>
-              <a:t>Spring</a:t>
-            </a:r>
-            <a:r>
-              <a:rPr lang="en-US" altLang="ko-KR" sz="2400" dirty="0" smtClean="0">
-                <a:ln>
-                  <a:solidFill>
-                    <a:schemeClr val="accent1">
-                      <a:alpha val="0"/>
-                    </a:schemeClr>
-                  </a:solidFill>
-                </a:ln>
-                <a:latin typeface="나눔스퀘어 Bold" panose="020B0600000101010101" pitchFamily="50" charset="-127"/>
-                <a:ea typeface="나눔스퀘어 Bold" panose="020B0600000101010101" pitchFamily="50" charset="-127"/>
-              </a:rPr>
-              <a:t> </a:t>
+              <a:t>Spring </a:t>
             </a:r>
             <a:r>
               <a:rPr lang="ko-KR" altLang="en-US" sz="2400" dirty="0">
@@ -10699,7 +10787,7 @@
       </p:sp>
       <p:sp>
         <p:nvSpPr>
-          <p:cNvPr id="6" name="양쪽 모서리가 둥근 사각형 5"/>
+          <p:cNvPr id="55" name="양쪽 모서리가 둥근 사각형 54"/>
           <p:cNvSpPr/>
           <p:nvPr/>
         </p:nvSpPr>
@@ -14857,87 +14945,120 @@
           </a:p>
         </p:txBody>
       </p:sp>
-      <p:sp>
-        <p:nvSpPr>
-          <p:cNvPr id="40" name="TextBox 39"/>
-          <p:cNvSpPr txBox="1"/>
+      <p:pic>
+        <p:nvPicPr>
+          <p:cNvPr id="57" name="그림 56"/>
+          <p:cNvPicPr>
+            <a:picLocks noChangeAspect="1"/>
+          </p:cNvPicPr>
           <p:nvPr/>
-        </p:nvSpPr>
+        </p:nvPicPr>
+        <p:blipFill>
+          <a:blip r:embed="rId3">
+            <a:extLst>
+              <a:ext uri="{28A0092B-C50C-407E-A947-70E740481C1C}">
+                <a14:useLocalDpi xmlns:a14="http://schemas.microsoft.com/office/drawing/2010/main" val="0"/>
+              </a:ext>
+            </a:extLst>
+          </a:blip>
+          <a:stretch>
+            <a:fillRect/>
+          </a:stretch>
+        </p:blipFill>
         <p:spPr>
           <a:xfrm>
-            <a:off x="1318801" y="626378"/>
-            <a:ext cx="5250155" cy="707886"/>
+            <a:off x="1281326" y="4550580"/>
+            <a:ext cx="1598379" cy="1721333"/>
           </a:xfrm>
           <a:prstGeom prst="rect">
             <a:avLst/>
           </a:prstGeom>
-          <a:noFill/>
         </p:spPr>
-        <p:txBody>
-          <a:bodyPr wrap="none" rtlCol="0">
-            <a:spAutoFit/>
-          </a:bodyPr>
-          <a:lstStyle/>
-          <a:p>
-            <a:r>
-              <a:rPr lang="en-US" altLang="ko-KR" sz="4000" b="1" dirty="0">
-                <a:latin typeface="나눔바른고딕" panose="020B0603020101020101" pitchFamily="50" charset="-127"/>
-                <a:ea typeface="나눔바른고딕" panose="020B0603020101020101" pitchFamily="50" charset="-127"/>
-              </a:rPr>
-              <a:t>INDEX</a:t>
-            </a:r>
-            <a:r>
-              <a:rPr lang="en-US" altLang="ko-KR" sz="4000" b="1" dirty="0" smtClean="0">
-                <a:latin typeface="나눔바른고딕" panose="020B0603020101020101" pitchFamily="50" charset="-127"/>
-                <a:ea typeface="나눔바른고딕" panose="020B0603020101020101" pitchFamily="50" charset="-127"/>
-              </a:rPr>
-              <a:t>.(</a:t>
-            </a:r>
-            <a:r>
-              <a:rPr lang="ko-KR" altLang="en-US" sz="4000" b="1" dirty="0" smtClean="0">
-                <a:latin typeface="나눔바른고딕" panose="020B0603020101020101" pitchFamily="50" charset="-127"/>
-                <a:ea typeface="나눔바른고딕" panose="020B0603020101020101" pitchFamily="50" charset="-127"/>
-              </a:rPr>
-              <a:t>기능 구현 순서</a:t>
-            </a:r>
-            <a:r>
-              <a:rPr lang="en-US" altLang="ko-KR" sz="4000" b="1" dirty="0" smtClean="0">
-                <a:latin typeface="나눔바른고딕" panose="020B0603020101020101" pitchFamily="50" charset="-127"/>
-                <a:ea typeface="나눔바른고딕" panose="020B0603020101020101" pitchFamily="50" charset="-127"/>
-              </a:rPr>
-              <a:t>)</a:t>
-            </a:r>
-            <a:endParaRPr lang="ko-KR" altLang="en-US" sz="4000" b="1" dirty="0">
-              <a:latin typeface="나눔바른고딕" panose="020B0603020101020101" pitchFamily="50" charset="-127"/>
-              <a:ea typeface="나눔바른고딕" panose="020B0603020101020101" pitchFamily="50" charset="-127"/>
-            </a:endParaRPr>
-          </a:p>
-        </p:txBody>
-      </p:sp>
+      </p:pic>
+      <p:pic>
+        <p:nvPicPr>
+          <p:cNvPr id="58" name="그림 57"/>
+          <p:cNvPicPr>
+            <a:picLocks noChangeAspect="1"/>
+          </p:cNvPicPr>
+          <p:nvPr/>
+        </p:nvPicPr>
+        <p:blipFill>
+          <a:blip r:embed="rId4">
+            <a:extLst>
+              <a:ext uri="{28A0092B-C50C-407E-A947-70E740481C1C}">
+                <a14:useLocalDpi xmlns:a14="http://schemas.microsoft.com/office/drawing/2010/main" val="0"/>
+              </a:ext>
+            </a:extLst>
+          </a:blip>
+          <a:stretch>
+            <a:fillRect/>
+          </a:stretch>
+        </p:blipFill>
+        <p:spPr>
+          <a:xfrm>
+            <a:off x="10176166" y="5093049"/>
+            <a:ext cx="731615" cy="1198336"/>
+          </a:xfrm>
+          <a:prstGeom prst="rect">
+            <a:avLst/>
+          </a:prstGeom>
+        </p:spPr>
+      </p:pic>
+      <p:pic>
+        <p:nvPicPr>
+          <p:cNvPr id="59" name="그림 58"/>
+          <p:cNvPicPr>
+            <a:picLocks noChangeAspect="1"/>
+          </p:cNvPicPr>
+          <p:nvPr/>
+        </p:nvPicPr>
+        <p:blipFill>
+          <a:blip r:embed="rId5">
+            <a:extLst>
+              <a:ext uri="{28A0092B-C50C-407E-A947-70E740481C1C}">
+                <a14:useLocalDpi xmlns:a14="http://schemas.microsoft.com/office/drawing/2010/main" val="0"/>
+              </a:ext>
+            </a:extLst>
+          </a:blip>
+          <a:stretch>
+            <a:fillRect/>
+          </a:stretch>
+        </p:blipFill>
+        <p:spPr>
+          <a:xfrm>
+            <a:off x="9857903" y="582968"/>
+            <a:ext cx="970546" cy="2074961"/>
+          </a:xfrm>
+          <a:prstGeom prst="rect">
+            <a:avLst/>
+          </a:prstGeom>
+        </p:spPr>
+      </p:pic>
       <p:grpSp>
         <p:nvGrpSpPr>
-          <p:cNvPr id="46" name="그룹 45"/>
+          <p:cNvPr id="2" name="그룹 1"/>
           <p:cNvGrpSpPr/>
           <p:nvPr/>
         </p:nvGrpSpPr>
         <p:grpSpPr>
           <a:xfrm>
-            <a:off x="1543769" y="1832474"/>
-            <a:ext cx="1822978" cy="3367300"/>
-            <a:chOff x="830426" y="1862807"/>
-            <a:chExt cx="1822978" cy="3367300"/>
+            <a:off x="1318801" y="626378"/>
+            <a:ext cx="8478118" cy="5065839"/>
+            <a:chOff x="1318801" y="626378"/>
+            <a:chExt cx="8478118" cy="5065839"/>
           </a:xfrm>
         </p:grpSpPr>
         <p:sp>
           <p:nvSpPr>
-            <p:cNvPr id="47" name="TextBox 46"/>
+            <p:cNvPr id="40" name="TextBox 39"/>
             <p:cNvSpPr txBox="1"/>
             <p:nvPr/>
           </p:nvSpPr>
           <p:spPr>
             <a:xfrm>
-              <a:off x="935170" y="1862807"/>
-              <a:ext cx="530915" cy="523220"/>
+              <a:off x="1318801" y="626378"/>
+              <a:ext cx="4221027" cy="707886"/>
             </a:xfrm>
             <a:prstGeom prst="rect">
               <a:avLst/>
@@ -14951,601 +15072,1202 @@
             <a:lstStyle/>
             <a:p>
               <a:r>
-                <a:rPr lang="en-US" altLang="ko-KR" sz="2800" b="1" spc="-300" dirty="0">
-                  <a:latin typeface="나눔스퀘어 Light" panose="020B0600000101010101" pitchFamily="50" charset="-127"/>
-                  <a:ea typeface="나눔스퀘어 Light" panose="020B0600000101010101" pitchFamily="50" charset="-127"/>
-                </a:rPr>
-                <a:t>01</a:t>
-              </a:r>
-              <a:endParaRPr lang="ko-KR" altLang="en-US" sz="2800" b="1" spc="-300" dirty="0">
-                <a:latin typeface="나눔스퀘어 Light" panose="020B0600000101010101" pitchFamily="50" charset="-127"/>
-                <a:ea typeface="나눔스퀘어 Light" panose="020B0600000101010101" pitchFamily="50" charset="-127"/>
-              </a:endParaRPr>
-            </a:p>
-          </p:txBody>
-        </p:sp>
-        <p:cxnSp>
-          <p:nvCxnSpPr>
-            <p:cNvPr id="48" name="직선 연결선 47"/>
-            <p:cNvCxnSpPr/>
-            <p:nvPr/>
-          </p:nvCxnSpPr>
-          <p:spPr>
-            <a:xfrm>
-              <a:off x="1015104" y="2386027"/>
-              <a:ext cx="1102945" cy="0"/>
-            </a:xfrm>
-            <a:prstGeom prst="line">
-              <a:avLst/>
-            </a:prstGeom>
-            <a:ln w="69850" cmpd="thinThick">
-              <a:solidFill>
-                <a:schemeClr val="bg1"/>
-              </a:solidFill>
-            </a:ln>
-          </p:spPr>
-          <p:style>
-            <a:lnRef idx="1">
-              <a:schemeClr val="accent1"/>
-            </a:lnRef>
-            <a:fillRef idx="0">
-              <a:schemeClr val="accent1"/>
-            </a:fillRef>
-            <a:effectRef idx="0">
-              <a:schemeClr val="accent1"/>
-            </a:effectRef>
-            <a:fontRef idx="minor">
-              <a:schemeClr val="tx1"/>
-            </a:fontRef>
-          </p:style>
-        </p:cxnSp>
-        <p:cxnSp>
-          <p:nvCxnSpPr>
-            <p:cNvPr id="49" name="직선 연결선 48"/>
-            <p:cNvCxnSpPr/>
-            <p:nvPr/>
-          </p:nvCxnSpPr>
-          <p:spPr>
-            <a:xfrm>
-              <a:off x="1015104" y="3477425"/>
-              <a:ext cx="1102945" cy="0"/>
-            </a:xfrm>
-            <a:prstGeom prst="line">
-              <a:avLst/>
-            </a:prstGeom>
-            <a:ln w="19050" cmpd="sng">
-              <a:solidFill>
-                <a:schemeClr val="bg1"/>
-              </a:solidFill>
-            </a:ln>
-          </p:spPr>
-          <p:style>
-            <a:lnRef idx="1">
-              <a:schemeClr val="accent1"/>
-            </a:lnRef>
-            <a:fillRef idx="0">
-              <a:schemeClr val="accent1"/>
-            </a:fillRef>
-            <a:effectRef idx="0">
-              <a:schemeClr val="accent1"/>
-            </a:effectRef>
-            <a:fontRef idx="minor">
-              <a:schemeClr val="tx1"/>
-            </a:fontRef>
-          </p:style>
-        </p:cxnSp>
-        <p:sp>
-          <p:nvSpPr>
-            <p:cNvPr id="50" name="TextBox 49"/>
-            <p:cNvSpPr txBox="1"/>
-            <p:nvPr/>
-          </p:nvSpPr>
-          <p:spPr>
-            <a:xfrm>
-              <a:off x="830426" y="2704662"/>
-              <a:ext cx="1711532" cy="954107"/>
-            </a:xfrm>
-            <a:prstGeom prst="rect">
-              <a:avLst/>
-            </a:prstGeom>
-            <a:noFill/>
-          </p:spPr>
-          <p:txBody>
-            <a:bodyPr wrap="square" rtlCol="0">
-              <a:spAutoFit/>
-            </a:bodyPr>
-            <a:lstStyle/>
-            <a:p>
-              <a:pPr algn="ctr"/>
-              <a:r>
-                <a:rPr lang="ko-KR" altLang="en-US" sz="2800" b="1" dirty="0" smtClean="0">
-                  <a:latin typeface="나눔스퀘어 ExtraBold" panose="020B0600000101010101" pitchFamily="50" charset="-127"/>
-                  <a:ea typeface="나눔스퀘어 ExtraBold" panose="020B0600000101010101" pitchFamily="50" charset="-127"/>
-                </a:rPr>
-                <a:t>관리자</a:t>
-              </a:r>
-              <a:r>
-                <a:rPr lang="en-US" altLang="ko-KR" sz="2800" b="1" dirty="0">
-                  <a:latin typeface="나눔스퀘어 ExtraBold" panose="020B0600000101010101" pitchFamily="50" charset="-127"/>
-                  <a:ea typeface="나눔스퀘어 ExtraBold" panose="020B0600000101010101" pitchFamily="50" charset="-127"/>
-                </a:rPr>
-                <a:t> </a:t>
-              </a:r>
-              <a:endParaRPr lang="en-US" altLang="ko-KR" sz="2800" b="1" dirty="0" smtClean="0">
-                <a:latin typeface="나눔스퀘어 ExtraBold" panose="020B0600000101010101" pitchFamily="50" charset="-127"/>
-                <a:ea typeface="나눔스퀘어 ExtraBold" panose="020B0600000101010101" pitchFamily="50" charset="-127"/>
-              </a:endParaRPr>
-            </a:p>
-            <a:p>
-              <a:pPr algn="ctr"/>
-              <a:r>
-                <a:rPr lang="en-US" altLang="ko-KR" sz="2800" b="1" dirty="0" smtClean="0">
-                  <a:latin typeface="나눔스퀘어 ExtraBold" panose="020B0600000101010101" pitchFamily="50" charset="-127"/>
-                  <a:ea typeface="나눔스퀘어 ExtraBold" panose="020B0600000101010101" pitchFamily="50" charset="-127"/>
-                </a:rPr>
-                <a:t>Part</a:t>
-              </a:r>
-              <a:endParaRPr lang="ko-KR" altLang="en-US" sz="2800" b="1" dirty="0">
-                <a:latin typeface="나눔스퀘어 ExtraBold" panose="020B0600000101010101" pitchFamily="50" charset="-127"/>
-                <a:ea typeface="나눔스퀘어 ExtraBold" panose="020B0600000101010101" pitchFamily="50" charset="-127"/>
-              </a:endParaRPr>
-            </a:p>
-          </p:txBody>
-        </p:sp>
-        <p:sp>
-          <p:nvSpPr>
-            <p:cNvPr id="53" name="TextBox 52"/>
-            <p:cNvSpPr txBox="1"/>
-            <p:nvPr/>
-          </p:nvSpPr>
-          <p:spPr>
-            <a:xfrm>
-              <a:off x="1002404" y="3660447"/>
-              <a:ext cx="1651000" cy="1569660"/>
-            </a:xfrm>
-            <a:prstGeom prst="rect">
-              <a:avLst/>
-            </a:prstGeom>
-            <a:noFill/>
-          </p:spPr>
-          <p:txBody>
-            <a:bodyPr wrap="square" rtlCol="0">
-              <a:spAutoFit/>
-            </a:bodyPr>
-            <a:lstStyle/>
-            <a:p>
-              <a:pPr>
-                <a:lnSpc>
-                  <a:spcPct val="150000"/>
-                </a:lnSpc>
-              </a:pPr>
-              <a:endParaRPr lang="en-US" altLang="ko-KR" sz="1600" b="1" dirty="0" smtClean="0">
-                <a:latin typeface="나눔바른고딕" panose="020B0603020101020101" pitchFamily="50" charset="-127"/>
-                <a:ea typeface="나눔바른고딕" panose="020B0603020101020101" pitchFamily="50" charset="-127"/>
-              </a:endParaRPr>
-            </a:p>
-            <a:p>
-              <a:pPr>
-                <a:lnSpc>
-                  <a:spcPct val="150000"/>
-                </a:lnSpc>
-              </a:pPr>
-              <a:r>
-                <a:rPr lang="en-US" altLang="ko-KR" sz="1600" b="1" dirty="0">
+                <a:rPr lang="en-US" altLang="ko-KR" sz="4000" b="1" dirty="0">
                   <a:latin typeface="나눔바른고딕" panose="020B0603020101020101" pitchFamily="50" charset="-127"/>
                   <a:ea typeface="나눔바른고딕" panose="020B0603020101020101" pitchFamily="50" charset="-127"/>
                 </a:rPr>
-                <a:t>Spring </a:t>
+                <a:t>INDEX</a:t>
               </a:r>
               <a:r>
-                <a:rPr lang="en-US" altLang="ko-KR" sz="1600" b="1" dirty="0" smtClean="0">
+                <a:rPr lang="en-US" altLang="ko-KR" sz="4000" b="1" dirty="0" smtClean="0">
                   <a:latin typeface="나눔바른고딕" panose="020B0603020101020101" pitchFamily="50" charset="-127"/>
                   <a:ea typeface="나눔바른고딕" panose="020B0603020101020101" pitchFamily="50" charset="-127"/>
                 </a:rPr>
-                <a:t>Security</a:t>
+                <a:t>.(</a:t>
               </a:r>
-            </a:p>
-            <a:p>
-              <a:pPr>
-                <a:lnSpc>
-                  <a:spcPct val="150000"/>
-                </a:lnSpc>
-              </a:pPr>
               <a:r>
-                <a:rPr lang="ko-KR" altLang="en-US" sz="1600" b="1" dirty="0" smtClean="0">
+                <a:rPr lang="ko-KR" altLang="en-US" sz="4000" b="1" dirty="0" smtClean="0">
                   <a:latin typeface="나눔바른고딕" panose="020B0603020101020101" pitchFamily="50" charset="-127"/>
                   <a:ea typeface="나눔바른고딕" panose="020B0603020101020101" pitchFamily="50" charset="-127"/>
                 </a:rPr>
-                <a:t>은행 창구 시스템</a:t>
+                <a:t>시연 순서</a:t>
               </a:r>
-              <a:endParaRPr lang="en-US" altLang="ko-KR" sz="1600" b="1" dirty="0" smtClean="0">
-                <a:latin typeface="나눔바른고딕" panose="020B0603020101020101" pitchFamily="50" charset="-127"/>
-                <a:ea typeface="나눔바른고딕" panose="020B0603020101020101" pitchFamily="50" charset="-127"/>
-              </a:endParaRPr>
-            </a:p>
-            <a:p>
-              <a:pPr>
-                <a:lnSpc>
-                  <a:spcPct val="150000"/>
-                </a:lnSpc>
-              </a:pPr>
               <a:r>
-                <a:rPr lang="ko-KR" altLang="en-US" sz="1600" b="1" dirty="0" smtClean="0">
+                <a:rPr lang="en-US" altLang="ko-KR" sz="4000" b="1" dirty="0" smtClean="0">
                   <a:latin typeface="나눔바른고딕" panose="020B0603020101020101" pitchFamily="50" charset="-127"/>
                   <a:ea typeface="나눔바른고딕" panose="020B0603020101020101" pitchFamily="50" charset="-127"/>
                 </a:rPr>
-                <a:t>공</a:t>
+                <a:t>)</a:t>
               </a:r>
-              <a:r>
-                <a:rPr lang="en-US" altLang="ko-KR" sz="1600" b="1" dirty="0">
-                  <a:latin typeface="나눔바른고딕" panose="020B0603020101020101" pitchFamily="50" charset="-127"/>
-                  <a:ea typeface="나눔바른고딕" panose="020B0603020101020101" pitchFamily="50" charset="-127"/>
-                </a:rPr>
-                <a:t> </a:t>
-              </a:r>
-              <a:r>
-                <a:rPr lang="en-US" altLang="ko-KR" sz="1600" b="1" dirty="0" smtClean="0">
-                  <a:latin typeface="나눔바른고딕" panose="020B0603020101020101" pitchFamily="50" charset="-127"/>
-                  <a:ea typeface="나눔바른고딕" panose="020B0603020101020101" pitchFamily="50" charset="-127"/>
-                </a:rPr>
-                <a:t>     </a:t>
-              </a:r>
-              <a:r>
-                <a:rPr lang="ko-KR" altLang="en-US" sz="1600" b="1" dirty="0" smtClean="0">
-                  <a:latin typeface="나눔바른고딕" panose="020B0603020101020101" pitchFamily="50" charset="-127"/>
-                  <a:ea typeface="나눔바른고딕" panose="020B0603020101020101" pitchFamily="50" charset="-127"/>
-                </a:rPr>
-                <a:t>지</a:t>
-              </a:r>
-              <a:endParaRPr lang="en-US" altLang="ko-KR" sz="1600" b="1" dirty="0">
+              <a:endParaRPr lang="ko-KR" altLang="en-US" sz="4000" b="1" dirty="0">
                 <a:latin typeface="나눔바른고딕" panose="020B0603020101020101" pitchFamily="50" charset="-127"/>
                 <a:ea typeface="나눔바른고딕" panose="020B0603020101020101" pitchFamily="50" charset="-127"/>
               </a:endParaRPr>
             </a:p>
           </p:txBody>
         </p:sp>
-      </p:grpSp>
-      <p:grpSp>
-        <p:nvGrpSpPr>
-          <p:cNvPr id="61" name="그룹 60"/>
-          <p:cNvGrpSpPr/>
-          <p:nvPr/>
-        </p:nvGrpSpPr>
-        <p:grpSpPr>
-          <a:xfrm>
-            <a:off x="3985313" y="1782571"/>
-            <a:ext cx="1718234" cy="3417203"/>
-            <a:chOff x="935170" y="1812904"/>
-            <a:chExt cx="1718234" cy="3417203"/>
-          </a:xfrm>
-        </p:grpSpPr>
-        <p:sp>
-          <p:nvSpPr>
-            <p:cNvPr id="63" name="TextBox 62"/>
-            <p:cNvSpPr txBox="1"/>
+        <p:grpSp>
+          <p:nvGrpSpPr>
+            <p:cNvPr id="46" name="그룹 45"/>
+            <p:cNvGrpSpPr/>
             <p:nvPr/>
-          </p:nvSpPr>
-          <p:spPr>
+          </p:nvGrpSpPr>
+          <p:grpSpPr>
             <a:xfrm>
-              <a:off x="935170" y="1812904"/>
-              <a:ext cx="530915" cy="523220"/>
+              <a:off x="1543769" y="1832474"/>
+              <a:ext cx="1822978" cy="3367300"/>
+              <a:chOff x="830426" y="1862807"/>
+              <a:chExt cx="1822978" cy="3367300"/>
             </a:xfrm>
-            <a:prstGeom prst="rect">
-              <a:avLst/>
-            </a:prstGeom>
-            <a:noFill/>
-          </p:spPr>
-          <p:txBody>
-            <a:bodyPr wrap="none" rtlCol="0">
-              <a:spAutoFit/>
-            </a:bodyPr>
-            <a:lstStyle/>
-            <a:p>
-              <a:r>
-                <a:rPr lang="en-US" altLang="ko-KR" sz="2800" b="1" spc="-300" dirty="0" smtClean="0">
+          </p:grpSpPr>
+          <p:sp>
+            <p:nvSpPr>
+              <p:cNvPr id="47" name="TextBox 46"/>
+              <p:cNvSpPr txBox="1"/>
+              <p:nvPr/>
+            </p:nvSpPr>
+            <p:spPr>
+              <a:xfrm>
+                <a:off x="935170" y="1862807"/>
+                <a:ext cx="530915" cy="523220"/>
+              </a:xfrm>
+              <a:prstGeom prst="rect">
+                <a:avLst/>
+              </a:prstGeom>
+              <a:noFill/>
+            </p:spPr>
+            <p:txBody>
+              <a:bodyPr wrap="none" rtlCol="0">
+                <a:spAutoFit/>
+              </a:bodyPr>
+              <a:lstStyle/>
+              <a:p>
+                <a:r>
+                  <a:rPr lang="en-US" altLang="ko-KR" sz="2800" b="1" spc="-300" dirty="0">
+                    <a:latin typeface="나눔스퀘어 Light" panose="020B0600000101010101" pitchFamily="50" charset="-127"/>
+                    <a:ea typeface="나눔스퀘어 Light" panose="020B0600000101010101" pitchFamily="50" charset="-127"/>
+                  </a:rPr>
+                  <a:t>01</a:t>
+                </a:r>
+                <a:endParaRPr lang="ko-KR" altLang="en-US" sz="2800" b="1" spc="-300" dirty="0">
                   <a:latin typeface="나눔스퀘어 Light" panose="020B0600000101010101" pitchFamily="50" charset="-127"/>
                   <a:ea typeface="나눔스퀘어 Light" panose="020B0600000101010101" pitchFamily="50" charset="-127"/>
-                </a:rPr>
-                <a:t>02</a:t>
-              </a:r>
-              <a:endParaRPr lang="ko-KR" altLang="en-US" sz="2800" b="1" spc="-300" dirty="0">
-                <a:latin typeface="나눔스퀘어 Light" panose="020B0600000101010101" pitchFamily="50" charset="-127"/>
-                <a:ea typeface="나눔스퀘어 Light" panose="020B0600000101010101" pitchFamily="50" charset="-127"/>
-              </a:endParaRPr>
-            </a:p>
-          </p:txBody>
-        </p:sp>
+                </a:endParaRPr>
+              </a:p>
+            </p:txBody>
+          </p:sp>
+          <p:cxnSp>
+            <p:nvCxnSpPr>
+              <p:cNvPr id="48" name="직선 연결선 47"/>
+              <p:cNvCxnSpPr/>
+              <p:nvPr/>
+            </p:nvCxnSpPr>
+            <p:spPr>
+              <a:xfrm>
+                <a:off x="1015104" y="2386027"/>
+                <a:ext cx="1102945" cy="0"/>
+              </a:xfrm>
+              <a:prstGeom prst="line">
+                <a:avLst/>
+              </a:prstGeom>
+              <a:ln w="69850" cmpd="thinThick">
+                <a:solidFill>
+                  <a:schemeClr val="bg1"/>
+                </a:solidFill>
+              </a:ln>
+            </p:spPr>
+            <p:style>
+              <a:lnRef idx="1">
+                <a:schemeClr val="accent1"/>
+              </a:lnRef>
+              <a:fillRef idx="0">
+                <a:schemeClr val="accent1"/>
+              </a:fillRef>
+              <a:effectRef idx="0">
+                <a:schemeClr val="accent1"/>
+              </a:effectRef>
+              <a:fontRef idx="minor">
+                <a:schemeClr val="tx1"/>
+              </a:fontRef>
+            </p:style>
+          </p:cxnSp>
+          <p:cxnSp>
+            <p:nvCxnSpPr>
+              <p:cNvPr id="49" name="직선 연결선 48"/>
+              <p:cNvCxnSpPr/>
+              <p:nvPr/>
+            </p:nvCxnSpPr>
+            <p:spPr>
+              <a:xfrm>
+                <a:off x="1015104" y="3477425"/>
+                <a:ext cx="1102945" cy="0"/>
+              </a:xfrm>
+              <a:prstGeom prst="line">
+                <a:avLst/>
+              </a:prstGeom>
+              <a:ln w="19050" cmpd="sng">
+                <a:solidFill>
+                  <a:schemeClr val="bg1"/>
+                </a:solidFill>
+              </a:ln>
+            </p:spPr>
+            <p:style>
+              <a:lnRef idx="1">
+                <a:schemeClr val="accent1"/>
+              </a:lnRef>
+              <a:fillRef idx="0">
+                <a:schemeClr val="accent1"/>
+              </a:fillRef>
+              <a:effectRef idx="0">
+                <a:schemeClr val="accent1"/>
+              </a:effectRef>
+              <a:fontRef idx="minor">
+                <a:schemeClr val="tx1"/>
+              </a:fontRef>
+            </p:style>
+          </p:cxnSp>
+          <p:sp>
+            <p:nvSpPr>
+              <p:cNvPr id="50" name="TextBox 49"/>
+              <p:cNvSpPr txBox="1"/>
+              <p:nvPr/>
+            </p:nvSpPr>
+            <p:spPr>
+              <a:xfrm>
+                <a:off x="830426" y="2704662"/>
+                <a:ext cx="1711532" cy="954107"/>
+              </a:xfrm>
+              <a:prstGeom prst="rect">
+                <a:avLst/>
+              </a:prstGeom>
+              <a:noFill/>
+            </p:spPr>
+            <p:txBody>
+              <a:bodyPr wrap="square" rtlCol="0">
+                <a:spAutoFit/>
+              </a:bodyPr>
+              <a:lstStyle/>
+              <a:p>
+                <a:pPr algn="ctr"/>
+                <a:r>
+                  <a:rPr lang="ko-KR" altLang="en-US" sz="2800" b="1" dirty="0" smtClean="0">
+                    <a:latin typeface="나눔스퀘어 ExtraBold" panose="020B0600000101010101" pitchFamily="50" charset="-127"/>
+                    <a:ea typeface="나눔스퀘어 ExtraBold" panose="020B0600000101010101" pitchFamily="50" charset="-127"/>
+                  </a:rPr>
+                  <a:t>관리자</a:t>
+                </a:r>
+                <a:r>
+                  <a:rPr lang="en-US" altLang="ko-KR" sz="2800" b="1" dirty="0">
+                    <a:latin typeface="나눔스퀘어 ExtraBold" panose="020B0600000101010101" pitchFamily="50" charset="-127"/>
+                    <a:ea typeface="나눔스퀘어 ExtraBold" panose="020B0600000101010101" pitchFamily="50" charset="-127"/>
+                  </a:rPr>
+                  <a:t> </a:t>
+                </a:r>
+                <a:endParaRPr lang="en-US" altLang="ko-KR" sz="2800" b="1" dirty="0" smtClean="0">
+                  <a:latin typeface="나눔스퀘어 ExtraBold" panose="020B0600000101010101" pitchFamily="50" charset="-127"/>
+                  <a:ea typeface="나눔스퀘어 ExtraBold" panose="020B0600000101010101" pitchFamily="50" charset="-127"/>
+                </a:endParaRPr>
+              </a:p>
+              <a:p>
+                <a:pPr algn="ctr"/>
+                <a:r>
+                  <a:rPr lang="en-US" altLang="ko-KR" sz="2800" b="1" dirty="0" smtClean="0">
+                    <a:latin typeface="나눔스퀘어 ExtraBold" panose="020B0600000101010101" pitchFamily="50" charset="-127"/>
+                    <a:ea typeface="나눔스퀘어 ExtraBold" panose="020B0600000101010101" pitchFamily="50" charset="-127"/>
+                  </a:rPr>
+                  <a:t>Part</a:t>
+                </a:r>
+                <a:endParaRPr lang="ko-KR" altLang="en-US" sz="2800" b="1" dirty="0">
+                  <a:latin typeface="나눔스퀘어 ExtraBold" panose="020B0600000101010101" pitchFamily="50" charset="-127"/>
+                  <a:ea typeface="나눔스퀘어 ExtraBold" panose="020B0600000101010101" pitchFamily="50" charset="-127"/>
+                </a:endParaRPr>
+              </a:p>
+            </p:txBody>
+          </p:sp>
+          <p:sp>
+            <p:nvSpPr>
+              <p:cNvPr id="53" name="TextBox 52"/>
+              <p:cNvSpPr txBox="1"/>
+              <p:nvPr/>
+            </p:nvSpPr>
+            <p:spPr>
+              <a:xfrm>
+                <a:off x="1002404" y="3660447"/>
+                <a:ext cx="1651000" cy="1569660"/>
+              </a:xfrm>
+              <a:prstGeom prst="rect">
+                <a:avLst/>
+              </a:prstGeom>
+              <a:noFill/>
+            </p:spPr>
+            <p:txBody>
+              <a:bodyPr wrap="square" rtlCol="0">
+                <a:spAutoFit/>
+              </a:bodyPr>
+              <a:lstStyle/>
+              <a:p>
+                <a:pPr>
+                  <a:lnSpc>
+                    <a:spcPct val="150000"/>
+                  </a:lnSpc>
+                </a:pPr>
+                <a:endParaRPr lang="en-US" altLang="ko-KR" sz="1600" b="1" dirty="0" smtClean="0">
+                  <a:latin typeface="나눔바른고딕" panose="020B0603020101020101" pitchFamily="50" charset="-127"/>
+                  <a:ea typeface="나눔바른고딕" panose="020B0603020101020101" pitchFamily="50" charset="-127"/>
+                </a:endParaRPr>
+              </a:p>
+              <a:p>
+                <a:pPr>
+                  <a:lnSpc>
+                    <a:spcPct val="150000"/>
+                  </a:lnSpc>
+                </a:pPr>
+                <a:r>
+                  <a:rPr lang="en-US" altLang="ko-KR" sz="1600" b="1" dirty="0">
+                    <a:latin typeface="나눔바른고딕" panose="020B0603020101020101" pitchFamily="50" charset="-127"/>
+                    <a:ea typeface="나눔바른고딕" panose="020B0603020101020101" pitchFamily="50" charset="-127"/>
+                  </a:rPr>
+                  <a:t>Spring </a:t>
+                </a:r>
+                <a:r>
+                  <a:rPr lang="en-US" altLang="ko-KR" sz="1600" b="1" dirty="0" smtClean="0">
+                    <a:latin typeface="나눔바른고딕" panose="020B0603020101020101" pitchFamily="50" charset="-127"/>
+                    <a:ea typeface="나눔바른고딕" panose="020B0603020101020101" pitchFamily="50" charset="-127"/>
+                  </a:rPr>
+                  <a:t>Security</a:t>
+                </a:r>
+              </a:p>
+              <a:p>
+                <a:pPr>
+                  <a:lnSpc>
+                    <a:spcPct val="150000"/>
+                  </a:lnSpc>
+                </a:pPr>
+                <a:r>
+                  <a:rPr lang="ko-KR" altLang="en-US" sz="1600" b="1" dirty="0" smtClean="0">
+                    <a:latin typeface="나눔바른고딕" panose="020B0603020101020101" pitchFamily="50" charset="-127"/>
+                    <a:ea typeface="나눔바른고딕" panose="020B0603020101020101" pitchFamily="50" charset="-127"/>
+                  </a:rPr>
+                  <a:t>은행 창구 시스템</a:t>
+                </a:r>
+                <a:endParaRPr lang="en-US" altLang="ko-KR" sz="1600" b="1" dirty="0" smtClean="0">
+                  <a:latin typeface="나눔바른고딕" panose="020B0603020101020101" pitchFamily="50" charset="-127"/>
+                  <a:ea typeface="나눔바른고딕" panose="020B0603020101020101" pitchFamily="50" charset="-127"/>
+                </a:endParaRPr>
+              </a:p>
+              <a:p>
+                <a:pPr algn="ctr">
+                  <a:lnSpc>
+                    <a:spcPct val="150000"/>
+                  </a:lnSpc>
+                </a:pPr>
+                <a:r>
+                  <a:rPr lang="ko-KR" altLang="en-US" sz="1600" b="1" dirty="0" smtClean="0">
+                    <a:latin typeface="나눔바른고딕" panose="020B0603020101020101" pitchFamily="50" charset="-127"/>
+                    <a:ea typeface="나눔바른고딕" panose="020B0603020101020101" pitchFamily="50" charset="-127"/>
+                  </a:rPr>
+                  <a:t>공</a:t>
+                </a:r>
+                <a:r>
+                  <a:rPr lang="en-US" altLang="ko-KR" sz="1600" b="1" dirty="0">
+                    <a:latin typeface="나눔바른고딕" panose="020B0603020101020101" pitchFamily="50" charset="-127"/>
+                    <a:ea typeface="나눔바른고딕" panose="020B0603020101020101" pitchFamily="50" charset="-127"/>
+                  </a:rPr>
+                  <a:t> </a:t>
+                </a:r>
+                <a:r>
+                  <a:rPr lang="en-US" altLang="ko-KR" sz="1600" b="1" dirty="0" smtClean="0">
+                    <a:latin typeface="나눔바른고딕" panose="020B0603020101020101" pitchFamily="50" charset="-127"/>
+                    <a:ea typeface="나눔바른고딕" panose="020B0603020101020101" pitchFamily="50" charset="-127"/>
+                  </a:rPr>
+                  <a:t>     </a:t>
+                </a:r>
+                <a:r>
+                  <a:rPr lang="ko-KR" altLang="en-US" sz="1600" b="1" dirty="0" smtClean="0">
+                    <a:latin typeface="나눔바른고딕" panose="020B0603020101020101" pitchFamily="50" charset="-127"/>
+                    <a:ea typeface="나눔바른고딕" panose="020B0603020101020101" pitchFamily="50" charset="-127"/>
+                  </a:rPr>
+                  <a:t>지</a:t>
+                </a:r>
+                <a:endParaRPr lang="en-US" altLang="ko-KR" sz="1600" b="1" dirty="0">
+                  <a:latin typeface="나눔바른고딕" panose="020B0603020101020101" pitchFamily="50" charset="-127"/>
+                  <a:ea typeface="나눔바른고딕" panose="020B0603020101020101" pitchFamily="50" charset="-127"/>
+                </a:endParaRPr>
+              </a:p>
+            </p:txBody>
+          </p:sp>
+        </p:grpSp>
+        <p:grpSp>
+          <p:nvGrpSpPr>
+            <p:cNvPr id="61" name="그룹 60"/>
+            <p:cNvGrpSpPr/>
+            <p:nvPr/>
+          </p:nvGrpSpPr>
+          <p:grpSpPr>
+            <a:xfrm>
+              <a:off x="3985313" y="1782571"/>
+              <a:ext cx="1404835" cy="3417203"/>
+              <a:chOff x="935170" y="1812904"/>
+              <a:chExt cx="1404835" cy="3417203"/>
+            </a:xfrm>
+          </p:grpSpPr>
+          <p:sp>
+            <p:nvSpPr>
+              <p:cNvPr id="63" name="TextBox 62"/>
+              <p:cNvSpPr txBox="1"/>
+              <p:nvPr/>
+            </p:nvSpPr>
+            <p:spPr>
+              <a:xfrm>
+                <a:off x="935170" y="1812904"/>
+                <a:ext cx="530915" cy="523220"/>
+              </a:xfrm>
+              <a:prstGeom prst="rect">
+                <a:avLst/>
+              </a:prstGeom>
+              <a:noFill/>
+            </p:spPr>
+            <p:txBody>
+              <a:bodyPr wrap="none" rtlCol="0">
+                <a:spAutoFit/>
+              </a:bodyPr>
+              <a:lstStyle/>
+              <a:p>
+                <a:r>
+                  <a:rPr lang="en-US" altLang="ko-KR" sz="2800" b="1" spc="-300" dirty="0" smtClean="0">
+                    <a:latin typeface="나눔스퀘어 Light" panose="020B0600000101010101" pitchFamily="50" charset="-127"/>
+                    <a:ea typeface="나눔스퀘어 Light" panose="020B0600000101010101" pitchFamily="50" charset="-127"/>
+                  </a:rPr>
+                  <a:t>02</a:t>
+                </a:r>
+                <a:endParaRPr lang="ko-KR" altLang="en-US" sz="2800" b="1" spc="-300" dirty="0">
+                  <a:latin typeface="나눔스퀘어 Light" panose="020B0600000101010101" pitchFamily="50" charset="-127"/>
+                  <a:ea typeface="나눔스퀘어 Light" panose="020B0600000101010101" pitchFamily="50" charset="-127"/>
+                </a:endParaRPr>
+              </a:p>
+            </p:txBody>
+          </p:sp>
+          <p:cxnSp>
+            <p:nvCxnSpPr>
+              <p:cNvPr id="64" name="직선 연결선 63"/>
+              <p:cNvCxnSpPr/>
+              <p:nvPr/>
+            </p:nvCxnSpPr>
+            <p:spPr>
+              <a:xfrm>
+                <a:off x="1015104" y="2373995"/>
+                <a:ext cx="1102945" cy="0"/>
+              </a:xfrm>
+              <a:prstGeom prst="line">
+                <a:avLst/>
+              </a:prstGeom>
+              <a:ln w="69850" cmpd="thinThick">
+                <a:solidFill>
+                  <a:schemeClr val="bg1"/>
+                </a:solidFill>
+              </a:ln>
+            </p:spPr>
+            <p:style>
+              <a:lnRef idx="1">
+                <a:schemeClr val="accent1"/>
+              </a:lnRef>
+              <a:fillRef idx="0">
+                <a:schemeClr val="accent1"/>
+              </a:fillRef>
+              <a:effectRef idx="0">
+                <a:schemeClr val="accent1"/>
+              </a:effectRef>
+              <a:fontRef idx="minor">
+                <a:schemeClr val="tx1"/>
+              </a:fontRef>
+            </p:style>
+          </p:cxnSp>
+          <p:cxnSp>
+            <p:nvCxnSpPr>
+              <p:cNvPr id="65" name="직선 연결선 64"/>
+              <p:cNvCxnSpPr/>
+              <p:nvPr/>
+            </p:nvCxnSpPr>
+            <p:spPr>
+              <a:xfrm>
+                <a:off x="1015104" y="3477425"/>
+                <a:ext cx="1102945" cy="0"/>
+              </a:xfrm>
+              <a:prstGeom prst="line">
+                <a:avLst/>
+              </a:prstGeom>
+              <a:ln w="19050" cmpd="sng">
+                <a:solidFill>
+                  <a:schemeClr val="bg1"/>
+                </a:solidFill>
+              </a:ln>
+            </p:spPr>
+            <p:style>
+              <a:lnRef idx="1">
+                <a:schemeClr val="accent1"/>
+              </a:lnRef>
+              <a:fillRef idx="0">
+                <a:schemeClr val="accent1"/>
+              </a:fillRef>
+              <a:effectRef idx="0">
+                <a:schemeClr val="accent1"/>
+              </a:effectRef>
+              <a:fontRef idx="minor">
+                <a:schemeClr val="tx1"/>
+              </a:fontRef>
+            </p:style>
+          </p:cxnSp>
+          <p:sp>
+            <p:nvSpPr>
+              <p:cNvPr id="66" name="TextBox 65"/>
+              <p:cNvSpPr txBox="1"/>
+              <p:nvPr/>
+            </p:nvSpPr>
+            <p:spPr>
+              <a:xfrm>
+                <a:off x="950746" y="2704662"/>
+                <a:ext cx="1287624" cy="954107"/>
+              </a:xfrm>
+              <a:prstGeom prst="rect">
+                <a:avLst/>
+              </a:prstGeom>
+              <a:noFill/>
+            </p:spPr>
+            <p:txBody>
+              <a:bodyPr wrap="square" rtlCol="0">
+                <a:spAutoFit/>
+              </a:bodyPr>
+              <a:lstStyle/>
+              <a:p>
+                <a:pPr algn="ctr"/>
+                <a:r>
+                  <a:rPr lang="ko-KR" altLang="en-US" sz="2800" b="1" dirty="0" smtClean="0">
+                    <a:latin typeface="나눔스퀘어 ExtraBold" panose="020B0600000101010101" pitchFamily="50" charset="-127"/>
+                    <a:ea typeface="나눔스퀘어 ExtraBold" panose="020B0600000101010101" pitchFamily="50" charset="-127"/>
+                  </a:rPr>
+                  <a:t>사용자</a:t>
+                </a:r>
+                <a:r>
+                  <a:rPr lang="en-US" altLang="ko-KR" sz="2800" b="1" dirty="0">
+                    <a:latin typeface="나눔스퀘어 ExtraBold" panose="020B0600000101010101" pitchFamily="50" charset="-127"/>
+                    <a:ea typeface="나눔스퀘어 ExtraBold" panose="020B0600000101010101" pitchFamily="50" charset="-127"/>
+                  </a:rPr>
+                  <a:t> </a:t>
+                </a:r>
+                <a:endParaRPr lang="en-US" altLang="ko-KR" sz="2800" b="1" dirty="0" smtClean="0">
+                  <a:latin typeface="나눔스퀘어 ExtraBold" panose="020B0600000101010101" pitchFamily="50" charset="-127"/>
+                  <a:ea typeface="나눔스퀘어 ExtraBold" panose="020B0600000101010101" pitchFamily="50" charset="-127"/>
+                </a:endParaRPr>
+              </a:p>
+              <a:p>
+                <a:pPr algn="ctr"/>
+                <a:r>
+                  <a:rPr lang="en-US" altLang="ko-KR" sz="2800" b="1" dirty="0" smtClean="0">
+                    <a:latin typeface="나눔스퀘어 ExtraBold" panose="020B0600000101010101" pitchFamily="50" charset="-127"/>
+                    <a:ea typeface="나눔스퀘어 ExtraBold" panose="020B0600000101010101" pitchFamily="50" charset="-127"/>
+                  </a:rPr>
+                  <a:t>Part</a:t>
+                </a:r>
+                <a:endParaRPr lang="ko-KR" altLang="en-US" sz="2800" b="1" dirty="0">
+                  <a:latin typeface="나눔스퀘어 ExtraBold" panose="020B0600000101010101" pitchFamily="50" charset="-127"/>
+                  <a:ea typeface="나눔스퀘어 ExtraBold" panose="020B0600000101010101" pitchFamily="50" charset="-127"/>
+                </a:endParaRPr>
+              </a:p>
+            </p:txBody>
+          </p:sp>
+          <p:sp>
+            <p:nvSpPr>
+              <p:cNvPr id="67" name="TextBox 66"/>
+              <p:cNvSpPr txBox="1"/>
+              <p:nvPr/>
+            </p:nvSpPr>
+            <p:spPr>
+              <a:xfrm>
+                <a:off x="1002405" y="3660447"/>
+                <a:ext cx="1337600" cy="1569660"/>
+              </a:xfrm>
+              <a:prstGeom prst="rect">
+                <a:avLst/>
+              </a:prstGeom>
+              <a:noFill/>
+            </p:spPr>
+            <p:txBody>
+              <a:bodyPr wrap="square" rtlCol="0">
+                <a:spAutoFit/>
+              </a:bodyPr>
+              <a:lstStyle/>
+              <a:p>
+                <a:pPr>
+                  <a:lnSpc>
+                    <a:spcPct val="150000"/>
+                  </a:lnSpc>
+                </a:pPr>
+                <a:endParaRPr lang="en-US" altLang="ko-KR" sz="1600" b="1" dirty="0" smtClean="0">
+                  <a:latin typeface="나눔바른고딕" panose="020B0603020101020101" pitchFamily="50" charset="-127"/>
+                  <a:ea typeface="나눔바른고딕" panose="020B0603020101020101" pitchFamily="50" charset="-127"/>
+                </a:endParaRPr>
+              </a:p>
+              <a:p>
+                <a:pPr algn="ctr">
+                  <a:lnSpc>
+                    <a:spcPct val="150000"/>
+                  </a:lnSpc>
+                </a:pPr>
+                <a:r>
+                  <a:rPr lang="ko-KR" altLang="en-US" sz="1600" b="1" dirty="0" smtClean="0">
+                    <a:latin typeface="나눔바른고딕" panose="020B0603020101020101" pitchFamily="50" charset="-127"/>
+                    <a:ea typeface="나눔바른고딕" panose="020B0603020101020101" pitchFamily="50" charset="-127"/>
+                  </a:rPr>
+                  <a:t>화 면 구 현</a:t>
+                </a:r>
+                <a:endParaRPr lang="en-US" altLang="ko-KR" sz="1600" b="1" dirty="0" smtClean="0">
+                  <a:latin typeface="나눔바른고딕" panose="020B0603020101020101" pitchFamily="50" charset="-127"/>
+                  <a:ea typeface="나눔바른고딕" panose="020B0603020101020101" pitchFamily="50" charset="-127"/>
+                </a:endParaRPr>
+              </a:p>
+              <a:p>
+                <a:pPr algn="ctr">
+                  <a:lnSpc>
+                    <a:spcPct val="150000"/>
+                  </a:lnSpc>
+                </a:pPr>
+                <a:r>
+                  <a:rPr lang="ko-KR" altLang="en-US" sz="1600" b="1" dirty="0" err="1" smtClean="0">
+                    <a:latin typeface="나눔바른고딕" panose="020B0603020101020101" pitchFamily="50" charset="-127"/>
+                    <a:ea typeface="나눔바른고딕" panose="020B0603020101020101" pitchFamily="50" charset="-127"/>
+                  </a:rPr>
+                  <a:t>로</a:t>
+                </a:r>
+                <a:r>
+                  <a:rPr lang="ko-KR" altLang="en-US" sz="1600" b="1" dirty="0" smtClean="0">
+                    <a:latin typeface="나눔바른고딕" panose="020B0603020101020101" pitchFamily="50" charset="-127"/>
+                    <a:ea typeface="나눔바른고딕" panose="020B0603020101020101" pitchFamily="50" charset="-127"/>
+                  </a:rPr>
+                  <a:t> 그 인 </a:t>
+                </a:r>
+                <a:endParaRPr lang="en-US" altLang="ko-KR" sz="1600" b="1" dirty="0">
+                  <a:latin typeface="나눔바른고딕" panose="020B0603020101020101" pitchFamily="50" charset="-127"/>
+                  <a:ea typeface="나눔바른고딕" panose="020B0603020101020101" pitchFamily="50" charset="-127"/>
+                </a:endParaRPr>
+              </a:p>
+              <a:p>
+                <a:pPr algn="ctr">
+                  <a:lnSpc>
+                    <a:spcPct val="150000"/>
+                  </a:lnSpc>
+                </a:pPr>
+                <a:r>
+                  <a:rPr lang="ko-KR" altLang="en-US" sz="1600" b="1" dirty="0" smtClean="0">
+                    <a:latin typeface="나눔바른고딕" panose="020B0603020101020101" pitchFamily="50" charset="-127"/>
+                    <a:ea typeface="나눔바른고딕" panose="020B0603020101020101" pitchFamily="50" charset="-127"/>
+                  </a:rPr>
+                  <a:t>보</a:t>
+                </a:r>
+                <a:r>
+                  <a:rPr lang="en-US" altLang="ko-KR" sz="1600" b="1" dirty="0">
+                    <a:latin typeface="나눔바른고딕" panose="020B0603020101020101" pitchFamily="50" charset="-127"/>
+                    <a:ea typeface="나눔바른고딕" panose="020B0603020101020101" pitchFamily="50" charset="-127"/>
+                  </a:rPr>
+                  <a:t> </a:t>
+                </a:r>
+                <a:r>
+                  <a:rPr lang="en-US" altLang="ko-KR" sz="1600" b="1" dirty="0" smtClean="0">
+                    <a:latin typeface="나눔바른고딕" panose="020B0603020101020101" pitchFamily="50" charset="-127"/>
+                    <a:ea typeface="나눔바른고딕" panose="020B0603020101020101" pitchFamily="50" charset="-127"/>
+                  </a:rPr>
+                  <a:t>     </a:t>
+                </a:r>
+                <a:r>
+                  <a:rPr lang="ko-KR" altLang="en-US" sz="1600" b="1" dirty="0" smtClean="0">
+                    <a:latin typeface="나눔바른고딕" panose="020B0603020101020101" pitchFamily="50" charset="-127"/>
+                    <a:ea typeface="나눔바른고딕" panose="020B0603020101020101" pitchFamily="50" charset="-127"/>
+                  </a:rPr>
+                  <a:t>안</a:t>
+                </a:r>
+                <a:endParaRPr lang="en-US" altLang="ko-KR" sz="1600" b="1" dirty="0">
+                  <a:latin typeface="나눔바른고딕" panose="020B0603020101020101" pitchFamily="50" charset="-127"/>
+                  <a:ea typeface="나눔바른고딕" panose="020B0603020101020101" pitchFamily="50" charset="-127"/>
+                </a:endParaRPr>
+              </a:p>
+            </p:txBody>
+          </p:sp>
+        </p:grpSp>
+        <p:grpSp>
+          <p:nvGrpSpPr>
+            <p:cNvPr id="68" name="그룹 67"/>
+            <p:cNvGrpSpPr/>
+            <p:nvPr/>
+          </p:nvGrpSpPr>
+          <p:grpSpPr>
+            <a:xfrm>
+              <a:off x="5913041" y="1772314"/>
+              <a:ext cx="2075908" cy="3919903"/>
+              <a:chOff x="970523" y="1802647"/>
+              <a:chExt cx="2075908" cy="3919903"/>
+            </a:xfrm>
+          </p:grpSpPr>
+          <p:sp>
+            <p:nvSpPr>
+              <p:cNvPr id="69" name="TextBox 68"/>
+              <p:cNvSpPr txBox="1"/>
+              <p:nvPr/>
+            </p:nvSpPr>
+            <p:spPr>
+              <a:xfrm>
+                <a:off x="1235970" y="1802647"/>
+                <a:ext cx="530915" cy="523220"/>
+              </a:xfrm>
+              <a:prstGeom prst="rect">
+                <a:avLst/>
+              </a:prstGeom>
+              <a:noFill/>
+            </p:spPr>
+            <p:txBody>
+              <a:bodyPr wrap="none" rtlCol="0">
+                <a:spAutoFit/>
+              </a:bodyPr>
+              <a:lstStyle/>
+              <a:p>
+                <a:r>
+                  <a:rPr lang="en-US" altLang="ko-KR" sz="2800" b="1" spc="-300" dirty="0" smtClean="0">
+                    <a:latin typeface="나눔스퀘어 Light" panose="020B0600000101010101" pitchFamily="50" charset="-127"/>
+                    <a:ea typeface="나눔스퀘어 Light" panose="020B0600000101010101" pitchFamily="50" charset="-127"/>
+                  </a:rPr>
+                  <a:t>03</a:t>
+                </a:r>
+                <a:endParaRPr lang="ko-KR" altLang="en-US" sz="2800" b="1" spc="-300" dirty="0">
+                  <a:latin typeface="나눔스퀘어 Light" panose="020B0600000101010101" pitchFamily="50" charset="-127"/>
+                  <a:ea typeface="나눔스퀘어 Light" panose="020B0600000101010101" pitchFamily="50" charset="-127"/>
+                </a:endParaRPr>
+              </a:p>
+            </p:txBody>
+          </p:sp>
+          <p:cxnSp>
+            <p:nvCxnSpPr>
+              <p:cNvPr id="70" name="직선 연결선 69"/>
+              <p:cNvCxnSpPr/>
+              <p:nvPr/>
+            </p:nvCxnSpPr>
+            <p:spPr>
+              <a:xfrm>
+                <a:off x="1339968" y="2361963"/>
+                <a:ext cx="1369588" cy="0"/>
+              </a:xfrm>
+              <a:prstGeom prst="line">
+                <a:avLst/>
+              </a:prstGeom>
+              <a:ln w="69850" cmpd="thinThick">
+                <a:solidFill>
+                  <a:schemeClr val="tx1">
+                    <a:lumMod val="75000"/>
+                    <a:lumOff val="25000"/>
+                  </a:schemeClr>
+                </a:solidFill>
+              </a:ln>
+            </p:spPr>
+            <p:style>
+              <a:lnRef idx="1">
+                <a:schemeClr val="accent1"/>
+              </a:lnRef>
+              <a:fillRef idx="0">
+                <a:schemeClr val="accent1"/>
+              </a:fillRef>
+              <a:effectRef idx="0">
+                <a:schemeClr val="accent1"/>
+              </a:effectRef>
+              <a:fontRef idx="minor">
+                <a:schemeClr val="tx1"/>
+              </a:fontRef>
+            </p:style>
+          </p:cxnSp>
+          <p:cxnSp>
+            <p:nvCxnSpPr>
+              <p:cNvPr id="71" name="직선 연결선 70"/>
+              <p:cNvCxnSpPr/>
+              <p:nvPr/>
+            </p:nvCxnSpPr>
+            <p:spPr>
+              <a:xfrm>
+                <a:off x="1015104" y="3477425"/>
+                <a:ext cx="1102945" cy="0"/>
+              </a:xfrm>
+              <a:prstGeom prst="line">
+                <a:avLst/>
+              </a:prstGeom>
+              <a:ln w="19050" cmpd="sng">
+                <a:solidFill>
+                  <a:schemeClr val="bg1"/>
+                </a:solidFill>
+              </a:ln>
+            </p:spPr>
+            <p:style>
+              <a:lnRef idx="1">
+                <a:schemeClr val="accent1"/>
+              </a:lnRef>
+              <a:fillRef idx="0">
+                <a:schemeClr val="accent1"/>
+              </a:fillRef>
+              <a:effectRef idx="0">
+                <a:schemeClr val="accent1"/>
+              </a:effectRef>
+              <a:fontRef idx="minor">
+                <a:schemeClr val="tx1"/>
+              </a:fontRef>
+            </p:style>
+          </p:cxnSp>
+          <p:sp>
+            <p:nvSpPr>
+              <p:cNvPr id="72" name="TextBox 71"/>
+              <p:cNvSpPr txBox="1"/>
+              <p:nvPr/>
+            </p:nvSpPr>
+            <p:spPr>
+              <a:xfrm>
+                <a:off x="1305111" y="2692041"/>
+                <a:ext cx="1406731" cy="954107"/>
+              </a:xfrm>
+              <a:prstGeom prst="rect">
+                <a:avLst/>
+              </a:prstGeom>
+              <a:noFill/>
+            </p:spPr>
+            <p:txBody>
+              <a:bodyPr wrap="square" rtlCol="0">
+                <a:spAutoFit/>
+              </a:bodyPr>
+              <a:lstStyle/>
+              <a:p>
+                <a:pPr algn="ctr"/>
+                <a:r>
+                  <a:rPr lang="en-US" altLang="ko-KR" sz="2800" b="1" dirty="0" smtClean="0">
+                    <a:latin typeface="나눔스퀘어 ExtraBold" panose="020B0600000101010101" pitchFamily="50" charset="-127"/>
+                    <a:ea typeface="나눔스퀘어 ExtraBold" panose="020B0600000101010101" pitchFamily="50" charset="-127"/>
+                  </a:rPr>
+                  <a:t>Data</a:t>
+                </a:r>
+              </a:p>
+              <a:p>
+                <a:pPr algn="ctr"/>
+                <a:r>
+                  <a:rPr lang="en-US" altLang="ko-KR" sz="2800" b="1" dirty="0" smtClean="0">
+                    <a:latin typeface="나눔스퀘어 ExtraBold" panose="020B0600000101010101" pitchFamily="50" charset="-127"/>
+                    <a:ea typeface="나눔스퀘어 ExtraBold" panose="020B0600000101010101" pitchFamily="50" charset="-127"/>
+                  </a:rPr>
+                  <a:t>Base</a:t>
+                </a:r>
+                <a:endParaRPr lang="ko-KR" altLang="en-US" sz="2800" b="1" dirty="0">
+                  <a:latin typeface="나눔스퀘어 ExtraBold" panose="020B0600000101010101" pitchFamily="50" charset="-127"/>
+                  <a:ea typeface="나눔스퀘어 ExtraBold" panose="020B0600000101010101" pitchFamily="50" charset="-127"/>
+                </a:endParaRPr>
+              </a:p>
+            </p:txBody>
+          </p:sp>
+          <p:sp>
+            <p:nvSpPr>
+              <p:cNvPr id="73" name="TextBox 72"/>
+              <p:cNvSpPr txBox="1"/>
+              <p:nvPr/>
+            </p:nvSpPr>
+            <p:spPr>
+              <a:xfrm>
+                <a:off x="970523" y="3660447"/>
+                <a:ext cx="2075908" cy="2062103"/>
+              </a:xfrm>
+              <a:prstGeom prst="rect">
+                <a:avLst/>
+              </a:prstGeom>
+              <a:noFill/>
+            </p:spPr>
+            <p:txBody>
+              <a:bodyPr wrap="square" rtlCol="0">
+                <a:spAutoFit/>
+              </a:bodyPr>
+              <a:lstStyle/>
+              <a:p>
+                <a:endParaRPr lang="en-US" altLang="ko-KR" sz="1600" b="1" dirty="0" smtClean="0">
+                  <a:latin typeface="나눔바른고딕" panose="020B0603020101020101" pitchFamily="50" charset="-127"/>
+                  <a:ea typeface="나눔바른고딕" panose="020B0603020101020101" pitchFamily="50" charset="-127"/>
+                </a:endParaRPr>
+              </a:p>
+              <a:p>
+                <a:pPr algn="ctr">
+                  <a:lnSpc>
+                    <a:spcPct val="150000"/>
+                  </a:lnSpc>
+                </a:pPr>
+                <a:r>
+                  <a:rPr lang="en-US" altLang="ko-KR" sz="1600" b="1" dirty="0" smtClean="0">
+                    <a:latin typeface="나눔바른고딕" panose="020B0603020101020101" pitchFamily="50" charset="-127"/>
+                    <a:ea typeface="나눔바른고딕" panose="020B0603020101020101" pitchFamily="50" charset="-127"/>
+                  </a:rPr>
+                  <a:t>AWS - RDS</a:t>
+                </a:r>
+              </a:p>
+              <a:p>
+                <a:pPr>
+                  <a:lnSpc>
+                    <a:spcPct val="150000"/>
+                  </a:lnSpc>
+                </a:pPr>
+                <a:r>
+                  <a:rPr lang="en-US" altLang="ko-KR" sz="1600" b="1" dirty="0" smtClean="0">
+                    <a:latin typeface="나눔바른고딕" panose="020B0603020101020101" pitchFamily="50" charset="-127"/>
+                    <a:ea typeface="나눔바른고딕" panose="020B0603020101020101" pitchFamily="50" charset="-127"/>
+                  </a:rPr>
+                  <a:t>(</a:t>
+                </a:r>
+                <a:r>
+                  <a:rPr lang="ko-KR" altLang="en-US" sz="1600" b="1" dirty="0" smtClean="0">
+                    <a:latin typeface="나눔바른고딕" panose="020B0603020101020101" pitchFamily="50" charset="-127"/>
+                    <a:ea typeface="나눔바른고딕" panose="020B0603020101020101" pitchFamily="50" charset="-127"/>
+                  </a:rPr>
+                  <a:t>아마존 </a:t>
+                </a:r>
+                <a:r>
+                  <a:rPr lang="en-US" altLang="ko-KR" sz="1600" b="1" dirty="0" smtClean="0">
+                    <a:latin typeface="나눔바른고딕" panose="020B0603020101020101" pitchFamily="50" charset="-127"/>
+                    <a:ea typeface="나눔바른고딕" panose="020B0603020101020101" pitchFamily="50" charset="-127"/>
+                  </a:rPr>
+                  <a:t>Web Service)</a:t>
+                </a:r>
+                <a:endParaRPr lang="en-US" altLang="ko-KR" sz="1600" b="1" dirty="0">
+                  <a:latin typeface="나눔바른고딕" panose="020B0603020101020101" pitchFamily="50" charset="-127"/>
+                  <a:ea typeface="나눔바른고딕" panose="020B0603020101020101" pitchFamily="50" charset="-127"/>
+                </a:endParaRPr>
+              </a:p>
+              <a:p>
+                <a:pPr algn="ctr">
+                  <a:lnSpc>
+                    <a:spcPct val="250000"/>
+                  </a:lnSpc>
+                </a:pPr>
+                <a:r>
+                  <a:rPr lang="ko-KR" altLang="en-US" sz="1600" b="1" dirty="0" smtClean="0">
+                    <a:latin typeface="나눔바른고딕" panose="020B0603020101020101" pitchFamily="50" charset="-127"/>
+                    <a:ea typeface="나눔바른고딕" panose="020B0603020101020101" pitchFamily="50" charset="-127"/>
+                  </a:rPr>
+                  <a:t>관리자</a:t>
+                </a:r>
+                <a:r>
+                  <a:rPr lang="en-US" altLang="ko-KR" sz="1600" b="1" dirty="0">
+                    <a:latin typeface="나눔바른고딕" panose="020B0603020101020101" pitchFamily="50" charset="-127"/>
+                    <a:ea typeface="나눔바른고딕" panose="020B0603020101020101" pitchFamily="50" charset="-127"/>
+                  </a:rPr>
+                  <a:t> </a:t>
+                </a:r>
+                <a:r>
+                  <a:rPr lang="en-US" altLang="ko-KR" sz="1600" b="1" dirty="0" smtClean="0">
+                    <a:latin typeface="나눔바른고딕" panose="020B0603020101020101" pitchFamily="50" charset="-127"/>
+                    <a:ea typeface="나눔바른고딕" panose="020B0603020101020101" pitchFamily="50" charset="-127"/>
+                  </a:rPr>
+                  <a:t>DB </a:t>
+                </a:r>
+                <a:r>
+                  <a:rPr lang="ko-KR" altLang="en-US" sz="1600" b="1" dirty="0" smtClean="0">
+                    <a:latin typeface="나눔바른고딕" panose="020B0603020101020101" pitchFamily="50" charset="-127"/>
+                    <a:ea typeface="나눔바른고딕" panose="020B0603020101020101" pitchFamily="50" charset="-127"/>
+                  </a:rPr>
+                  <a:t>설계도</a:t>
+                </a:r>
+                <a:endParaRPr lang="en-US" altLang="ko-KR" sz="1600" b="1" dirty="0">
+                  <a:latin typeface="나눔바른고딕" panose="020B0603020101020101" pitchFamily="50" charset="-127"/>
+                  <a:ea typeface="나눔바른고딕" panose="020B0603020101020101" pitchFamily="50" charset="-127"/>
+                </a:endParaRPr>
+              </a:p>
+              <a:p>
+                <a:pPr algn="ctr">
+                  <a:lnSpc>
+                    <a:spcPct val="150000"/>
+                  </a:lnSpc>
+                </a:pPr>
+                <a:r>
+                  <a:rPr lang="ko-KR" altLang="en-US" sz="1600" b="1" dirty="0" smtClean="0">
+                    <a:latin typeface="나눔바른고딕" panose="020B0603020101020101" pitchFamily="50" charset="-127"/>
+                    <a:ea typeface="나눔바른고딕" panose="020B0603020101020101" pitchFamily="50" charset="-127"/>
+                  </a:rPr>
+                  <a:t>사용자 </a:t>
+                </a:r>
+                <a:r>
+                  <a:rPr lang="en-US" altLang="ko-KR" sz="1600" b="1" dirty="0" smtClean="0">
+                    <a:latin typeface="나눔바른고딕" panose="020B0603020101020101" pitchFamily="50" charset="-127"/>
+                    <a:ea typeface="나눔바른고딕" panose="020B0603020101020101" pitchFamily="50" charset="-127"/>
+                  </a:rPr>
+                  <a:t>DB </a:t>
+                </a:r>
+                <a:r>
+                  <a:rPr lang="ko-KR" altLang="en-US" sz="1600" b="1" dirty="0" smtClean="0">
+                    <a:latin typeface="나눔바른고딕" panose="020B0603020101020101" pitchFamily="50" charset="-127"/>
+                    <a:ea typeface="나눔바른고딕" panose="020B0603020101020101" pitchFamily="50" charset="-127"/>
+                  </a:rPr>
+                  <a:t>설계도</a:t>
+                </a:r>
+                <a:endParaRPr lang="en-US" altLang="ko-KR" sz="1600" b="1" dirty="0">
+                  <a:latin typeface="나눔바른고딕" panose="020B0603020101020101" pitchFamily="50" charset="-127"/>
+                  <a:ea typeface="나눔바른고딕" panose="020B0603020101020101" pitchFamily="50" charset="-127"/>
+                </a:endParaRPr>
+              </a:p>
+            </p:txBody>
+          </p:sp>
+        </p:grpSp>
+        <p:grpSp>
+          <p:nvGrpSpPr>
+            <p:cNvPr id="74" name="그룹 73"/>
+            <p:cNvGrpSpPr/>
+            <p:nvPr/>
+          </p:nvGrpSpPr>
+          <p:grpSpPr>
+            <a:xfrm>
+              <a:off x="8350675" y="1772314"/>
+              <a:ext cx="1446244" cy="3796792"/>
+              <a:chOff x="830426" y="1802647"/>
+              <a:chExt cx="1446244" cy="3796792"/>
+            </a:xfrm>
+          </p:grpSpPr>
+          <p:sp>
+            <p:nvSpPr>
+              <p:cNvPr id="75" name="TextBox 74"/>
+              <p:cNvSpPr txBox="1"/>
+              <p:nvPr/>
+            </p:nvSpPr>
+            <p:spPr>
+              <a:xfrm>
+                <a:off x="947230" y="1802647"/>
+                <a:ext cx="530915" cy="523220"/>
+              </a:xfrm>
+              <a:prstGeom prst="rect">
+                <a:avLst/>
+              </a:prstGeom>
+              <a:noFill/>
+            </p:spPr>
+            <p:txBody>
+              <a:bodyPr wrap="none" rtlCol="0">
+                <a:spAutoFit/>
+              </a:bodyPr>
+              <a:lstStyle/>
+              <a:p>
+                <a:r>
+                  <a:rPr lang="en-US" altLang="ko-KR" sz="2800" b="1" spc="-300" dirty="0" smtClean="0">
+                    <a:latin typeface="나눔스퀘어 Light" panose="020B0600000101010101" pitchFamily="50" charset="-127"/>
+                    <a:ea typeface="나눔스퀘어 Light" panose="020B0600000101010101" pitchFamily="50" charset="-127"/>
+                  </a:rPr>
+                  <a:t>04</a:t>
+                </a:r>
+                <a:endParaRPr lang="ko-KR" altLang="en-US" sz="2800" b="1" spc="-300" dirty="0">
+                  <a:latin typeface="나눔스퀘어 Light" panose="020B0600000101010101" pitchFamily="50" charset="-127"/>
+                  <a:ea typeface="나눔스퀘어 Light" panose="020B0600000101010101" pitchFamily="50" charset="-127"/>
+                </a:endParaRPr>
+              </a:p>
+            </p:txBody>
+          </p:sp>
+          <p:cxnSp>
+            <p:nvCxnSpPr>
+              <p:cNvPr id="76" name="직선 연결선 75"/>
+              <p:cNvCxnSpPr/>
+              <p:nvPr/>
+            </p:nvCxnSpPr>
+            <p:spPr>
+              <a:xfrm>
+                <a:off x="954944" y="2337899"/>
+                <a:ext cx="1321726" cy="0"/>
+              </a:xfrm>
+              <a:prstGeom prst="line">
+                <a:avLst/>
+              </a:prstGeom>
+              <a:ln w="69850" cmpd="thinThick">
+                <a:solidFill>
+                  <a:schemeClr val="tx1">
+                    <a:lumMod val="75000"/>
+                    <a:lumOff val="25000"/>
+                  </a:schemeClr>
+                </a:solidFill>
+              </a:ln>
+            </p:spPr>
+            <p:style>
+              <a:lnRef idx="1">
+                <a:schemeClr val="accent1"/>
+              </a:lnRef>
+              <a:fillRef idx="0">
+                <a:schemeClr val="accent1"/>
+              </a:fillRef>
+              <a:effectRef idx="0">
+                <a:schemeClr val="accent1"/>
+              </a:effectRef>
+              <a:fontRef idx="minor">
+                <a:schemeClr val="tx1"/>
+              </a:fontRef>
+            </p:style>
+          </p:cxnSp>
+          <p:cxnSp>
+            <p:nvCxnSpPr>
+              <p:cNvPr id="77" name="직선 연결선 76"/>
+              <p:cNvCxnSpPr/>
+              <p:nvPr/>
+            </p:nvCxnSpPr>
+            <p:spPr>
+              <a:xfrm>
+                <a:off x="1015104" y="3477425"/>
+                <a:ext cx="1102945" cy="0"/>
+              </a:xfrm>
+              <a:prstGeom prst="line">
+                <a:avLst/>
+              </a:prstGeom>
+              <a:ln w="19050" cmpd="sng">
+                <a:solidFill>
+                  <a:schemeClr val="bg1"/>
+                </a:solidFill>
+              </a:ln>
+            </p:spPr>
+            <p:style>
+              <a:lnRef idx="1">
+                <a:schemeClr val="accent1"/>
+              </a:lnRef>
+              <a:fillRef idx="0">
+                <a:schemeClr val="accent1"/>
+              </a:fillRef>
+              <a:effectRef idx="0">
+                <a:schemeClr val="accent1"/>
+              </a:effectRef>
+              <a:fontRef idx="minor">
+                <a:schemeClr val="tx1"/>
+              </a:fontRef>
+            </p:style>
+          </p:cxnSp>
+          <p:sp>
+            <p:nvSpPr>
+              <p:cNvPr id="78" name="TextBox 77"/>
+              <p:cNvSpPr txBox="1"/>
+              <p:nvPr/>
+            </p:nvSpPr>
+            <p:spPr>
+              <a:xfrm>
+                <a:off x="830426" y="2558423"/>
+                <a:ext cx="1446244" cy="838115"/>
+              </a:xfrm>
+              <a:prstGeom prst="rect">
+                <a:avLst/>
+              </a:prstGeom>
+              <a:noFill/>
+            </p:spPr>
+            <p:txBody>
+              <a:bodyPr wrap="square" rtlCol="0">
+                <a:spAutoFit/>
+              </a:bodyPr>
+              <a:lstStyle/>
+              <a:p>
+                <a:pPr algn="ctr">
+                  <a:lnSpc>
+                    <a:spcPct val="200000"/>
+                  </a:lnSpc>
+                </a:pPr>
+                <a:r>
+                  <a:rPr lang="en-US" altLang="ko-KR" sz="2800" b="1" dirty="0" smtClean="0">
+                    <a:latin typeface="나눔스퀘어 ExtraBold" panose="020B0600000101010101" pitchFamily="50" charset="-127"/>
+                    <a:ea typeface="나눔스퀘어 ExtraBold" panose="020B0600000101010101" pitchFamily="50" charset="-127"/>
+                  </a:rPr>
+                  <a:t>E n d</a:t>
+                </a:r>
+                <a:endParaRPr lang="ko-KR" altLang="en-US" sz="2800" b="1" dirty="0">
+                  <a:latin typeface="나눔스퀘어 ExtraBold" panose="020B0600000101010101" pitchFamily="50" charset="-127"/>
+                  <a:ea typeface="나눔스퀘어 ExtraBold" panose="020B0600000101010101" pitchFamily="50" charset="-127"/>
+                </a:endParaRPr>
+              </a:p>
+            </p:txBody>
+          </p:sp>
+          <p:sp>
+            <p:nvSpPr>
+              <p:cNvPr id="79" name="TextBox 78"/>
+              <p:cNvSpPr txBox="1"/>
+              <p:nvPr/>
+            </p:nvSpPr>
+            <p:spPr>
+              <a:xfrm>
+                <a:off x="1002404" y="3660447"/>
+                <a:ext cx="1274266" cy="1938992"/>
+              </a:xfrm>
+              <a:prstGeom prst="rect">
+                <a:avLst/>
+              </a:prstGeom>
+              <a:noFill/>
+            </p:spPr>
+            <p:txBody>
+              <a:bodyPr wrap="square" rtlCol="0">
+                <a:spAutoFit/>
+              </a:bodyPr>
+              <a:lstStyle/>
+              <a:p>
+                <a:pPr>
+                  <a:lnSpc>
+                    <a:spcPct val="150000"/>
+                  </a:lnSpc>
+                </a:pPr>
+                <a:endParaRPr lang="en-US" altLang="ko-KR" sz="1600" b="1" dirty="0" smtClean="0">
+                  <a:latin typeface="나눔바른고딕" panose="020B0603020101020101" pitchFamily="50" charset="-127"/>
+                  <a:ea typeface="나눔바른고딕" panose="020B0603020101020101" pitchFamily="50" charset="-127"/>
+                </a:endParaRPr>
+              </a:p>
+              <a:p>
+                <a:pPr algn="dist">
+                  <a:lnSpc>
+                    <a:spcPct val="200000"/>
+                  </a:lnSpc>
+                </a:pPr>
+                <a:r>
+                  <a:rPr lang="en-US" altLang="ko-KR" sz="1600" b="1" dirty="0" smtClean="0">
+                    <a:latin typeface="나눔바른고딕" panose="020B0603020101020101" pitchFamily="50" charset="-127"/>
+                    <a:ea typeface="나눔바른고딕" panose="020B0603020101020101" pitchFamily="50" charset="-127"/>
+                  </a:rPr>
+                  <a:t>REVIEW</a:t>
+                </a:r>
+              </a:p>
+              <a:p>
+                <a:pPr algn="ctr">
+                  <a:lnSpc>
+                    <a:spcPct val="200000"/>
+                  </a:lnSpc>
+                </a:pPr>
+                <a:r>
+                  <a:rPr lang="en-US" altLang="ko-KR" sz="1600" b="1" dirty="0" smtClean="0">
+                    <a:latin typeface="나눔바른고딕" panose="020B0603020101020101" pitchFamily="50" charset="-127"/>
+                    <a:ea typeface="나눔바른고딕" panose="020B0603020101020101" pitchFamily="50" charset="-127"/>
+                  </a:rPr>
+                  <a:t>Q  </a:t>
+                </a:r>
+                <a:r>
+                  <a:rPr lang="en-US" altLang="ko-KR" sz="1600" b="1" dirty="0" smtClean="0">
+                    <a:latin typeface="나눔바른고딕" panose="020B0603020101020101" pitchFamily="50" charset="-127"/>
+                    <a:ea typeface="나눔바른고딕" panose="020B0603020101020101" pitchFamily="50" charset="-127"/>
+                  </a:rPr>
+                  <a:t>&amp;  A</a:t>
+                </a:r>
+                <a:endParaRPr lang="en-US" altLang="ko-KR" sz="1600" b="1" dirty="0">
+                  <a:latin typeface="나눔바른고딕" panose="020B0603020101020101" pitchFamily="50" charset="-127"/>
+                  <a:ea typeface="나눔바른고딕" panose="020B0603020101020101" pitchFamily="50" charset="-127"/>
+                </a:endParaRPr>
+              </a:p>
+              <a:p>
+                <a:pPr>
+                  <a:lnSpc>
+                    <a:spcPct val="200000"/>
+                  </a:lnSpc>
+                </a:pPr>
+                <a:endParaRPr lang="en-US" altLang="ko-KR" sz="1600" b="1" dirty="0" smtClean="0">
+                  <a:latin typeface="나눔바른고딕" panose="020B0603020101020101" pitchFamily="50" charset="-127"/>
+                  <a:ea typeface="나눔바른고딕" panose="020B0603020101020101" pitchFamily="50" charset="-127"/>
+                </a:endParaRPr>
+              </a:p>
+            </p:txBody>
+          </p:sp>
+        </p:grpSp>
         <p:cxnSp>
           <p:nvCxnSpPr>
-            <p:cNvPr id="64" name="직선 연결선 63"/>
+            <p:cNvPr id="82" name="직선 연결선 81"/>
             <p:cNvCxnSpPr/>
             <p:nvPr/>
           </p:nvCxnSpPr>
           <p:spPr>
             <a:xfrm>
-              <a:off x="1015104" y="2373995"/>
-              <a:ext cx="1102945" cy="0"/>
-            </a:xfrm>
-            <a:prstGeom prst="line">
-              <a:avLst/>
-            </a:prstGeom>
-            <a:ln w="69850" cmpd="thinThick">
-              <a:solidFill>
-                <a:schemeClr val="bg1"/>
-              </a:solidFill>
-            </a:ln>
-          </p:spPr>
-          <p:style>
-            <a:lnRef idx="1">
-              <a:schemeClr val="accent1"/>
-            </a:lnRef>
-            <a:fillRef idx="0">
-              <a:schemeClr val="accent1"/>
-            </a:fillRef>
-            <a:effectRef idx="0">
-              <a:schemeClr val="accent1"/>
-            </a:effectRef>
-            <a:fontRef idx="minor">
-              <a:schemeClr val="tx1"/>
-            </a:fontRef>
-          </p:style>
-        </p:cxnSp>
-        <p:cxnSp>
-          <p:nvCxnSpPr>
-            <p:cNvPr id="65" name="직선 연결선 64"/>
-            <p:cNvCxnSpPr/>
-            <p:nvPr/>
-          </p:nvCxnSpPr>
-          <p:spPr>
-            <a:xfrm>
-              <a:off x="1015104" y="3477425"/>
-              <a:ext cx="1102945" cy="0"/>
-            </a:xfrm>
-            <a:prstGeom prst="line">
-              <a:avLst/>
-            </a:prstGeom>
-            <a:ln w="19050" cmpd="sng">
-              <a:solidFill>
-                <a:schemeClr val="bg1"/>
-              </a:solidFill>
-            </a:ln>
-          </p:spPr>
-          <p:style>
-            <a:lnRef idx="1">
-              <a:schemeClr val="accent1"/>
-            </a:lnRef>
-            <a:fillRef idx="0">
-              <a:schemeClr val="accent1"/>
-            </a:fillRef>
-            <a:effectRef idx="0">
-              <a:schemeClr val="accent1"/>
-            </a:effectRef>
-            <a:fontRef idx="minor">
-              <a:schemeClr val="tx1"/>
-            </a:fontRef>
-          </p:style>
-        </p:cxnSp>
-        <p:sp>
-          <p:nvSpPr>
-            <p:cNvPr id="66" name="TextBox 65"/>
-            <p:cNvSpPr txBox="1"/>
-            <p:nvPr/>
-          </p:nvSpPr>
-          <p:spPr>
-            <a:xfrm>
-              <a:off x="950746" y="2704662"/>
-              <a:ext cx="1287624" cy="954107"/>
-            </a:xfrm>
-            <a:prstGeom prst="rect">
-              <a:avLst/>
-            </a:prstGeom>
-            <a:noFill/>
-          </p:spPr>
-          <p:txBody>
-            <a:bodyPr wrap="square" rtlCol="0">
-              <a:spAutoFit/>
-            </a:bodyPr>
-            <a:lstStyle/>
-            <a:p>
-              <a:pPr algn="ctr"/>
-              <a:r>
-                <a:rPr lang="ko-KR" altLang="en-US" sz="2800" b="1" dirty="0" smtClean="0">
-                  <a:latin typeface="나눔스퀘어 ExtraBold" panose="020B0600000101010101" pitchFamily="50" charset="-127"/>
-                  <a:ea typeface="나눔스퀘어 ExtraBold" panose="020B0600000101010101" pitchFamily="50" charset="-127"/>
-                </a:rPr>
-                <a:t>사용자</a:t>
-              </a:r>
-              <a:r>
-                <a:rPr lang="en-US" altLang="ko-KR" sz="2800" b="1" dirty="0">
-                  <a:latin typeface="나눔스퀘어 ExtraBold" panose="020B0600000101010101" pitchFamily="50" charset="-127"/>
-                  <a:ea typeface="나눔스퀘어 ExtraBold" panose="020B0600000101010101" pitchFamily="50" charset="-127"/>
-                </a:rPr>
-                <a:t> </a:t>
-              </a:r>
-              <a:endParaRPr lang="en-US" altLang="ko-KR" sz="2800" b="1" dirty="0" smtClean="0">
-                <a:latin typeface="나눔스퀘어 ExtraBold" panose="020B0600000101010101" pitchFamily="50" charset="-127"/>
-                <a:ea typeface="나눔스퀘어 ExtraBold" panose="020B0600000101010101" pitchFamily="50" charset="-127"/>
-              </a:endParaRPr>
-            </a:p>
-            <a:p>
-              <a:pPr algn="ctr"/>
-              <a:r>
-                <a:rPr lang="en-US" altLang="ko-KR" sz="2800" b="1" dirty="0" smtClean="0">
-                  <a:latin typeface="나눔스퀘어 ExtraBold" panose="020B0600000101010101" pitchFamily="50" charset="-127"/>
-                  <a:ea typeface="나눔스퀘어 ExtraBold" panose="020B0600000101010101" pitchFamily="50" charset="-127"/>
-                </a:rPr>
-                <a:t>Part</a:t>
-              </a:r>
-              <a:endParaRPr lang="ko-KR" altLang="en-US" sz="2800" b="1" dirty="0">
-                <a:latin typeface="나눔스퀘어 ExtraBold" panose="020B0600000101010101" pitchFamily="50" charset="-127"/>
-                <a:ea typeface="나눔스퀘어 ExtraBold" panose="020B0600000101010101" pitchFamily="50" charset="-127"/>
-              </a:endParaRPr>
-            </a:p>
-          </p:txBody>
-        </p:sp>
-        <p:sp>
-          <p:nvSpPr>
-            <p:cNvPr id="67" name="TextBox 66"/>
-            <p:cNvSpPr txBox="1"/>
-            <p:nvPr/>
-          </p:nvSpPr>
-          <p:spPr>
-            <a:xfrm>
-              <a:off x="1002404" y="3660447"/>
-              <a:ext cx="1651000" cy="1569660"/>
-            </a:xfrm>
-            <a:prstGeom prst="rect">
-              <a:avLst/>
-            </a:prstGeom>
-            <a:noFill/>
-          </p:spPr>
-          <p:txBody>
-            <a:bodyPr wrap="square" rtlCol="0">
-              <a:spAutoFit/>
-            </a:bodyPr>
-            <a:lstStyle/>
-            <a:p>
-              <a:pPr>
-                <a:lnSpc>
-                  <a:spcPct val="150000"/>
-                </a:lnSpc>
-              </a:pPr>
-              <a:endParaRPr lang="en-US" altLang="ko-KR" sz="1600" b="1" dirty="0" smtClean="0">
-                <a:latin typeface="나눔바른고딕" panose="020B0603020101020101" pitchFamily="50" charset="-127"/>
-                <a:ea typeface="나눔바른고딕" panose="020B0603020101020101" pitchFamily="50" charset="-127"/>
-              </a:endParaRPr>
-            </a:p>
-            <a:p>
-              <a:pPr>
-                <a:lnSpc>
-                  <a:spcPct val="150000"/>
-                </a:lnSpc>
-              </a:pPr>
-              <a:r>
-                <a:rPr lang="ko-KR" altLang="en-US" sz="1600" b="1" dirty="0" smtClean="0">
-                  <a:latin typeface="나눔바른고딕" panose="020B0603020101020101" pitchFamily="50" charset="-127"/>
-                  <a:ea typeface="나눔바른고딕" panose="020B0603020101020101" pitchFamily="50" charset="-127"/>
-                </a:rPr>
-                <a:t>화 면 구 현</a:t>
-              </a:r>
-              <a:endParaRPr lang="en-US" altLang="ko-KR" sz="1600" b="1" dirty="0" smtClean="0">
-                <a:latin typeface="나눔바른고딕" panose="020B0603020101020101" pitchFamily="50" charset="-127"/>
-                <a:ea typeface="나눔바른고딕" panose="020B0603020101020101" pitchFamily="50" charset="-127"/>
-              </a:endParaRPr>
-            </a:p>
-            <a:p>
-              <a:pPr>
-                <a:lnSpc>
-                  <a:spcPct val="150000"/>
-                </a:lnSpc>
-              </a:pPr>
-              <a:r>
-                <a:rPr lang="ko-KR" altLang="en-US" sz="1600" b="1" dirty="0" err="1" smtClean="0">
-                  <a:latin typeface="나눔바른고딕" panose="020B0603020101020101" pitchFamily="50" charset="-127"/>
-                  <a:ea typeface="나눔바른고딕" panose="020B0603020101020101" pitchFamily="50" charset="-127"/>
-                </a:rPr>
-                <a:t>로</a:t>
-              </a:r>
-              <a:r>
-                <a:rPr lang="ko-KR" altLang="en-US" sz="1600" b="1" dirty="0" smtClean="0">
-                  <a:latin typeface="나눔바른고딕" panose="020B0603020101020101" pitchFamily="50" charset="-127"/>
-                  <a:ea typeface="나눔바른고딕" panose="020B0603020101020101" pitchFamily="50" charset="-127"/>
-                </a:rPr>
-                <a:t> 그 인 </a:t>
-              </a:r>
-              <a:endParaRPr lang="en-US" altLang="ko-KR" sz="1600" b="1" dirty="0">
-                <a:latin typeface="나눔바른고딕" panose="020B0603020101020101" pitchFamily="50" charset="-127"/>
-                <a:ea typeface="나눔바른고딕" panose="020B0603020101020101" pitchFamily="50" charset="-127"/>
-              </a:endParaRPr>
-            </a:p>
-            <a:p>
-              <a:pPr>
-                <a:lnSpc>
-                  <a:spcPct val="150000"/>
-                </a:lnSpc>
-              </a:pPr>
-              <a:r>
-                <a:rPr lang="ko-KR" altLang="en-US" sz="1600" b="1" dirty="0" smtClean="0">
-                  <a:latin typeface="나눔바른고딕" panose="020B0603020101020101" pitchFamily="50" charset="-127"/>
-                  <a:ea typeface="나눔바른고딕" panose="020B0603020101020101" pitchFamily="50" charset="-127"/>
-                </a:rPr>
-                <a:t>보 안 모 </a:t>
-              </a:r>
-              <a:r>
-                <a:rPr lang="ko-KR" altLang="en-US" sz="1600" b="1" dirty="0" err="1" smtClean="0">
-                  <a:latin typeface="나눔바른고딕" panose="020B0603020101020101" pitchFamily="50" charset="-127"/>
-                  <a:ea typeface="나눔바른고딕" panose="020B0603020101020101" pitchFamily="50" charset="-127"/>
-                </a:rPr>
-                <a:t>듈</a:t>
-              </a:r>
-              <a:endParaRPr lang="en-US" altLang="ko-KR" sz="1600" b="1" dirty="0">
-                <a:latin typeface="나눔바른고딕" panose="020B0603020101020101" pitchFamily="50" charset="-127"/>
-                <a:ea typeface="나눔바른고딕" panose="020B0603020101020101" pitchFamily="50" charset="-127"/>
-              </a:endParaRPr>
-            </a:p>
-          </p:txBody>
-        </p:sp>
-      </p:grpSp>
-      <p:grpSp>
-        <p:nvGrpSpPr>
-          <p:cNvPr id="68" name="그룹 67"/>
-          <p:cNvGrpSpPr/>
-          <p:nvPr/>
-        </p:nvGrpSpPr>
-        <p:grpSpPr>
-          <a:xfrm>
-            <a:off x="6362512" y="1772314"/>
-            <a:ext cx="2365833" cy="3919903"/>
-            <a:chOff x="830426" y="1802647"/>
-            <a:chExt cx="2365833" cy="3919903"/>
-          </a:xfrm>
-        </p:grpSpPr>
-        <p:sp>
-          <p:nvSpPr>
-            <p:cNvPr id="69" name="TextBox 68"/>
-            <p:cNvSpPr txBox="1"/>
-            <p:nvPr/>
-          </p:nvSpPr>
-          <p:spPr>
-            <a:xfrm>
-              <a:off x="935170" y="1802647"/>
-              <a:ext cx="530915" cy="523220"/>
-            </a:xfrm>
-            <a:prstGeom prst="rect">
-              <a:avLst/>
-            </a:prstGeom>
-            <a:noFill/>
-          </p:spPr>
-          <p:txBody>
-            <a:bodyPr wrap="none" rtlCol="0">
-              <a:spAutoFit/>
-            </a:bodyPr>
-            <a:lstStyle/>
-            <a:p>
-              <a:r>
-                <a:rPr lang="en-US" altLang="ko-KR" sz="2800" b="1" spc="-300" dirty="0" smtClean="0">
-                  <a:latin typeface="나눔스퀘어 Light" panose="020B0600000101010101" pitchFamily="50" charset="-127"/>
-                  <a:ea typeface="나눔스퀘어 Light" panose="020B0600000101010101" pitchFamily="50" charset="-127"/>
-                </a:rPr>
-                <a:t>03</a:t>
-              </a:r>
-              <a:endParaRPr lang="ko-KR" altLang="en-US" sz="2800" b="1" spc="-300" dirty="0">
-                <a:latin typeface="나눔스퀘어 Light" panose="020B0600000101010101" pitchFamily="50" charset="-127"/>
-                <a:ea typeface="나눔스퀘어 Light" panose="020B0600000101010101" pitchFamily="50" charset="-127"/>
-              </a:endParaRPr>
-            </a:p>
-          </p:txBody>
-        </p:sp>
-        <p:cxnSp>
-          <p:nvCxnSpPr>
-            <p:cNvPr id="70" name="직선 연결선 69"/>
-            <p:cNvCxnSpPr/>
-            <p:nvPr/>
-          </p:nvCxnSpPr>
-          <p:spPr>
-            <a:xfrm>
-              <a:off x="1039168" y="2361963"/>
-              <a:ext cx="1369588" cy="0"/>
+              <a:off x="4016070" y="2343662"/>
+              <a:ext cx="1188218" cy="0"/>
             </a:xfrm>
             <a:prstGeom prst="line">
               <a:avLst/>
@@ -15576,293 +16298,14 @@
         </p:cxnSp>
         <p:cxnSp>
           <p:nvCxnSpPr>
-            <p:cNvPr id="71" name="직선 연결선 70"/>
+            <p:cNvPr id="83" name="직선 연결선 82"/>
             <p:cNvCxnSpPr/>
             <p:nvPr/>
           </p:nvCxnSpPr>
           <p:spPr>
             <a:xfrm>
-              <a:off x="1015104" y="3477425"/>
-              <a:ext cx="1102945" cy="0"/>
-            </a:xfrm>
-            <a:prstGeom prst="line">
-              <a:avLst/>
-            </a:prstGeom>
-            <a:ln w="19050" cmpd="sng">
-              <a:solidFill>
-                <a:schemeClr val="bg1"/>
-              </a:solidFill>
-            </a:ln>
-          </p:spPr>
-          <p:style>
-            <a:lnRef idx="1">
-              <a:schemeClr val="accent1"/>
-            </a:lnRef>
-            <a:fillRef idx="0">
-              <a:schemeClr val="accent1"/>
-            </a:fillRef>
-            <a:effectRef idx="0">
-              <a:schemeClr val="accent1"/>
-            </a:effectRef>
-            <a:fontRef idx="minor">
-              <a:schemeClr val="tx1"/>
-            </a:fontRef>
-          </p:style>
-        </p:cxnSp>
-        <p:sp>
-          <p:nvSpPr>
-            <p:cNvPr id="72" name="TextBox 71"/>
-            <p:cNvSpPr txBox="1"/>
-            <p:nvPr/>
-          </p:nvSpPr>
-          <p:spPr>
-            <a:xfrm>
-              <a:off x="830426" y="2704662"/>
-              <a:ext cx="1406731" cy="954107"/>
-            </a:xfrm>
-            <a:prstGeom prst="rect">
-              <a:avLst/>
-            </a:prstGeom>
-            <a:noFill/>
-          </p:spPr>
-          <p:txBody>
-            <a:bodyPr wrap="square" rtlCol="0">
-              <a:spAutoFit/>
-            </a:bodyPr>
-            <a:lstStyle/>
-            <a:p>
-              <a:pPr algn="ctr"/>
-              <a:r>
-                <a:rPr lang="en-US" altLang="ko-KR" sz="2800" b="1" dirty="0" smtClean="0">
-                  <a:latin typeface="나눔스퀘어 ExtraBold" panose="020B0600000101010101" pitchFamily="50" charset="-127"/>
-                  <a:ea typeface="나눔스퀘어 ExtraBold" panose="020B0600000101010101" pitchFamily="50" charset="-127"/>
-                </a:rPr>
-                <a:t>Data</a:t>
-              </a:r>
-            </a:p>
-            <a:p>
-              <a:pPr algn="ctr"/>
-              <a:r>
-                <a:rPr lang="en-US" altLang="ko-KR" sz="2800" b="1" dirty="0" smtClean="0">
-                  <a:latin typeface="나눔스퀘어 ExtraBold" panose="020B0600000101010101" pitchFamily="50" charset="-127"/>
-                  <a:ea typeface="나눔스퀘어 ExtraBold" panose="020B0600000101010101" pitchFamily="50" charset="-127"/>
-                </a:rPr>
-                <a:t>Base</a:t>
-              </a:r>
-              <a:endParaRPr lang="ko-KR" altLang="en-US" sz="2800" b="1" dirty="0">
-                <a:latin typeface="나눔스퀘어 ExtraBold" panose="020B0600000101010101" pitchFamily="50" charset="-127"/>
-                <a:ea typeface="나눔스퀘어 ExtraBold" panose="020B0600000101010101" pitchFamily="50" charset="-127"/>
-              </a:endParaRPr>
-            </a:p>
-          </p:txBody>
-        </p:sp>
-        <p:sp>
-          <p:nvSpPr>
-            <p:cNvPr id="73" name="TextBox 72"/>
-            <p:cNvSpPr txBox="1"/>
-            <p:nvPr/>
-          </p:nvSpPr>
-          <p:spPr>
-            <a:xfrm>
-              <a:off x="970522" y="3660447"/>
-              <a:ext cx="2225737" cy="2062103"/>
-            </a:xfrm>
-            <a:prstGeom prst="rect">
-              <a:avLst/>
-            </a:prstGeom>
-            <a:noFill/>
-          </p:spPr>
-          <p:txBody>
-            <a:bodyPr wrap="square" rtlCol="0">
-              <a:spAutoFit/>
-            </a:bodyPr>
-            <a:lstStyle/>
-            <a:p>
-              <a:endParaRPr lang="en-US" altLang="ko-KR" sz="1600" b="1" dirty="0" smtClean="0">
-                <a:latin typeface="나눔바른고딕" panose="020B0603020101020101" pitchFamily="50" charset="-127"/>
-                <a:ea typeface="나눔바른고딕" panose="020B0603020101020101" pitchFamily="50" charset="-127"/>
-              </a:endParaRPr>
-            </a:p>
-            <a:p>
-              <a:pPr>
-                <a:lnSpc>
-                  <a:spcPct val="150000"/>
-                </a:lnSpc>
-              </a:pPr>
-              <a:r>
-                <a:rPr lang="en-US" altLang="ko-KR" sz="1600" b="1" dirty="0" smtClean="0">
-                  <a:latin typeface="나눔바른고딕" panose="020B0603020101020101" pitchFamily="50" charset="-127"/>
-                  <a:ea typeface="나눔바른고딕" panose="020B0603020101020101" pitchFamily="50" charset="-127"/>
-                </a:rPr>
-                <a:t>AWS - RDS</a:t>
-              </a:r>
-            </a:p>
-            <a:p>
-              <a:pPr>
-                <a:lnSpc>
-                  <a:spcPct val="150000"/>
-                </a:lnSpc>
-              </a:pPr>
-              <a:r>
-                <a:rPr lang="en-US" altLang="ko-KR" sz="1600" b="1" dirty="0" smtClean="0">
-                  <a:latin typeface="나눔바른고딕" panose="020B0603020101020101" pitchFamily="50" charset="-127"/>
-                  <a:ea typeface="나눔바른고딕" panose="020B0603020101020101" pitchFamily="50" charset="-127"/>
-                </a:rPr>
-                <a:t>(</a:t>
-              </a:r>
-              <a:r>
-                <a:rPr lang="ko-KR" altLang="en-US" sz="1600" b="1" dirty="0" smtClean="0">
-                  <a:latin typeface="나눔바른고딕" panose="020B0603020101020101" pitchFamily="50" charset="-127"/>
-                  <a:ea typeface="나눔바른고딕" panose="020B0603020101020101" pitchFamily="50" charset="-127"/>
-                </a:rPr>
-                <a:t>아마존 </a:t>
-              </a:r>
-              <a:r>
-                <a:rPr lang="en-US" altLang="ko-KR" sz="1600" b="1" dirty="0" smtClean="0">
-                  <a:latin typeface="나눔바른고딕" panose="020B0603020101020101" pitchFamily="50" charset="-127"/>
-                  <a:ea typeface="나눔바른고딕" panose="020B0603020101020101" pitchFamily="50" charset="-127"/>
-                </a:rPr>
-                <a:t>Web Service)</a:t>
-              </a:r>
-              <a:endParaRPr lang="en-US" altLang="ko-KR" sz="1600" b="1" dirty="0">
-                <a:latin typeface="나눔바른고딕" panose="020B0603020101020101" pitchFamily="50" charset="-127"/>
-                <a:ea typeface="나눔바른고딕" panose="020B0603020101020101" pitchFamily="50" charset="-127"/>
-              </a:endParaRPr>
-            </a:p>
-            <a:p>
-              <a:pPr>
-                <a:lnSpc>
-                  <a:spcPct val="250000"/>
-                </a:lnSpc>
-              </a:pPr>
-              <a:r>
-                <a:rPr lang="ko-KR" altLang="en-US" sz="1600" b="1" dirty="0" smtClean="0">
-                  <a:latin typeface="나눔바른고딕" panose="020B0603020101020101" pitchFamily="50" charset="-127"/>
-                  <a:ea typeface="나눔바른고딕" panose="020B0603020101020101" pitchFamily="50" charset="-127"/>
-                </a:rPr>
-                <a:t>관리자</a:t>
-              </a:r>
-              <a:r>
-                <a:rPr lang="en-US" altLang="ko-KR" sz="1600" b="1" dirty="0">
-                  <a:latin typeface="나눔바른고딕" panose="020B0603020101020101" pitchFamily="50" charset="-127"/>
-                  <a:ea typeface="나눔바른고딕" panose="020B0603020101020101" pitchFamily="50" charset="-127"/>
-                </a:rPr>
-                <a:t> </a:t>
-              </a:r>
-              <a:r>
-                <a:rPr lang="en-US" altLang="ko-KR" sz="1600" b="1" dirty="0" smtClean="0">
-                  <a:latin typeface="나눔바른고딕" panose="020B0603020101020101" pitchFamily="50" charset="-127"/>
-                  <a:ea typeface="나눔바른고딕" panose="020B0603020101020101" pitchFamily="50" charset="-127"/>
-                </a:rPr>
-                <a:t>DB </a:t>
-              </a:r>
-              <a:r>
-                <a:rPr lang="ko-KR" altLang="en-US" sz="1600" b="1" dirty="0" smtClean="0">
-                  <a:latin typeface="나눔바른고딕" panose="020B0603020101020101" pitchFamily="50" charset="-127"/>
-                  <a:ea typeface="나눔바른고딕" panose="020B0603020101020101" pitchFamily="50" charset="-127"/>
-                </a:rPr>
-                <a:t>설계도</a:t>
-              </a:r>
-              <a:endParaRPr lang="en-US" altLang="ko-KR" sz="1600" b="1" dirty="0">
-                <a:latin typeface="나눔바른고딕" panose="020B0603020101020101" pitchFamily="50" charset="-127"/>
-                <a:ea typeface="나눔바른고딕" panose="020B0603020101020101" pitchFamily="50" charset="-127"/>
-              </a:endParaRPr>
-            </a:p>
-            <a:p>
-              <a:pPr>
-                <a:lnSpc>
-                  <a:spcPct val="150000"/>
-                </a:lnSpc>
-              </a:pPr>
-              <a:r>
-                <a:rPr lang="ko-KR" altLang="en-US" sz="1600" b="1" dirty="0" smtClean="0">
-                  <a:latin typeface="나눔바른고딕" panose="020B0603020101020101" pitchFamily="50" charset="-127"/>
-                  <a:ea typeface="나눔바른고딕" panose="020B0603020101020101" pitchFamily="50" charset="-127"/>
-                </a:rPr>
-                <a:t>사용자 </a:t>
-              </a:r>
-              <a:r>
-                <a:rPr lang="en-US" altLang="ko-KR" sz="1600" b="1" dirty="0" smtClean="0">
-                  <a:latin typeface="나눔바른고딕" panose="020B0603020101020101" pitchFamily="50" charset="-127"/>
-                  <a:ea typeface="나눔바른고딕" panose="020B0603020101020101" pitchFamily="50" charset="-127"/>
-                </a:rPr>
-                <a:t>DB </a:t>
-              </a:r>
-              <a:r>
-                <a:rPr lang="ko-KR" altLang="en-US" sz="1600" b="1" dirty="0" smtClean="0">
-                  <a:latin typeface="나눔바른고딕" panose="020B0603020101020101" pitchFamily="50" charset="-127"/>
-                  <a:ea typeface="나눔바른고딕" panose="020B0603020101020101" pitchFamily="50" charset="-127"/>
-                </a:rPr>
-                <a:t>설계도</a:t>
-              </a:r>
-              <a:endParaRPr lang="en-US" altLang="ko-KR" sz="1600" b="1" dirty="0">
-                <a:latin typeface="나눔바른고딕" panose="020B0603020101020101" pitchFamily="50" charset="-127"/>
-                <a:ea typeface="나눔바른고딕" panose="020B0603020101020101" pitchFamily="50" charset="-127"/>
-              </a:endParaRPr>
-            </a:p>
-          </p:txBody>
-        </p:sp>
-      </p:grpSp>
-      <p:grpSp>
-        <p:nvGrpSpPr>
-          <p:cNvPr id="74" name="그룹 73"/>
-          <p:cNvGrpSpPr/>
-          <p:nvPr/>
-        </p:nvGrpSpPr>
-        <p:grpSpPr>
-          <a:xfrm>
-            <a:off x="8940243" y="1772314"/>
-            <a:ext cx="1822978" cy="3796792"/>
-            <a:chOff x="830426" y="1802647"/>
-            <a:chExt cx="1822978" cy="3796792"/>
-          </a:xfrm>
-        </p:grpSpPr>
-        <p:sp>
-          <p:nvSpPr>
-            <p:cNvPr id="75" name="TextBox 74"/>
-            <p:cNvSpPr txBox="1"/>
-            <p:nvPr/>
-          </p:nvSpPr>
-          <p:spPr>
-            <a:xfrm>
-              <a:off x="947230" y="1802647"/>
-              <a:ext cx="530915" cy="523220"/>
-            </a:xfrm>
-            <a:prstGeom prst="rect">
-              <a:avLst/>
-            </a:prstGeom>
-            <a:noFill/>
-          </p:spPr>
-          <p:txBody>
-            <a:bodyPr wrap="none" rtlCol="0">
-              <a:spAutoFit/>
-            </a:bodyPr>
-            <a:lstStyle/>
-            <a:p>
-              <a:r>
-                <a:rPr lang="en-US" altLang="ko-KR" sz="2800" b="1" spc="-300" dirty="0" smtClean="0">
-                  <a:latin typeface="나눔스퀘어 Light" panose="020B0600000101010101" pitchFamily="50" charset="-127"/>
-                  <a:ea typeface="나눔스퀘어 Light" panose="020B0600000101010101" pitchFamily="50" charset="-127"/>
-                </a:rPr>
-                <a:t>04</a:t>
-              </a:r>
-              <a:endParaRPr lang="ko-KR" altLang="en-US" sz="2800" b="1" spc="-300" dirty="0">
-                <a:latin typeface="나눔스퀘어 Light" panose="020B0600000101010101" pitchFamily="50" charset="-127"/>
-                <a:ea typeface="나눔스퀘어 Light" panose="020B0600000101010101" pitchFamily="50" charset="-127"/>
-              </a:endParaRPr>
-            </a:p>
-          </p:txBody>
-        </p:sp>
-        <p:cxnSp>
-          <p:nvCxnSpPr>
-            <p:cNvPr id="76" name="직선 연결선 75"/>
-            <p:cNvCxnSpPr/>
-            <p:nvPr/>
-          </p:nvCxnSpPr>
-          <p:spPr>
-            <a:xfrm>
-              <a:off x="954944" y="2337899"/>
-              <a:ext cx="1321726" cy="0"/>
+              <a:off x="1685810" y="2355694"/>
+              <a:ext cx="1569491" cy="0"/>
             </a:xfrm>
             <a:prstGeom prst="line">
               <a:avLst/>
@@ -15891,236 +16334,7 @@
             </a:fontRef>
           </p:style>
         </p:cxnSp>
-        <p:cxnSp>
-          <p:nvCxnSpPr>
-            <p:cNvPr id="77" name="직선 연결선 76"/>
-            <p:cNvCxnSpPr/>
-            <p:nvPr/>
-          </p:nvCxnSpPr>
-          <p:spPr>
-            <a:xfrm>
-              <a:off x="1015104" y="3477425"/>
-              <a:ext cx="1102945" cy="0"/>
-            </a:xfrm>
-            <a:prstGeom prst="line">
-              <a:avLst/>
-            </a:prstGeom>
-            <a:ln w="19050" cmpd="sng">
-              <a:solidFill>
-                <a:schemeClr val="bg1"/>
-              </a:solidFill>
-            </a:ln>
-          </p:spPr>
-          <p:style>
-            <a:lnRef idx="1">
-              <a:schemeClr val="accent1"/>
-            </a:lnRef>
-            <a:fillRef idx="0">
-              <a:schemeClr val="accent1"/>
-            </a:fillRef>
-            <a:effectRef idx="0">
-              <a:schemeClr val="accent1"/>
-            </a:effectRef>
-            <a:fontRef idx="minor">
-              <a:schemeClr val="tx1"/>
-            </a:fontRef>
-          </p:style>
-        </p:cxnSp>
-        <p:sp>
-          <p:nvSpPr>
-            <p:cNvPr id="78" name="TextBox 77"/>
-            <p:cNvSpPr txBox="1"/>
-            <p:nvPr/>
-          </p:nvSpPr>
-          <p:spPr>
-            <a:xfrm>
-              <a:off x="830426" y="2558423"/>
-              <a:ext cx="1446244" cy="954107"/>
-            </a:xfrm>
-            <a:prstGeom prst="rect">
-              <a:avLst/>
-            </a:prstGeom>
-            <a:noFill/>
-          </p:spPr>
-          <p:txBody>
-            <a:bodyPr wrap="square" rtlCol="0">
-              <a:spAutoFit/>
-            </a:bodyPr>
-            <a:lstStyle/>
-            <a:p>
-              <a:pPr algn="ctr">
-                <a:lnSpc>
-                  <a:spcPct val="200000"/>
-                </a:lnSpc>
-              </a:pPr>
-              <a:r>
-                <a:rPr lang="en-US" altLang="ko-KR" sz="2800" b="1" dirty="0" smtClean="0">
-                  <a:latin typeface="나눔스퀘어 ExtraBold" panose="020B0600000101010101" pitchFamily="50" charset="-127"/>
-                  <a:ea typeface="나눔스퀘어 ExtraBold" panose="020B0600000101010101" pitchFamily="50" charset="-127"/>
-                </a:rPr>
-                <a:t>End</a:t>
-              </a:r>
-              <a:endParaRPr lang="ko-KR" altLang="en-US" sz="2800" b="1" dirty="0">
-                <a:latin typeface="나눔스퀘어 ExtraBold" panose="020B0600000101010101" pitchFamily="50" charset="-127"/>
-                <a:ea typeface="나눔스퀘어 ExtraBold" panose="020B0600000101010101" pitchFamily="50" charset="-127"/>
-              </a:endParaRPr>
-            </a:p>
-          </p:txBody>
-        </p:sp>
-        <p:sp>
-          <p:nvSpPr>
-            <p:cNvPr id="79" name="TextBox 78"/>
-            <p:cNvSpPr txBox="1"/>
-            <p:nvPr/>
-          </p:nvSpPr>
-          <p:spPr>
-            <a:xfrm>
-              <a:off x="1002404" y="3660447"/>
-              <a:ext cx="1651000" cy="1938992"/>
-            </a:xfrm>
-            <a:prstGeom prst="rect">
-              <a:avLst/>
-            </a:prstGeom>
-            <a:noFill/>
-          </p:spPr>
-          <p:txBody>
-            <a:bodyPr wrap="square" rtlCol="0">
-              <a:spAutoFit/>
-            </a:bodyPr>
-            <a:lstStyle/>
-            <a:p>
-              <a:pPr>
-                <a:lnSpc>
-                  <a:spcPct val="150000"/>
-                </a:lnSpc>
-              </a:pPr>
-              <a:endParaRPr lang="en-US" altLang="ko-KR" sz="1600" b="1" dirty="0" smtClean="0">
-                <a:latin typeface="나눔바른고딕" panose="020B0603020101020101" pitchFamily="50" charset="-127"/>
-                <a:ea typeface="나눔바른고딕" panose="020B0603020101020101" pitchFamily="50" charset="-127"/>
-              </a:endParaRPr>
-            </a:p>
-            <a:p>
-              <a:pPr>
-                <a:lnSpc>
-                  <a:spcPct val="200000"/>
-                </a:lnSpc>
-              </a:pPr>
-              <a:r>
-                <a:rPr lang="en-US" altLang="ko-KR" sz="1600" b="1" dirty="0" smtClean="0">
-                  <a:latin typeface="나눔바른고딕" panose="020B0603020101020101" pitchFamily="50" charset="-127"/>
-                  <a:ea typeface="나눔바른고딕" panose="020B0603020101020101" pitchFamily="50" charset="-127"/>
-                </a:rPr>
-                <a:t>REVIEW</a:t>
-              </a:r>
-            </a:p>
-            <a:p>
-              <a:pPr>
-                <a:lnSpc>
-                  <a:spcPct val="200000"/>
-                </a:lnSpc>
-              </a:pPr>
-              <a:r>
-                <a:rPr lang="en-US" altLang="ko-KR" sz="1600" b="1" dirty="0" smtClean="0">
-                  <a:latin typeface="나눔바른고딕" panose="020B0603020101020101" pitchFamily="50" charset="-127"/>
-                  <a:ea typeface="나눔바른고딕" panose="020B0603020101020101" pitchFamily="50" charset="-127"/>
-                </a:rPr>
-                <a:t>Q  &amp;  A</a:t>
-              </a:r>
-              <a:endParaRPr lang="en-US" altLang="ko-KR" sz="1600" b="1" dirty="0">
-                <a:latin typeface="나눔바른고딕" panose="020B0603020101020101" pitchFamily="50" charset="-127"/>
-                <a:ea typeface="나눔바른고딕" panose="020B0603020101020101" pitchFamily="50" charset="-127"/>
-              </a:endParaRPr>
-            </a:p>
-            <a:p>
-              <a:pPr>
-                <a:lnSpc>
-                  <a:spcPct val="200000"/>
-                </a:lnSpc>
-              </a:pPr>
-              <a:endParaRPr lang="en-US" altLang="ko-KR" sz="1600" b="1" dirty="0" smtClean="0">
-                <a:latin typeface="나눔바른고딕" panose="020B0603020101020101" pitchFamily="50" charset="-127"/>
-                <a:ea typeface="나눔바른고딕" panose="020B0603020101020101" pitchFamily="50" charset="-127"/>
-              </a:endParaRPr>
-            </a:p>
-          </p:txBody>
-        </p:sp>
       </p:grpSp>
-      <p:cxnSp>
-        <p:nvCxnSpPr>
-          <p:cNvPr id="82" name="직선 연결선 81"/>
-          <p:cNvCxnSpPr/>
-          <p:nvPr/>
-        </p:nvCxnSpPr>
-        <p:spPr>
-          <a:xfrm>
-            <a:off x="4016070" y="2343662"/>
-            <a:ext cx="1188218" cy="0"/>
-          </a:xfrm>
-          <a:prstGeom prst="line">
-            <a:avLst/>
-          </a:prstGeom>
-          <a:ln w="69850" cmpd="thinThick">
-            <a:solidFill>
-              <a:schemeClr val="tx1">
-                <a:lumMod val="75000"/>
-                <a:lumOff val="25000"/>
-              </a:schemeClr>
-            </a:solidFill>
-          </a:ln>
-        </p:spPr>
-        <p:style>
-          <a:lnRef idx="1">
-            <a:schemeClr val="accent1"/>
-          </a:lnRef>
-          <a:fillRef idx="0">
-            <a:schemeClr val="accent1"/>
-          </a:fillRef>
-          <a:effectRef idx="0">
-            <a:schemeClr val="accent1"/>
-          </a:effectRef>
-          <a:fontRef idx="minor">
-            <a:schemeClr val="tx1"/>
-          </a:fontRef>
-        </p:style>
-      </p:cxnSp>
-      <p:cxnSp>
-        <p:nvCxnSpPr>
-          <p:cNvPr id="83" name="직선 연결선 82"/>
-          <p:cNvCxnSpPr/>
-          <p:nvPr/>
-        </p:nvCxnSpPr>
-        <p:spPr>
-          <a:xfrm>
-            <a:off x="1685810" y="2355694"/>
-            <a:ext cx="1569491" cy="0"/>
-          </a:xfrm>
-          <a:prstGeom prst="line">
-            <a:avLst/>
-          </a:prstGeom>
-          <a:ln w="69850" cmpd="thinThick">
-            <a:solidFill>
-              <a:schemeClr val="tx1">
-                <a:lumMod val="75000"/>
-                <a:lumOff val="25000"/>
-              </a:schemeClr>
-            </a:solidFill>
-          </a:ln>
-        </p:spPr>
-        <p:style>
-          <a:lnRef idx="1">
-            <a:schemeClr val="accent1"/>
-          </a:lnRef>
-          <a:fillRef idx="0">
-            <a:schemeClr val="accent1"/>
-          </a:fillRef>
-          <a:effectRef idx="0">
-            <a:schemeClr val="accent1"/>
-          </a:effectRef>
-          <a:fontRef idx="minor">
-            <a:schemeClr val="tx1"/>
-          </a:fontRef>
-        </p:style>
-      </p:cxnSp>
     </p:spTree>
     <p:extLst>
       <p:ext uri="{BB962C8B-B14F-4D97-AF65-F5344CB8AC3E}">
@@ -20720,19 +20934,8 @@
                   <a:latin typeface="나눔스퀘어 Light" panose="020B0600000101010101" pitchFamily="50" charset="-127"/>
                   <a:ea typeface="나눔스퀘어 Light" panose="020B0600000101010101" pitchFamily="50" charset="-127"/>
                 </a:rPr>
-                <a:t>Spring </a:t>
+                <a:t>Spring Security</a:t>
               </a:r>
-              <a:r>
-                <a:rPr lang="en-US" altLang="ko" sz="2400" b="1" dirty="0" smtClean="0">
-                  <a:latin typeface="나눔스퀘어 Light" panose="020B0600000101010101" pitchFamily="50" charset="-127"/>
-                  <a:ea typeface="나눔스퀘어 Light" panose="020B0600000101010101" pitchFamily="50" charset="-127"/>
-                </a:rPr>
-                <a:t>Security</a:t>
-              </a:r>
-              <a:endParaRPr lang="en-US" altLang="ko" sz="2400" b="1" dirty="0" smtClean="0">
-                <a:latin typeface="나눔스퀘어 Light" panose="020B0600000101010101" pitchFamily="50" charset="-127"/>
-                <a:ea typeface="나눔스퀘어 Light" panose="020B0600000101010101" pitchFamily="50" charset="-127"/>
-              </a:endParaRPr>
             </a:p>
           </p:txBody>
         </p:sp>
@@ -20746,9 +20949,9 @@
         <p:grpSpPr>
           <a:xfrm>
             <a:off x="2495904" y="1195281"/>
-            <a:ext cx="1364228" cy="3121729"/>
+            <a:ext cx="1401218" cy="4612976"/>
             <a:chOff x="3614897" y="1244600"/>
-            <a:chExt cx="1364228" cy="3121729"/>
+            <a:chExt cx="1401218" cy="4612976"/>
           </a:xfrm>
         </p:grpSpPr>
         <p:cxnSp>
@@ -20840,7 +21043,7 @@
           </p:blipFill>
           <p:spPr>
             <a:xfrm>
-              <a:off x="3887562" y="3544751"/>
+              <a:off x="3887562" y="3292079"/>
               <a:ext cx="863590" cy="821578"/>
             </a:xfrm>
             <a:prstGeom prst="rect">
@@ -20872,6 +21075,66 @@
             <a:xfrm>
               <a:off x="3860218" y="1979306"/>
               <a:ext cx="963126" cy="1181237"/>
+            </a:xfrm>
+            <a:prstGeom prst="rect">
+              <a:avLst/>
+            </a:prstGeom>
+          </p:spPr>
+        </p:pic>
+        <p:pic>
+          <p:nvPicPr>
+            <p:cNvPr id="55" name="그림 54"/>
+            <p:cNvPicPr>
+              <a:picLocks noChangeAspect="1"/>
+            </p:cNvPicPr>
+            <p:nvPr/>
+          </p:nvPicPr>
+          <p:blipFill>
+            <a:blip r:embed="rId6" cstate="print">
+              <a:extLst>
+                <a:ext uri="{28A0092B-C50C-407E-A947-70E740481C1C}">
+                  <a14:useLocalDpi xmlns:a14="http://schemas.microsoft.com/office/drawing/2010/main" val="0"/>
+                </a:ext>
+              </a:extLst>
+            </a:blip>
+            <a:stretch>
+              <a:fillRect/>
+            </a:stretch>
+          </p:blipFill>
+          <p:spPr>
+            <a:xfrm>
+              <a:off x="3852516" y="5340862"/>
+              <a:ext cx="863590" cy="516714"/>
+            </a:xfrm>
+            <a:prstGeom prst="rect">
+              <a:avLst/>
+            </a:prstGeom>
+          </p:spPr>
+        </p:pic>
+        <p:pic>
+          <p:nvPicPr>
+            <p:cNvPr id="56" name="그림 55"/>
+            <p:cNvPicPr>
+              <a:picLocks noChangeAspect="1"/>
+            </p:cNvPicPr>
+            <p:nvPr/>
+          </p:nvPicPr>
+          <p:blipFill>
+            <a:blip r:embed="rId7">
+              <a:extLst>
+                <a:ext uri="{28A0092B-C50C-407E-A947-70E740481C1C}">
+                  <a14:useLocalDpi xmlns:a14="http://schemas.microsoft.com/office/drawing/2010/main" val="0"/>
+                </a:ext>
+              </a:extLst>
+            </a:blip>
+            <a:stretch>
+              <a:fillRect/>
+            </a:stretch>
+          </p:blipFill>
+          <p:spPr>
+            <a:xfrm>
+              <a:off x="3677286" y="4442762"/>
+              <a:ext cx="1338829" cy="650679"/>
             </a:xfrm>
             <a:prstGeom prst="rect">
               <a:avLst/>
@@ -20987,7 +21250,7 @@
               <p:nvPr/>
             </p:nvPicPr>
             <p:blipFill>
-              <a:blip r:embed="rId6">
+              <a:blip r:embed="rId8">
                 <a:extLst>
                   <a:ext uri="{28A0092B-C50C-407E-A947-70E740481C1C}">
                     <a14:useLocalDpi xmlns:a14="http://schemas.microsoft.com/office/drawing/2010/main" val="0"/>
@@ -21018,7 +21281,7 @@
             <p:nvPr/>
           </p:nvPicPr>
           <p:blipFill>
-            <a:blip r:embed="rId7">
+            <a:blip r:embed="rId9">
               <a:extLst>
                 <a:ext uri="{28A0092B-C50C-407E-A947-70E740481C1C}">
                   <a14:useLocalDpi xmlns:a14="http://schemas.microsoft.com/office/drawing/2010/main" val="0"/>
@@ -21048,7 +21311,7 @@
             <p:nvPr/>
           </p:nvPicPr>
           <p:blipFill>
-            <a:blip r:embed="rId8">
+            <a:blip r:embed="rId10">
               <a:extLst>
                 <a:ext uri="{28A0092B-C50C-407E-A947-70E740481C1C}">
                   <a14:useLocalDpi xmlns:a14="http://schemas.microsoft.com/office/drawing/2010/main" val="0"/>
@@ -21070,6 +21333,96 @@
           </p:spPr>
         </p:pic>
       </p:grpSp>
+      <p:pic>
+        <p:nvPicPr>
+          <p:cNvPr id="60" name="그림 59"/>
+          <p:cNvPicPr>
+            <a:picLocks noChangeAspect="1"/>
+          </p:cNvPicPr>
+          <p:nvPr/>
+        </p:nvPicPr>
+        <p:blipFill>
+          <a:blip r:embed="rId11">
+            <a:extLst>
+              <a:ext uri="{28A0092B-C50C-407E-A947-70E740481C1C}">
+                <a14:useLocalDpi xmlns:a14="http://schemas.microsoft.com/office/drawing/2010/main" val="0"/>
+              </a:ext>
+            </a:extLst>
+          </a:blip>
+          <a:stretch>
+            <a:fillRect/>
+          </a:stretch>
+        </p:blipFill>
+        <p:spPr>
+          <a:xfrm>
+            <a:off x="7385127" y="3809698"/>
+            <a:ext cx="1652254" cy="1779352"/>
+          </a:xfrm>
+          <a:prstGeom prst="rect">
+            <a:avLst/>
+          </a:prstGeom>
+        </p:spPr>
+      </p:pic>
+      <p:pic>
+        <p:nvPicPr>
+          <p:cNvPr id="61" name="그림 60"/>
+          <p:cNvPicPr>
+            <a:picLocks noChangeAspect="1"/>
+          </p:cNvPicPr>
+          <p:nvPr/>
+        </p:nvPicPr>
+        <p:blipFill>
+          <a:blip r:embed="rId12">
+            <a:extLst>
+              <a:ext uri="{28A0092B-C50C-407E-A947-70E740481C1C}">
+                <a14:useLocalDpi xmlns:a14="http://schemas.microsoft.com/office/drawing/2010/main" val="0"/>
+              </a:ext>
+            </a:extLst>
+          </a:blip>
+          <a:stretch>
+            <a:fillRect/>
+          </a:stretch>
+        </p:blipFill>
+        <p:spPr>
+          <a:xfrm>
+            <a:off x="10493846" y="5123815"/>
+            <a:ext cx="731615" cy="1198336"/>
+          </a:xfrm>
+          <a:prstGeom prst="rect">
+            <a:avLst/>
+          </a:prstGeom>
+        </p:spPr>
+      </p:pic>
+      <p:pic>
+        <p:nvPicPr>
+          <p:cNvPr id="62" name="그림 61"/>
+          <p:cNvPicPr>
+            <a:picLocks noChangeAspect="1"/>
+          </p:cNvPicPr>
+          <p:nvPr/>
+        </p:nvPicPr>
+        <p:blipFill>
+          <a:blip r:embed="rId13">
+            <a:extLst>
+              <a:ext uri="{28A0092B-C50C-407E-A947-70E740481C1C}">
+                <a14:useLocalDpi xmlns:a14="http://schemas.microsoft.com/office/drawing/2010/main" val="0"/>
+              </a:ext>
+            </a:extLst>
+          </a:blip>
+          <a:stretch>
+            <a:fillRect/>
+          </a:stretch>
+        </p:blipFill>
+        <p:spPr>
+          <a:xfrm>
+            <a:off x="10493846" y="608978"/>
+            <a:ext cx="970546" cy="2074961"/>
+          </a:xfrm>
+          <a:prstGeom prst="rect">
+            <a:avLst/>
+          </a:prstGeom>
+        </p:spPr>
+      </p:pic>
     </p:spTree>
     <p:extLst>
       <p:ext uri="{BB962C8B-B14F-4D97-AF65-F5344CB8AC3E}">
@@ -25388,7 +25741,4353 @@
         </p:nvSpPr>
         <p:spPr>
           <a:xfrm>
-            <a:off x="3572306" y="2353804"/>
+            <a:off x="3042482" y="2428477"/>
+            <a:ext cx="6649962" cy="1569660"/>
+          </a:xfrm>
+          <a:prstGeom prst="rect">
+            <a:avLst/>
+          </a:prstGeom>
+          <a:noFill/>
+        </p:spPr>
+        <p:txBody>
+          <a:bodyPr wrap="none" rtlCol="0">
+            <a:spAutoFit/>
+          </a:bodyPr>
+          <a:lstStyle/>
+          <a:p>
+            <a:r>
+              <a:rPr lang="en-US" altLang="ko-KR" sz="9600" dirty="0" smtClean="0">
+                <a:latin typeface="나눔스퀘어 ExtraBold" panose="020B0600000101010101" pitchFamily="50" charset="-127"/>
+                <a:ea typeface="나눔스퀘어 ExtraBold" panose="020B0600000101010101" pitchFamily="50" charset="-127"/>
+              </a:rPr>
+              <a:t>Show Time</a:t>
+            </a:r>
+            <a:endParaRPr lang="ko-KR" altLang="en-US" sz="9600" dirty="0">
+              <a:latin typeface="나눔스퀘어 ExtraBold" panose="020B0600000101010101" pitchFamily="50" charset="-127"/>
+              <a:ea typeface="나눔스퀘어 ExtraBold" panose="020B0600000101010101" pitchFamily="50" charset="-127"/>
+            </a:endParaRPr>
+          </a:p>
+        </p:txBody>
+      </p:sp>
+    </p:spTree>
+    <p:extLst>
+      <p:ext uri="{BB962C8B-B14F-4D97-AF65-F5344CB8AC3E}">
+        <p14:creationId xmlns:p14="http://schemas.microsoft.com/office/powerpoint/2010/main" val="1021042519"/>
+      </p:ext>
+    </p:extLst>
+  </p:cSld>
+  <p:clrMapOvr>
+    <a:masterClrMapping/>
+  </p:clrMapOvr>
+  <p:timing>
+    <p:tnLst>
+      <p:par>
+        <p:cTn id="1" dur="indefinite" restart="never" nodeType="tmRoot"/>
+      </p:par>
+    </p:tnLst>
+  </p:timing>
+</p:sld>
+</file>
+
+<file path=ppt/slides/slide6.xml><?xml version="1.0" encoding="utf-8"?>
+<p:sld xmlns:a="http://schemas.openxmlformats.org/drawingml/2006/main" xmlns:r="http://schemas.openxmlformats.org/officeDocument/2006/relationships" xmlns:p="http://schemas.openxmlformats.org/presentationml/2006/main">
+  <p:cSld>
+    <p:spTree>
+      <p:nvGrpSpPr>
+        <p:cNvPr id="1" name=""/>
+        <p:cNvGrpSpPr/>
+        <p:nvPr/>
+      </p:nvGrpSpPr>
+      <p:grpSpPr>
+        <a:xfrm>
+          <a:off x="0" y="0"/>
+          <a:ext cx="0" cy="0"/>
+          <a:chOff x="0" y="0"/>
+          <a:chExt cx="0" cy="0"/>
+        </a:xfrm>
+      </p:grpSpPr>
+      <p:sp>
+        <p:nvSpPr>
+          <p:cNvPr id="36" name="한쪽 모서리가 둥근 사각형 35"/>
+          <p:cNvSpPr/>
+          <p:nvPr/>
+        </p:nvSpPr>
+        <p:spPr>
+          <a:xfrm>
+            <a:off x="0" y="0"/>
+            <a:ext cx="3848100" cy="5549900"/>
+          </a:xfrm>
+          <a:prstGeom prst="round1Rect">
+            <a:avLst/>
+          </a:prstGeom>
+          <a:solidFill>
+            <a:srgbClr val="00B0F0"/>
+          </a:solidFill>
+          <a:ln>
+            <a:noFill/>
+          </a:ln>
+        </p:spPr>
+        <p:style>
+          <a:lnRef idx="2">
+            <a:schemeClr val="accent1">
+              <a:shade val="50000"/>
+            </a:schemeClr>
+          </a:lnRef>
+          <a:fillRef idx="1">
+            <a:schemeClr val="accent1"/>
+          </a:fillRef>
+          <a:effectRef idx="0">
+            <a:schemeClr val="accent1"/>
+          </a:effectRef>
+          <a:fontRef idx="minor">
+            <a:schemeClr val="lt1"/>
+          </a:fontRef>
+        </p:style>
+        <p:txBody>
+          <a:bodyPr rtlCol="0" anchor="ctr"/>
+          <a:lstStyle/>
+          <a:p>
+            <a:pPr algn="ctr"/>
+            <a:endParaRPr lang="ko-KR" altLang="en-US">
+              <a:solidFill>
+                <a:prstClr val="white"/>
+              </a:solidFill>
+            </a:endParaRPr>
+          </a:p>
+        </p:txBody>
+      </p:sp>
+      <p:sp>
+        <p:nvSpPr>
+          <p:cNvPr id="5" name="모서리가 둥근 직사각형 4"/>
+          <p:cNvSpPr/>
+          <p:nvPr/>
+        </p:nvSpPr>
+        <p:spPr>
+          <a:xfrm>
+            <a:off x="236537" y="304800"/>
+            <a:ext cx="11669713" cy="6265862"/>
+          </a:xfrm>
+          <a:prstGeom prst="roundRect">
+            <a:avLst>
+              <a:gd name="adj" fmla="val 4810"/>
+            </a:avLst>
+          </a:prstGeom>
+          <a:solidFill>
+            <a:srgbClr val="264259"/>
+          </a:solidFill>
+          <a:ln w="63500">
+            <a:solidFill>
+              <a:schemeClr val="tx2">
+                <a:lumMod val="50000"/>
+              </a:schemeClr>
+            </a:solidFill>
+          </a:ln>
+          <a:effectLst>
+            <a:outerShdw dist="63500" dir="2700000" algn="tl" rotWithShape="0">
+              <a:prstClr val="black">
+                <a:alpha val="40000"/>
+              </a:prstClr>
+            </a:outerShdw>
+          </a:effectLst>
+        </p:spPr>
+        <p:style>
+          <a:lnRef idx="2">
+            <a:schemeClr val="accent1">
+              <a:shade val="50000"/>
+            </a:schemeClr>
+          </a:lnRef>
+          <a:fillRef idx="1">
+            <a:schemeClr val="accent1"/>
+          </a:fillRef>
+          <a:effectRef idx="0">
+            <a:schemeClr val="accent1"/>
+          </a:effectRef>
+          <a:fontRef idx="minor">
+            <a:schemeClr val="lt1"/>
+          </a:fontRef>
+        </p:style>
+        <p:txBody>
+          <a:bodyPr rtlCol="0" anchor="ctr"/>
+          <a:lstStyle/>
+          <a:p>
+            <a:pPr algn="ctr"/>
+            <a:endParaRPr lang="ko-KR" altLang="en-US">
+              <a:solidFill>
+                <a:prstClr val="white"/>
+              </a:solidFill>
+            </a:endParaRPr>
+          </a:p>
+        </p:txBody>
+      </p:sp>
+      <p:sp>
+        <p:nvSpPr>
+          <p:cNvPr id="6" name="양쪽 모서리가 둥근 사각형 5"/>
+          <p:cNvSpPr/>
+          <p:nvPr/>
+        </p:nvSpPr>
+        <p:spPr>
+          <a:xfrm rot="5400000">
+            <a:off x="3271463" y="-2062957"/>
+            <a:ext cx="6192000" cy="11001376"/>
+          </a:xfrm>
+          <a:prstGeom prst="round2SameRect">
+            <a:avLst>
+              <a:gd name="adj1" fmla="val 4506"/>
+              <a:gd name="adj2" fmla="val 0"/>
+            </a:avLst>
+          </a:prstGeom>
+          <a:solidFill>
+            <a:schemeClr val="bg1"/>
+          </a:solidFill>
+          <a:ln w="63500">
+            <a:noFill/>
+          </a:ln>
+        </p:spPr>
+        <p:style>
+          <a:lnRef idx="2">
+            <a:schemeClr val="accent1">
+              <a:shade val="50000"/>
+            </a:schemeClr>
+          </a:lnRef>
+          <a:fillRef idx="1">
+            <a:schemeClr val="accent1"/>
+          </a:fillRef>
+          <a:effectRef idx="0">
+            <a:schemeClr val="accent1"/>
+          </a:effectRef>
+          <a:fontRef idx="minor">
+            <a:schemeClr val="lt1"/>
+          </a:fontRef>
+        </p:style>
+        <p:txBody>
+          <a:bodyPr rtlCol="0" anchor="ctr"/>
+          <a:lstStyle/>
+          <a:p>
+            <a:pPr algn="ctr"/>
+            <a:endParaRPr lang="ko-KR" altLang="en-US">
+              <a:solidFill>
+                <a:prstClr val="white"/>
+              </a:solidFill>
+            </a:endParaRPr>
+          </a:p>
+        </p:txBody>
+      </p:sp>
+      <p:sp>
+        <p:nvSpPr>
+          <p:cNvPr id="19" name="Freeform 9"/>
+          <p:cNvSpPr>
+            <a:spLocks/>
+          </p:cNvSpPr>
+          <p:nvPr/>
+        </p:nvSpPr>
+        <p:spPr bwMode="auto">
+          <a:xfrm>
+            <a:off x="477298" y="2470961"/>
+            <a:ext cx="141676" cy="186968"/>
+          </a:xfrm>
+          <a:custGeom>
+            <a:avLst/>
+            <a:gdLst>
+              <a:gd name="T0" fmla="*/ 1093 w 9310"/>
+              <a:gd name="T1" fmla="*/ 12245 h 12286"/>
+              <a:gd name="T2" fmla="*/ 582 w 9310"/>
+              <a:gd name="T3" fmla="*/ 12007 h 12286"/>
+              <a:gd name="T4" fmla="*/ 279 w 9310"/>
+              <a:gd name="T5" fmla="*/ 11710 h 12286"/>
+              <a:gd name="T6" fmla="*/ 42 w 9310"/>
+              <a:gd name="T7" fmla="*/ 11209 h 12286"/>
+              <a:gd name="T8" fmla="*/ 0 w 9310"/>
+              <a:gd name="T9" fmla="*/ 1919 h 12286"/>
+              <a:gd name="T10" fmla="*/ 117 w 9310"/>
+              <a:gd name="T11" fmla="*/ 1260 h 12286"/>
+              <a:gd name="T12" fmla="*/ 498 w 9310"/>
+              <a:gd name="T13" fmla="*/ 629 h 12286"/>
+              <a:gd name="T14" fmla="*/ 1088 w 9310"/>
+              <a:gd name="T15" fmla="*/ 189 h 12286"/>
+              <a:gd name="T16" fmla="*/ 1821 w 9310"/>
+              <a:gd name="T17" fmla="*/ 1 h 12286"/>
+              <a:gd name="T18" fmla="*/ 7682 w 9310"/>
+              <a:gd name="T19" fmla="*/ 22 h 12286"/>
+              <a:gd name="T20" fmla="*/ 8385 w 9310"/>
+              <a:gd name="T21" fmla="*/ 278 h 12286"/>
+              <a:gd name="T22" fmla="*/ 8929 w 9310"/>
+              <a:gd name="T23" fmla="*/ 772 h 12286"/>
+              <a:gd name="T24" fmla="*/ 9250 w 9310"/>
+              <a:gd name="T25" fmla="*/ 1440 h 12286"/>
+              <a:gd name="T26" fmla="*/ 9310 w 9310"/>
+              <a:gd name="T27" fmla="*/ 8471 h 12286"/>
+              <a:gd name="T28" fmla="*/ 9201 w 9310"/>
+              <a:gd name="T29" fmla="*/ 8777 h 12286"/>
+              <a:gd name="T30" fmla="*/ 8880 w 9310"/>
+              <a:gd name="T31" fmla="*/ 8949 h 12286"/>
+              <a:gd name="T32" fmla="*/ 8601 w 9310"/>
+              <a:gd name="T33" fmla="*/ 8894 h 12286"/>
+              <a:gd name="T34" fmla="*/ 8370 w 9310"/>
+              <a:gd name="T35" fmla="*/ 8615 h 12286"/>
+              <a:gd name="T36" fmla="*/ 8349 w 9310"/>
+              <a:gd name="T37" fmla="*/ 1870 h 12286"/>
+              <a:gd name="T38" fmla="*/ 8255 w 9310"/>
+              <a:gd name="T39" fmla="*/ 1503 h 12286"/>
+              <a:gd name="T40" fmla="*/ 8035 w 9310"/>
+              <a:gd name="T41" fmla="*/ 1209 h 12286"/>
+              <a:gd name="T42" fmla="*/ 7720 w 9310"/>
+              <a:gd name="T43" fmla="*/ 1018 h 12286"/>
+              <a:gd name="T44" fmla="*/ 7390 w 9310"/>
+              <a:gd name="T45" fmla="*/ 960 h 12286"/>
+              <a:gd name="T46" fmla="*/ 1680 w 9310"/>
+              <a:gd name="T47" fmla="*/ 989 h 12286"/>
+              <a:gd name="T48" fmla="*/ 1346 w 9310"/>
+              <a:gd name="T49" fmla="*/ 1150 h 12286"/>
+              <a:gd name="T50" fmla="*/ 1098 w 9310"/>
+              <a:gd name="T51" fmla="*/ 1423 h 12286"/>
+              <a:gd name="T52" fmla="*/ 970 w 9310"/>
+              <a:gd name="T53" fmla="*/ 1774 h 12286"/>
+              <a:gd name="T54" fmla="*/ 962 w 9310"/>
+              <a:gd name="T55" fmla="*/ 10904 h 12286"/>
+              <a:gd name="T56" fmla="*/ 1091 w 9310"/>
+              <a:gd name="T57" fmla="*/ 11185 h 12286"/>
+              <a:gd name="T58" fmla="*/ 1405 w 9310"/>
+              <a:gd name="T59" fmla="*/ 11326 h 12286"/>
+              <a:gd name="T60" fmla="*/ 1677 w 9310"/>
+              <a:gd name="T61" fmla="*/ 11273 h 12286"/>
+              <a:gd name="T62" fmla="*/ 4346 w 9310"/>
+              <a:gd name="T63" fmla="*/ 8559 h 12286"/>
+              <a:gd name="T64" fmla="*/ 4655 w 9310"/>
+              <a:gd name="T65" fmla="*/ 8448 h 12286"/>
+              <a:gd name="T66" fmla="*/ 4964 w 9310"/>
+              <a:gd name="T67" fmla="*/ 8559 h 12286"/>
+              <a:gd name="T68" fmla="*/ 7633 w 9310"/>
+              <a:gd name="T69" fmla="*/ 11273 h 12286"/>
+              <a:gd name="T70" fmla="*/ 7902 w 9310"/>
+              <a:gd name="T71" fmla="*/ 11326 h 12286"/>
+              <a:gd name="T72" fmla="*/ 8215 w 9310"/>
+              <a:gd name="T73" fmla="*/ 11182 h 12286"/>
+              <a:gd name="T74" fmla="*/ 8349 w 9310"/>
+              <a:gd name="T75" fmla="*/ 10897 h 12286"/>
+              <a:gd name="T76" fmla="*/ 8408 w 9310"/>
+              <a:gd name="T77" fmla="*/ 10618 h 12286"/>
+              <a:gd name="T78" fmla="*/ 8687 w 9310"/>
+              <a:gd name="T79" fmla="*/ 10387 h 12286"/>
+              <a:gd name="T80" fmla="*/ 8974 w 9310"/>
+              <a:gd name="T81" fmla="*/ 10387 h 12286"/>
+              <a:gd name="T82" fmla="*/ 9253 w 9310"/>
+              <a:gd name="T83" fmla="*/ 10618 h 12286"/>
+              <a:gd name="T84" fmla="*/ 9309 w 9310"/>
+              <a:gd name="T85" fmla="*/ 10920 h 12286"/>
+              <a:gd name="T86" fmla="*/ 9174 w 9310"/>
+              <a:gd name="T87" fmla="*/ 11466 h 12286"/>
+              <a:gd name="T88" fmla="*/ 8890 w 9310"/>
+              <a:gd name="T89" fmla="*/ 11865 h 12286"/>
+              <a:gd name="T90" fmla="*/ 8474 w 9310"/>
+              <a:gd name="T91" fmla="*/ 12151 h 12286"/>
+              <a:gd name="T92" fmla="*/ 7913 w 9310"/>
+              <a:gd name="T93" fmla="*/ 12286 h 12286"/>
+              <a:gd name="T94" fmla="*/ 7489 w 9310"/>
+              <a:gd name="T95" fmla="*/ 12242 h 12286"/>
+              <a:gd name="T96" fmla="*/ 6997 w 9310"/>
+              <a:gd name="T97" fmla="*/ 12001 h 12286"/>
+              <a:gd name="T98" fmla="*/ 2472 w 9310"/>
+              <a:gd name="T99" fmla="*/ 11859 h 12286"/>
+              <a:gd name="T100" fmla="*/ 2080 w 9310"/>
+              <a:gd name="T101" fmla="*/ 12145 h 12286"/>
+              <a:gd name="T102" fmla="*/ 1545 w 9310"/>
+              <a:gd name="T103" fmla="*/ 12285 h 12286"/>
+            </a:gdLst>
+            <a:ahLst/>
+            <a:cxnLst>
+              <a:cxn ang="0">
+                <a:pos x="T0" y="T1"/>
+              </a:cxn>
+              <a:cxn ang="0">
+                <a:pos x="T2" y="T3"/>
+              </a:cxn>
+              <a:cxn ang="0">
+                <a:pos x="T4" y="T5"/>
+              </a:cxn>
+              <a:cxn ang="0">
+                <a:pos x="T6" y="T7"/>
+              </a:cxn>
+              <a:cxn ang="0">
+                <a:pos x="T8" y="T9"/>
+              </a:cxn>
+              <a:cxn ang="0">
+                <a:pos x="T10" y="T11"/>
+              </a:cxn>
+              <a:cxn ang="0">
+                <a:pos x="T12" y="T13"/>
+              </a:cxn>
+              <a:cxn ang="0">
+                <a:pos x="T14" y="T15"/>
+              </a:cxn>
+              <a:cxn ang="0">
+                <a:pos x="T16" y="T17"/>
+              </a:cxn>
+              <a:cxn ang="0">
+                <a:pos x="T18" y="T19"/>
+              </a:cxn>
+              <a:cxn ang="0">
+                <a:pos x="T20" y="T21"/>
+              </a:cxn>
+              <a:cxn ang="0">
+                <a:pos x="T22" y="T23"/>
+              </a:cxn>
+              <a:cxn ang="0">
+                <a:pos x="T24" y="T25"/>
+              </a:cxn>
+              <a:cxn ang="0">
+                <a:pos x="T26" y="T27"/>
+              </a:cxn>
+              <a:cxn ang="0">
+                <a:pos x="T28" y="T29"/>
+              </a:cxn>
+              <a:cxn ang="0">
+                <a:pos x="T30" y="T31"/>
+              </a:cxn>
+              <a:cxn ang="0">
+                <a:pos x="T32" y="T33"/>
+              </a:cxn>
+              <a:cxn ang="0">
+                <a:pos x="T34" y="T35"/>
+              </a:cxn>
+              <a:cxn ang="0">
+                <a:pos x="T36" y="T37"/>
+              </a:cxn>
+              <a:cxn ang="0">
+                <a:pos x="T38" y="T39"/>
+              </a:cxn>
+              <a:cxn ang="0">
+                <a:pos x="T40" y="T41"/>
+              </a:cxn>
+              <a:cxn ang="0">
+                <a:pos x="T42" y="T43"/>
+              </a:cxn>
+              <a:cxn ang="0">
+                <a:pos x="T44" y="T45"/>
+              </a:cxn>
+              <a:cxn ang="0">
+                <a:pos x="T46" y="T47"/>
+              </a:cxn>
+              <a:cxn ang="0">
+                <a:pos x="T48" y="T49"/>
+              </a:cxn>
+              <a:cxn ang="0">
+                <a:pos x="T50" y="T51"/>
+              </a:cxn>
+              <a:cxn ang="0">
+                <a:pos x="T52" y="T53"/>
+              </a:cxn>
+              <a:cxn ang="0">
+                <a:pos x="T54" y="T55"/>
+              </a:cxn>
+              <a:cxn ang="0">
+                <a:pos x="T56" y="T57"/>
+              </a:cxn>
+              <a:cxn ang="0">
+                <a:pos x="T58" y="T59"/>
+              </a:cxn>
+              <a:cxn ang="0">
+                <a:pos x="T60" y="T61"/>
+              </a:cxn>
+              <a:cxn ang="0">
+                <a:pos x="T62" y="T63"/>
+              </a:cxn>
+              <a:cxn ang="0">
+                <a:pos x="T64" y="T65"/>
+              </a:cxn>
+              <a:cxn ang="0">
+                <a:pos x="T66" y="T67"/>
+              </a:cxn>
+              <a:cxn ang="0">
+                <a:pos x="T68" y="T69"/>
+              </a:cxn>
+              <a:cxn ang="0">
+                <a:pos x="T70" y="T71"/>
+              </a:cxn>
+              <a:cxn ang="0">
+                <a:pos x="T72" y="T73"/>
+              </a:cxn>
+              <a:cxn ang="0">
+                <a:pos x="T74" y="T75"/>
+              </a:cxn>
+              <a:cxn ang="0">
+                <a:pos x="T76" y="T77"/>
+              </a:cxn>
+              <a:cxn ang="0">
+                <a:pos x="T78" y="T79"/>
+              </a:cxn>
+              <a:cxn ang="0">
+                <a:pos x="T80" y="T81"/>
+              </a:cxn>
+              <a:cxn ang="0">
+                <a:pos x="T82" y="T83"/>
+              </a:cxn>
+              <a:cxn ang="0">
+                <a:pos x="T84" y="T85"/>
+              </a:cxn>
+              <a:cxn ang="0">
+                <a:pos x="T86" y="T87"/>
+              </a:cxn>
+              <a:cxn ang="0">
+                <a:pos x="T88" y="T89"/>
+              </a:cxn>
+              <a:cxn ang="0">
+                <a:pos x="T90" y="T91"/>
+              </a:cxn>
+              <a:cxn ang="0">
+                <a:pos x="T92" y="T93"/>
+              </a:cxn>
+              <a:cxn ang="0">
+                <a:pos x="T94" y="T95"/>
+              </a:cxn>
+              <a:cxn ang="0">
+                <a:pos x="T96" y="T97"/>
+              </a:cxn>
+              <a:cxn ang="0">
+                <a:pos x="T98" y="T99"/>
+              </a:cxn>
+              <a:cxn ang="0">
+                <a:pos x="T100" y="T101"/>
+              </a:cxn>
+              <a:cxn ang="0">
+                <a:pos x="T102" y="T103"/>
+              </a:cxn>
+            </a:cxnLst>
+            <a:rect l="0" t="0" r="r" b="b"/>
+            <a:pathLst>
+              <a:path w="9310" h="12286">
+                <a:moveTo>
+                  <a:pt x="1447" y="12286"/>
+                </a:moveTo>
+                <a:lnTo>
+                  <a:pt x="1375" y="12286"/>
+                </a:lnTo>
+                <a:lnTo>
+                  <a:pt x="1232" y="12272"/>
+                </a:lnTo>
+                <a:lnTo>
+                  <a:pt x="1093" y="12245"/>
+                </a:lnTo>
+                <a:lnTo>
+                  <a:pt x="957" y="12203"/>
+                </a:lnTo>
+                <a:lnTo>
+                  <a:pt x="826" y="12150"/>
+                </a:lnTo>
+                <a:lnTo>
+                  <a:pt x="700" y="12085"/>
+                </a:lnTo>
+                <a:lnTo>
+                  <a:pt x="582" y="12007"/>
+                </a:lnTo>
+                <a:lnTo>
+                  <a:pt x="471" y="11918"/>
+                </a:lnTo>
+                <a:lnTo>
+                  <a:pt x="419" y="11869"/>
+                </a:lnTo>
+                <a:lnTo>
+                  <a:pt x="370" y="11818"/>
+                </a:lnTo>
+                <a:lnTo>
+                  <a:pt x="279" y="11710"/>
+                </a:lnTo>
+                <a:lnTo>
+                  <a:pt x="202" y="11595"/>
+                </a:lnTo>
+                <a:lnTo>
+                  <a:pt x="135" y="11471"/>
+                </a:lnTo>
+                <a:lnTo>
+                  <a:pt x="82" y="11343"/>
+                </a:lnTo>
+                <a:lnTo>
+                  <a:pt x="42" y="11209"/>
+                </a:lnTo>
+                <a:lnTo>
+                  <a:pt x="14" y="11070"/>
+                </a:lnTo>
+                <a:lnTo>
+                  <a:pt x="1" y="10927"/>
+                </a:lnTo>
+                <a:lnTo>
+                  <a:pt x="0" y="10855"/>
+                </a:lnTo>
+                <a:lnTo>
+                  <a:pt x="0" y="1919"/>
+                </a:lnTo>
+                <a:lnTo>
+                  <a:pt x="1" y="1821"/>
+                </a:lnTo>
+                <a:lnTo>
+                  <a:pt x="22" y="1627"/>
+                </a:lnTo>
+                <a:lnTo>
+                  <a:pt x="60" y="1440"/>
+                </a:lnTo>
+                <a:lnTo>
+                  <a:pt x="117" y="1260"/>
+                </a:lnTo>
+                <a:lnTo>
+                  <a:pt x="189" y="1089"/>
+                </a:lnTo>
+                <a:lnTo>
+                  <a:pt x="278" y="924"/>
+                </a:lnTo>
+                <a:lnTo>
+                  <a:pt x="382" y="772"/>
+                </a:lnTo>
+                <a:lnTo>
+                  <a:pt x="498" y="629"/>
+                </a:lnTo>
+                <a:lnTo>
+                  <a:pt x="629" y="498"/>
+                </a:lnTo>
+                <a:lnTo>
+                  <a:pt x="772" y="382"/>
+                </a:lnTo>
+                <a:lnTo>
+                  <a:pt x="924" y="278"/>
+                </a:lnTo>
+                <a:lnTo>
+                  <a:pt x="1088" y="189"/>
+                </a:lnTo>
+                <a:lnTo>
+                  <a:pt x="1260" y="117"/>
+                </a:lnTo>
+                <a:lnTo>
+                  <a:pt x="1440" y="60"/>
+                </a:lnTo>
+                <a:lnTo>
+                  <a:pt x="1627" y="22"/>
+                </a:lnTo>
+                <a:lnTo>
+                  <a:pt x="1821" y="1"/>
+                </a:lnTo>
+                <a:lnTo>
+                  <a:pt x="1919" y="0"/>
+                </a:lnTo>
+                <a:lnTo>
+                  <a:pt x="7390" y="0"/>
+                </a:lnTo>
+                <a:lnTo>
+                  <a:pt x="7489" y="1"/>
+                </a:lnTo>
+                <a:lnTo>
+                  <a:pt x="7682" y="22"/>
+                </a:lnTo>
+                <a:lnTo>
+                  <a:pt x="7869" y="60"/>
+                </a:lnTo>
+                <a:lnTo>
+                  <a:pt x="8049" y="117"/>
+                </a:lnTo>
+                <a:lnTo>
+                  <a:pt x="8222" y="189"/>
+                </a:lnTo>
+                <a:lnTo>
+                  <a:pt x="8385" y="278"/>
+                </a:lnTo>
+                <a:lnTo>
+                  <a:pt x="8539" y="382"/>
+                </a:lnTo>
+                <a:lnTo>
+                  <a:pt x="8681" y="498"/>
+                </a:lnTo>
+                <a:lnTo>
+                  <a:pt x="8811" y="629"/>
+                </a:lnTo>
+                <a:lnTo>
+                  <a:pt x="8929" y="772"/>
+                </a:lnTo>
+                <a:lnTo>
+                  <a:pt x="9033" y="924"/>
+                </a:lnTo>
+                <a:lnTo>
+                  <a:pt x="9120" y="1089"/>
+                </a:lnTo>
+                <a:lnTo>
+                  <a:pt x="9194" y="1260"/>
+                </a:lnTo>
+                <a:lnTo>
+                  <a:pt x="9250" y="1440"/>
+                </a:lnTo>
+                <a:lnTo>
+                  <a:pt x="9289" y="1627"/>
+                </a:lnTo>
+                <a:lnTo>
+                  <a:pt x="9308" y="1821"/>
+                </a:lnTo>
+                <a:lnTo>
+                  <a:pt x="9310" y="1919"/>
+                </a:lnTo>
+                <a:lnTo>
+                  <a:pt x="9310" y="8471"/>
+                </a:lnTo>
+                <a:lnTo>
+                  <a:pt x="9308" y="8521"/>
+                </a:lnTo>
+                <a:lnTo>
+                  <a:pt x="9289" y="8615"/>
+                </a:lnTo>
+                <a:lnTo>
+                  <a:pt x="9253" y="8700"/>
+                </a:lnTo>
+                <a:lnTo>
+                  <a:pt x="9201" y="8777"/>
+                </a:lnTo>
+                <a:lnTo>
+                  <a:pt x="9136" y="8842"/>
+                </a:lnTo>
+                <a:lnTo>
+                  <a:pt x="9058" y="8894"/>
+                </a:lnTo>
+                <a:lnTo>
+                  <a:pt x="8974" y="8930"/>
+                </a:lnTo>
+                <a:lnTo>
+                  <a:pt x="8880" y="8949"/>
+                </a:lnTo>
+                <a:lnTo>
+                  <a:pt x="8830" y="8952"/>
+                </a:lnTo>
+                <a:lnTo>
+                  <a:pt x="8781" y="8949"/>
+                </a:lnTo>
+                <a:lnTo>
+                  <a:pt x="8687" y="8930"/>
+                </a:lnTo>
+                <a:lnTo>
+                  <a:pt x="8601" y="8894"/>
+                </a:lnTo>
+                <a:lnTo>
+                  <a:pt x="8524" y="8842"/>
+                </a:lnTo>
+                <a:lnTo>
+                  <a:pt x="8460" y="8777"/>
+                </a:lnTo>
+                <a:lnTo>
+                  <a:pt x="8408" y="8700"/>
+                </a:lnTo>
+                <a:lnTo>
+                  <a:pt x="8370" y="8615"/>
+                </a:lnTo>
+                <a:lnTo>
+                  <a:pt x="8352" y="8521"/>
+                </a:lnTo>
+                <a:lnTo>
+                  <a:pt x="8350" y="8471"/>
+                </a:lnTo>
+                <a:lnTo>
+                  <a:pt x="8350" y="1919"/>
+                </a:lnTo>
+                <a:lnTo>
+                  <a:pt x="8349" y="1870"/>
+                </a:lnTo>
+                <a:lnTo>
+                  <a:pt x="8340" y="1774"/>
+                </a:lnTo>
+                <a:lnTo>
+                  <a:pt x="8320" y="1680"/>
+                </a:lnTo>
+                <a:lnTo>
+                  <a:pt x="8293" y="1590"/>
+                </a:lnTo>
+                <a:lnTo>
+                  <a:pt x="8255" y="1503"/>
+                </a:lnTo>
+                <a:lnTo>
+                  <a:pt x="8211" y="1423"/>
+                </a:lnTo>
+                <a:lnTo>
+                  <a:pt x="8160" y="1346"/>
+                </a:lnTo>
+                <a:lnTo>
+                  <a:pt x="8101" y="1274"/>
+                </a:lnTo>
+                <a:lnTo>
+                  <a:pt x="8035" y="1209"/>
+                </a:lnTo>
+                <a:lnTo>
+                  <a:pt x="7964" y="1150"/>
+                </a:lnTo>
+                <a:lnTo>
+                  <a:pt x="7888" y="1099"/>
+                </a:lnTo>
+                <a:lnTo>
+                  <a:pt x="7806" y="1054"/>
+                </a:lnTo>
+                <a:lnTo>
+                  <a:pt x="7720" y="1018"/>
+                </a:lnTo>
+                <a:lnTo>
+                  <a:pt x="7630" y="989"/>
+                </a:lnTo>
+                <a:lnTo>
+                  <a:pt x="7537" y="970"/>
+                </a:lnTo>
+                <a:lnTo>
+                  <a:pt x="7440" y="960"/>
+                </a:lnTo>
+                <a:lnTo>
+                  <a:pt x="7390" y="960"/>
+                </a:lnTo>
+                <a:lnTo>
+                  <a:pt x="1919" y="960"/>
+                </a:lnTo>
+                <a:lnTo>
+                  <a:pt x="1870" y="960"/>
+                </a:lnTo>
+                <a:lnTo>
+                  <a:pt x="1774" y="970"/>
+                </a:lnTo>
+                <a:lnTo>
+                  <a:pt x="1680" y="989"/>
+                </a:lnTo>
+                <a:lnTo>
+                  <a:pt x="1589" y="1018"/>
+                </a:lnTo>
+                <a:lnTo>
+                  <a:pt x="1503" y="1054"/>
+                </a:lnTo>
+                <a:lnTo>
+                  <a:pt x="1422" y="1099"/>
+                </a:lnTo>
+                <a:lnTo>
+                  <a:pt x="1346" y="1150"/>
+                </a:lnTo>
+                <a:lnTo>
+                  <a:pt x="1274" y="1209"/>
+                </a:lnTo>
+                <a:lnTo>
+                  <a:pt x="1209" y="1274"/>
+                </a:lnTo>
+                <a:lnTo>
+                  <a:pt x="1150" y="1346"/>
+                </a:lnTo>
+                <a:lnTo>
+                  <a:pt x="1098" y="1423"/>
+                </a:lnTo>
+                <a:lnTo>
+                  <a:pt x="1054" y="1503"/>
+                </a:lnTo>
+                <a:lnTo>
+                  <a:pt x="1018" y="1590"/>
+                </a:lnTo>
+                <a:lnTo>
+                  <a:pt x="989" y="1680"/>
+                </a:lnTo>
+                <a:lnTo>
+                  <a:pt x="970" y="1774"/>
+                </a:lnTo>
+                <a:lnTo>
+                  <a:pt x="960" y="1870"/>
+                </a:lnTo>
+                <a:lnTo>
+                  <a:pt x="960" y="1919"/>
+                </a:lnTo>
+                <a:lnTo>
+                  <a:pt x="960" y="10855"/>
+                </a:lnTo>
+                <a:lnTo>
+                  <a:pt x="962" y="10904"/>
+                </a:lnTo>
+                <a:lnTo>
+                  <a:pt x="978" y="10995"/>
+                </a:lnTo>
+                <a:lnTo>
+                  <a:pt x="1011" y="11078"/>
+                </a:lnTo>
+                <a:lnTo>
+                  <a:pt x="1061" y="11152"/>
+                </a:lnTo>
+                <a:lnTo>
+                  <a:pt x="1091" y="11185"/>
+                </a:lnTo>
+                <a:lnTo>
+                  <a:pt x="1129" y="11218"/>
+                </a:lnTo>
+                <a:lnTo>
+                  <a:pt x="1212" y="11271"/>
+                </a:lnTo>
+                <a:lnTo>
+                  <a:pt x="1306" y="11307"/>
+                </a:lnTo>
+                <a:lnTo>
+                  <a:pt x="1405" y="11326"/>
+                </a:lnTo>
+                <a:lnTo>
+                  <a:pt x="1456" y="11327"/>
+                </a:lnTo>
+                <a:lnTo>
+                  <a:pt x="1504" y="11325"/>
+                </a:lnTo>
+                <a:lnTo>
+                  <a:pt x="1595" y="11307"/>
+                </a:lnTo>
+                <a:lnTo>
+                  <a:pt x="1677" y="11273"/>
+                </a:lnTo>
+                <a:lnTo>
+                  <a:pt x="1751" y="11222"/>
+                </a:lnTo>
+                <a:lnTo>
+                  <a:pt x="1784" y="11191"/>
+                </a:lnTo>
+                <a:lnTo>
+                  <a:pt x="4310" y="8592"/>
+                </a:lnTo>
+                <a:lnTo>
+                  <a:pt x="4346" y="8559"/>
+                </a:lnTo>
+                <a:lnTo>
+                  <a:pt x="4426" y="8505"/>
+                </a:lnTo>
+                <a:lnTo>
+                  <a:pt x="4513" y="8468"/>
+                </a:lnTo>
+                <a:lnTo>
+                  <a:pt x="4607" y="8449"/>
+                </a:lnTo>
+                <a:lnTo>
+                  <a:pt x="4655" y="8448"/>
+                </a:lnTo>
+                <a:lnTo>
+                  <a:pt x="4703" y="8449"/>
+                </a:lnTo>
+                <a:lnTo>
+                  <a:pt x="4797" y="8468"/>
+                </a:lnTo>
+                <a:lnTo>
+                  <a:pt x="4885" y="8505"/>
+                </a:lnTo>
+                <a:lnTo>
+                  <a:pt x="4964" y="8559"/>
+                </a:lnTo>
+                <a:lnTo>
+                  <a:pt x="4999" y="8592"/>
+                </a:lnTo>
+                <a:lnTo>
+                  <a:pt x="7527" y="11191"/>
+                </a:lnTo>
+                <a:lnTo>
+                  <a:pt x="7560" y="11222"/>
+                </a:lnTo>
+                <a:lnTo>
+                  <a:pt x="7633" y="11273"/>
+                </a:lnTo>
+                <a:lnTo>
+                  <a:pt x="7714" y="11307"/>
+                </a:lnTo>
+                <a:lnTo>
+                  <a:pt x="7803" y="11325"/>
+                </a:lnTo>
+                <a:lnTo>
+                  <a:pt x="7852" y="11327"/>
+                </a:lnTo>
+                <a:lnTo>
+                  <a:pt x="7902" y="11326"/>
+                </a:lnTo>
+                <a:lnTo>
+                  <a:pt x="8002" y="11306"/>
+                </a:lnTo>
+                <a:lnTo>
+                  <a:pt x="8095" y="11270"/>
+                </a:lnTo>
+                <a:lnTo>
+                  <a:pt x="8179" y="11215"/>
+                </a:lnTo>
+                <a:lnTo>
+                  <a:pt x="8215" y="11182"/>
+                </a:lnTo>
+                <a:lnTo>
+                  <a:pt x="8248" y="11148"/>
+                </a:lnTo>
+                <a:lnTo>
+                  <a:pt x="8298" y="11073"/>
+                </a:lnTo>
+                <a:lnTo>
+                  <a:pt x="8331" y="10989"/>
+                </a:lnTo>
+                <a:lnTo>
+                  <a:pt x="8349" y="10897"/>
+                </a:lnTo>
+                <a:lnTo>
+                  <a:pt x="8350" y="10847"/>
+                </a:lnTo>
+                <a:lnTo>
+                  <a:pt x="8352" y="10798"/>
+                </a:lnTo>
+                <a:lnTo>
+                  <a:pt x="8370" y="10704"/>
+                </a:lnTo>
+                <a:lnTo>
+                  <a:pt x="8408" y="10618"/>
+                </a:lnTo>
+                <a:lnTo>
+                  <a:pt x="8460" y="10541"/>
+                </a:lnTo>
+                <a:lnTo>
+                  <a:pt x="8524" y="10477"/>
+                </a:lnTo>
+                <a:lnTo>
+                  <a:pt x="8601" y="10425"/>
+                </a:lnTo>
+                <a:lnTo>
+                  <a:pt x="8687" y="10387"/>
+                </a:lnTo>
+                <a:lnTo>
+                  <a:pt x="8781" y="10369"/>
+                </a:lnTo>
+                <a:lnTo>
+                  <a:pt x="8830" y="10367"/>
+                </a:lnTo>
+                <a:lnTo>
+                  <a:pt x="8880" y="10369"/>
+                </a:lnTo>
+                <a:lnTo>
+                  <a:pt x="8974" y="10387"/>
+                </a:lnTo>
+                <a:lnTo>
+                  <a:pt x="9058" y="10425"/>
+                </a:lnTo>
+                <a:lnTo>
+                  <a:pt x="9136" y="10477"/>
+                </a:lnTo>
+                <a:lnTo>
+                  <a:pt x="9201" y="10541"/>
+                </a:lnTo>
+                <a:lnTo>
+                  <a:pt x="9253" y="10618"/>
+                </a:lnTo>
+                <a:lnTo>
+                  <a:pt x="9289" y="10704"/>
+                </a:lnTo>
+                <a:lnTo>
+                  <a:pt x="9308" y="10798"/>
+                </a:lnTo>
+                <a:lnTo>
+                  <a:pt x="9310" y="10847"/>
+                </a:lnTo>
+                <a:lnTo>
+                  <a:pt x="9309" y="10920"/>
+                </a:lnTo>
+                <a:lnTo>
+                  <a:pt x="9295" y="11063"/>
+                </a:lnTo>
+                <a:lnTo>
+                  <a:pt x="9267" y="11202"/>
+                </a:lnTo>
+                <a:lnTo>
+                  <a:pt x="9227" y="11336"/>
+                </a:lnTo>
+                <a:lnTo>
+                  <a:pt x="9174" y="11466"/>
+                </a:lnTo>
+                <a:lnTo>
+                  <a:pt x="9107" y="11588"/>
+                </a:lnTo>
+                <a:lnTo>
+                  <a:pt x="9030" y="11705"/>
+                </a:lnTo>
+                <a:lnTo>
+                  <a:pt x="8939" y="11814"/>
+                </a:lnTo>
+                <a:lnTo>
+                  <a:pt x="8890" y="11865"/>
+                </a:lnTo>
+                <a:lnTo>
+                  <a:pt x="8837" y="11915"/>
+                </a:lnTo>
+                <a:lnTo>
+                  <a:pt x="8724" y="12006"/>
+                </a:lnTo>
+                <a:lnTo>
+                  <a:pt x="8602" y="12085"/>
+                </a:lnTo>
+                <a:lnTo>
+                  <a:pt x="8474" y="12151"/>
+                </a:lnTo>
+                <a:lnTo>
+                  <a:pt x="8340" y="12206"/>
+                </a:lnTo>
+                <a:lnTo>
+                  <a:pt x="8200" y="12246"/>
+                </a:lnTo>
+                <a:lnTo>
+                  <a:pt x="8058" y="12273"/>
+                </a:lnTo>
+                <a:lnTo>
+                  <a:pt x="7913" y="12286"/>
+                </a:lnTo>
+                <a:lnTo>
+                  <a:pt x="7841" y="12286"/>
+                </a:lnTo>
+                <a:lnTo>
+                  <a:pt x="7767" y="12285"/>
+                </a:lnTo>
+                <a:lnTo>
+                  <a:pt x="7626" y="12269"/>
+                </a:lnTo>
+                <a:lnTo>
+                  <a:pt x="7489" y="12242"/>
+                </a:lnTo>
+                <a:lnTo>
+                  <a:pt x="7358" y="12200"/>
+                </a:lnTo>
+                <a:lnTo>
+                  <a:pt x="7232" y="12147"/>
+                </a:lnTo>
+                <a:lnTo>
+                  <a:pt x="7111" y="12079"/>
+                </a:lnTo>
+                <a:lnTo>
+                  <a:pt x="6997" y="12001"/>
+                </a:lnTo>
+                <a:lnTo>
+                  <a:pt x="6889" y="11911"/>
+                </a:lnTo>
+                <a:lnTo>
+                  <a:pt x="6839" y="11859"/>
+                </a:lnTo>
+                <a:lnTo>
+                  <a:pt x="4655" y="9615"/>
+                </a:lnTo>
+                <a:lnTo>
+                  <a:pt x="2472" y="11859"/>
+                </a:lnTo>
+                <a:lnTo>
+                  <a:pt x="2422" y="11909"/>
+                </a:lnTo>
+                <a:lnTo>
+                  <a:pt x="2315" y="12000"/>
+                </a:lnTo>
+                <a:lnTo>
+                  <a:pt x="2201" y="12079"/>
+                </a:lnTo>
+                <a:lnTo>
+                  <a:pt x="2080" y="12145"/>
+                </a:lnTo>
+                <a:lnTo>
+                  <a:pt x="1955" y="12199"/>
+                </a:lnTo>
+                <a:lnTo>
+                  <a:pt x="1823" y="12240"/>
+                </a:lnTo>
+                <a:lnTo>
+                  <a:pt x="1686" y="12269"/>
+                </a:lnTo>
+                <a:lnTo>
+                  <a:pt x="1545" y="12285"/>
+                </a:lnTo>
+                <a:lnTo>
+                  <a:pt x="1473" y="12286"/>
+                </a:lnTo>
+                <a:lnTo>
+                  <a:pt x="1460" y="12286"/>
+                </a:lnTo>
+                <a:lnTo>
+                  <a:pt x="1447" y="12286"/>
+                </a:lnTo>
+                <a:close/>
+              </a:path>
+            </a:pathLst>
+          </a:custGeom>
+          <a:solidFill>
+            <a:schemeClr val="bg1"/>
+          </a:solidFill>
+          <a:ln>
+            <a:noFill/>
+          </a:ln>
+        </p:spPr>
+        <p:txBody>
+          <a:bodyPr vert="horz" wrap="square" lIns="91440" tIns="45720" rIns="91440" bIns="45720" numCol="1" anchor="t" anchorCtr="0" compatLnSpc="1">
+            <a:prstTxWarp prst="textNoShape">
+              <a:avLst/>
+            </a:prstTxWarp>
+          </a:bodyPr>
+          <a:lstStyle/>
+          <a:p>
+            <a:endParaRPr lang="ko-KR" altLang="en-US">
+              <a:solidFill>
+                <a:prstClr val="black"/>
+              </a:solidFill>
+            </a:endParaRPr>
+          </a:p>
+        </p:txBody>
+      </p:sp>
+      <p:sp>
+        <p:nvSpPr>
+          <p:cNvPr id="23" name="Freeform 36"/>
+          <p:cNvSpPr>
+            <a:spLocks noEditPoints="1"/>
+          </p:cNvSpPr>
+          <p:nvPr/>
+        </p:nvSpPr>
+        <p:spPr bwMode="auto">
+          <a:xfrm>
+            <a:off x="491434" y="4397002"/>
+            <a:ext cx="113404" cy="190736"/>
+          </a:xfrm>
+          <a:custGeom>
+            <a:avLst/>
+            <a:gdLst>
+              <a:gd name="T0" fmla="*/ 937 w 1926"/>
+              <a:gd name="T1" fmla="*/ 3639 h 4045"/>
+              <a:gd name="T2" fmla="*/ 893 w 1926"/>
+              <a:gd name="T3" fmla="*/ 3665 h 4045"/>
+              <a:gd name="T4" fmla="*/ 863 w 1926"/>
+              <a:gd name="T5" fmla="*/ 3712 h 4045"/>
+              <a:gd name="T6" fmla="*/ 851 w 1926"/>
+              <a:gd name="T7" fmla="*/ 3772 h 4045"/>
+              <a:gd name="T8" fmla="*/ 863 w 1926"/>
+              <a:gd name="T9" fmla="*/ 3832 h 4045"/>
+              <a:gd name="T10" fmla="*/ 893 w 1926"/>
+              <a:gd name="T11" fmla="*/ 3878 h 4045"/>
+              <a:gd name="T12" fmla="*/ 937 w 1926"/>
+              <a:gd name="T13" fmla="*/ 3905 h 4045"/>
+              <a:gd name="T14" fmla="*/ 988 w 1926"/>
+              <a:gd name="T15" fmla="*/ 3905 h 4045"/>
+              <a:gd name="T16" fmla="*/ 1033 w 1926"/>
+              <a:gd name="T17" fmla="*/ 3878 h 4045"/>
+              <a:gd name="T18" fmla="*/ 1064 w 1926"/>
+              <a:gd name="T19" fmla="*/ 3832 h 4045"/>
+              <a:gd name="T20" fmla="*/ 1075 w 1926"/>
+              <a:gd name="T21" fmla="*/ 3772 h 4045"/>
+              <a:gd name="T22" fmla="*/ 1064 w 1926"/>
+              <a:gd name="T23" fmla="*/ 3712 h 4045"/>
+              <a:gd name="T24" fmla="*/ 1033 w 1926"/>
+              <a:gd name="T25" fmla="*/ 3665 h 4045"/>
+              <a:gd name="T26" fmla="*/ 988 w 1926"/>
+              <a:gd name="T27" fmla="*/ 3639 h 4045"/>
+              <a:gd name="T28" fmla="*/ 156 w 1926"/>
+              <a:gd name="T29" fmla="*/ 434 h 4045"/>
+              <a:gd name="T30" fmla="*/ 1770 w 1926"/>
+              <a:gd name="T31" fmla="*/ 3540 h 4045"/>
+              <a:gd name="T32" fmla="*/ 156 w 1926"/>
+              <a:gd name="T33" fmla="*/ 434 h 4045"/>
+              <a:gd name="T34" fmla="*/ 716 w 1926"/>
+              <a:gd name="T35" fmla="*/ 200 h 4045"/>
+              <a:gd name="T36" fmla="*/ 701 w 1926"/>
+              <a:gd name="T37" fmla="*/ 217 h 4045"/>
+              <a:gd name="T38" fmla="*/ 701 w 1926"/>
+              <a:gd name="T39" fmla="*/ 243 h 4045"/>
+              <a:gd name="T40" fmla="*/ 716 w 1926"/>
+              <a:gd name="T41" fmla="*/ 260 h 4045"/>
+              <a:gd name="T42" fmla="*/ 1199 w 1926"/>
+              <a:gd name="T43" fmla="*/ 262 h 4045"/>
+              <a:gd name="T44" fmla="*/ 1218 w 1926"/>
+              <a:gd name="T45" fmla="*/ 254 h 4045"/>
+              <a:gd name="T46" fmla="*/ 1226 w 1926"/>
+              <a:gd name="T47" fmla="*/ 230 h 4045"/>
+              <a:gd name="T48" fmla="*/ 1218 w 1926"/>
+              <a:gd name="T49" fmla="*/ 207 h 4045"/>
+              <a:gd name="T50" fmla="*/ 1199 w 1926"/>
+              <a:gd name="T51" fmla="*/ 197 h 4045"/>
+              <a:gd name="T52" fmla="*/ 224 w 1926"/>
+              <a:gd name="T53" fmla="*/ 0 h 4045"/>
+              <a:gd name="T54" fmla="*/ 1738 w 1926"/>
+              <a:gd name="T55" fmla="*/ 4 h 4045"/>
+              <a:gd name="T56" fmla="*/ 1805 w 1926"/>
+              <a:gd name="T57" fmla="*/ 31 h 4045"/>
+              <a:gd name="T58" fmla="*/ 1860 w 1926"/>
+              <a:gd name="T59" fmla="*/ 81 h 4045"/>
+              <a:gd name="T60" fmla="*/ 1900 w 1926"/>
+              <a:gd name="T61" fmla="*/ 148 h 4045"/>
+              <a:gd name="T62" fmla="*/ 1923 w 1926"/>
+              <a:gd name="T63" fmla="*/ 229 h 4045"/>
+              <a:gd name="T64" fmla="*/ 1926 w 1926"/>
+              <a:gd name="T65" fmla="*/ 3772 h 4045"/>
+              <a:gd name="T66" fmla="*/ 1915 w 1926"/>
+              <a:gd name="T67" fmla="*/ 3857 h 4045"/>
+              <a:gd name="T68" fmla="*/ 1882 w 1926"/>
+              <a:gd name="T69" fmla="*/ 3932 h 4045"/>
+              <a:gd name="T70" fmla="*/ 1834 w 1926"/>
+              <a:gd name="T71" fmla="*/ 3992 h 4045"/>
+              <a:gd name="T72" fmla="*/ 1773 w 1926"/>
+              <a:gd name="T73" fmla="*/ 4032 h 4045"/>
+              <a:gd name="T74" fmla="*/ 1702 w 1926"/>
+              <a:gd name="T75" fmla="*/ 4045 h 4045"/>
+              <a:gd name="T76" fmla="*/ 188 w 1926"/>
+              <a:gd name="T77" fmla="*/ 4041 h 4045"/>
+              <a:gd name="T78" fmla="*/ 122 w 1926"/>
+              <a:gd name="T79" fmla="*/ 4014 h 4045"/>
+              <a:gd name="T80" fmla="*/ 66 w 1926"/>
+              <a:gd name="T81" fmla="*/ 3964 h 4045"/>
+              <a:gd name="T82" fmla="*/ 25 w 1926"/>
+              <a:gd name="T83" fmla="*/ 3897 h 4045"/>
+              <a:gd name="T84" fmla="*/ 3 w 1926"/>
+              <a:gd name="T85" fmla="*/ 3816 h 4045"/>
+              <a:gd name="T86" fmla="*/ 0 w 1926"/>
+              <a:gd name="T87" fmla="*/ 273 h 4045"/>
+              <a:gd name="T88" fmla="*/ 12 w 1926"/>
+              <a:gd name="T89" fmla="*/ 188 h 4045"/>
+              <a:gd name="T90" fmla="*/ 43 w 1926"/>
+              <a:gd name="T91" fmla="*/ 113 h 4045"/>
+              <a:gd name="T92" fmla="*/ 92 w 1926"/>
+              <a:gd name="T93" fmla="*/ 53 h 4045"/>
+              <a:gd name="T94" fmla="*/ 154 w 1926"/>
+              <a:gd name="T95" fmla="*/ 13 h 4045"/>
+              <a:gd name="T96" fmla="*/ 224 w 1926"/>
+              <a:gd name="T97" fmla="*/ 0 h 4045"/>
+            </a:gdLst>
+            <a:ahLst/>
+            <a:cxnLst>
+              <a:cxn ang="0">
+                <a:pos x="T0" y="T1"/>
+              </a:cxn>
+              <a:cxn ang="0">
+                <a:pos x="T2" y="T3"/>
+              </a:cxn>
+              <a:cxn ang="0">
+                <a:pos x="T4" y="T5"/>
+              </a:cxn>
+              <a:cxn ang="0">
+                <a:pos x="T6" y="T7"/>
+              </a:cxn>
+              <a:cxn ang="0">
+                <a:pos x="T8" y="T9"/>
+              </a:cxn>
+              <a:cxn ang="0">
+                <a:pos x="T10" y="T11"/>
+              </a:cxn>
+              <a:cxn ang="0">
+                <a:pos x="T12" y="T13"/>
+              </a:cxn>
+              <a:cxn ang="0">
+                <a:pos x="T14" y="T15"/>
+              </a:cxn>
+              <a:cxn ang="0">
+                <a:pos x="T16" y="T17"/>
+              </a:cxn>
+              <a:cxn ang="0">
+                <a:pos x="T18" y="T19"/>
+              </a:cxn>
+              <a:cxn ang="0">
+                <a:pos x="T20" y="T21"/>
+              </a:cxn>
+              <a:cxn ang="0">
+                <a:pos x="T22" y="T23"/>
+              </a:cxn>
+              <a:cxn ang="0">
+                <a:pos x="T24" y="T25"/>
+              </a:cxn>
+              <a:cxn ang="0">
+                <a:pos x="T26" y="T27"/>
+              </a:cxn>
+              <a:cxn ang="0">
+                <a:pos x="T28" y="T29"/>
+              </a:cxn>
+              <a:cxn ang="0">
+                <a:pos x="T30" y="T31"/>
+              </a:cxn>
+              <a:cxn ang="0">
+                <a:pos x="T32" y="T33"/>
+              </a:cxn>
+              <a:cxn ang="0">
+                <a:pos x="T34" y="T35"/>
+              </a:cxn>
+              <a:cxn ang="0">
+                <a:pos x="T36" y="T37"/>
+              </a:cxn>
+              <a:cxn ang="0">
+                <a:pos x="T38" y="T39"/>
+              </a:cxn>
+              <a:cxn ang="0">
+                <a:pos x="T40" y="T41"/>
+              </a:cxn>
+              <a:cxn ang="0">
+                <a:pos x="T42" y="T43"/>
+              </a:cxn>
+              <a:cxn ang="0">
+                <a:pos x="T44" y="T45"/>
+              </a:cxn>
+              <a:cxn ang="0">
+                <a:pos x="T46" y="T47"/>
+              </a:cxn>
+              <a:cxn ang="0">
+                <a:pos x="T48" y="T49"/>
+              </a:cxn>
+              <a:cxn ang="0">
+                <a:pos x="T50" y="T51"/>
+              </a:cxn>
+              <a:cxn ang="0">
+                <a:pos x="T52" y="T53"/>
+              </a:cxn>
+              <a:cxn ang="0">
+                <a:pos x="T54" y="T55"/>
+              </a:cxn>
+              <a:cxn ang="0">
+                <a:pos x="T56" y="T57"/>
+              </a:cxn>
+              <a:cxn ang="0">
+                <a:pos x="T58" y="T59"/>
+              </a:cxn>
+              <a:cxn ang="0">
+                <a:pos x="T60" y="T61"/>
+              </a:cxn>
+              <a:cxn ang="0">
+                <a:pos x="T62" y="T63"/>
+              </a:cxn>
+              <a:cxn ang="0">
+                <a:pos x="T64" y="T65"/>
+              </a:cxn>
+              <a:cxn ang="0">
+                <a:pos x="T66" y="T67"/>
+              </a:cxn>
+              <a:cxn ang="0">
+                <a:pos x="T68" y="T69"/>
+              </a:cxn>
+              <a:cxn ang="0">
+                <a:pos x="T70" y="T71"/>
+              </a:cxn>
+              <a:cxn ang="0">
+                <a:pos x="T72" y="T73"/>
+              </a:cxn>
+              <a:cxn ang="0">
+                <a:pos x="T74" y="T75"/>
+              </a:cxn>
+              <a:cxn ang="0">
+                <a:pos x="T76" y="T77"/>
+              </a:cxn>
+              <a:cxn ang="0">
+                <a:pos x="T78" y="T79"/>
+              </a:cxn>
+              <a:cxn ang="0">
+                <a:pos x="T80" y="T81"/>
+              </a:cxn>
+              <a:cxn ang="0">
+                <a:pos x="T82" y="T83"/>
+              </a:cxn>
+              <a:cxn ang="0">
+                <a:pos x="T84" y="T85"/>
+              </a:cxn>
+              <a:cxn ang="0">
+                <a:pos x="T86" y="T87"/>
+              </a:cxn>
+              <a:cxn ang="0">
+                <a:pos x="T88" y="T89"/>
+              </a:cxn>
+              <a:cxn ang="0">
+                <a:pos x="T90" y="T91"/>
+              </a:cxn>
+              <a:cxn ang="0">
+                <a:pos x="T92" y="T93"/>
+              </a:cxn>
+              <a:cxn ang="0">
+                <a:pos x="T94" y="T95"/>
+              </a:cxn>
+              <a:cxn ang="0">
+                <a:pos x="T96" y="T97"/>
+              </a:cxn>
+            </a:cxnLst>
+            <a:rect l="0" t="0" r="r" b="b"/>
+            <a:pathLst>
+              <a:path w="1926" h="4045">
+                <a:moveTo>
+                  <a:pt x="963" y="3636"/>
+                </a:moveTo>
+                <a:lnTo>
+                  <a:pt x="937" y="3639"/>
+                </a:lnTo>
+                <a:lnTo>
+                  <a:pt x="914" y="3649"/>
+                </a:lnTo>
+                <a:lnTo>
+                  <a:pt x="893" y="3665"/>
+                </a:lnTo>
+                <a:lnTo>
+                  <a:pt x="876" y="3686"/>
+                </a:lnTo>
+                <a:lnTo>
+                  <a:pt x="863" y="3712"/>
+                </a:lnTo>
+                <a:lnTo>
+                  <a:pt x="854" y="3741"/>
+                </a:lnTo>
+                <a:lnTo>
+                  <a:pt x="851" y="3772"/>
+                </a:lnTo>
+                <a:lnTo>
+                  <a:pt x="854" y="3804"/>
+                </a:lnTo>
+                <a:lnTo>
+                  <a:pt x="863" y="3832"/>
+                </a:lnTo>
+                <a:lnTo>
+                  <a:pt x="876" y="3857"/>
+                </a:lnTo>
+                <a:lnTo>
+                  <a:pt x="893" y="3878"/>
+                </a:lnTo>
+                <a:lnTo>
+                  <a:pt x="914" y="3894"/>
+                </a:lnTo>
+                <a:lnTo>
+                  <a:pt x="937" y="3905"/>
+                </a:lnTo>
+                <a:lnTo>
+                  <a:pt x="963" y="3909"/>
+                </a:lnTo>
+                <a:lnTo>
+                  <a:pt x="988" y="3905"/>
+                </a:lnTo>
+                <a:lnTo>
+                  <a:pt x="1013" y="3894"/>
+                </a:lnTo>
+                <a:lnTo>
+                  <a:pt x="1033" y="3878"/>
+                </a:lnTo>
+                <a:lnTo>
+                  <a:pt x="1051" y="3857"/>
+                </a:lnTo>
+                <a:lnTo>
+                  <a:pt x="1064" y="3832"/>
+                </a:lnTo>
+                <a:lnTo>
+                  <a:pt x="1072" y="3804"/>
+                </a:lnTo>
+                <a:lnTo>
+                  <a:pt x="1075" y="3772"/>
+                </a:lnTo>
+                <a:lnTo>
+                  <a:pt x="1072" y="3741"/>
+                </a:lnTo>
+                <a:lnTo>
+                  <a:pt x="1064" y="3712"/>
+                </a:lnTo>
+                <a:lnTo>
+                  <a:pt x="1051" y="3686"/>
+                </a:lnTo>
+                <a:lnTo>
+                  <a:pt x="1033" y="3665"/>
+                </a:lnTo>
+                <a:lnTo>
+                  <a:pt x="1013" y="3649"/>
+                </a:lnTo>
+                <a:lnTo>
+                  <a:pt x="988" y="3639"/>
+                </a:lnTo>
+                <a:lnTo>
+                  <a:pt x="963" y="3636"/>
+                </a:lnTo>
+                <a:close/>
+                <a:moveTo>
+                  <a:pt x="156" y="434"/>
+                </a:moveTo>
+                <a:lnTo>
+                  <a:pt x="156" y="3540"/>
+                </a:lnTo>
+                <a:lnTo>
+                  <a:pt x="1770" y="3540"/>
+                </a:lnTo>
+                <a:lnTo>
+                  <a:pt x="1770" y="434"/>
+                </a:lnTo>
+                <a:lnTo>
+                  <a:pt x="156" y="434"/>
+                </a:lnTo>
+                <a:close/>
+                <a:moveTo>
+                  <a:pt x="727" y="197"/>
+                </a:moveTo>
+                <a:lnTo>
+                  <a:pt x="716" y="200"/>
+                </a:lnTo>
+                <a:lnTo>
+                  <a:pt x="707" y="207"/>
+                </a:lnTo>
+                <a:lnTo>
+                  <a:pt x="701" y="217"/>
+                </a:lnTo>
+                <a:lnTo>
+                  <a:pt x="699" y="230"/>
+                </a:lnTo>
+                <a:lnTo>
+                  <a:pt x="701" y="243"/>
+                </a:lnTo>
+                <a:lnTo>
+                  <a:pt x="707" y="254"/>
+                </a:lnTo>
+                <a:lnTo>
+                  <a:pt x="716" y="260"/>
+                </a:lnTo>
+                <a:lnTo>
+                  <a:pt x="727" y="262"/>
+                </a:lnTo>
+                <a:lnTo>
+                  <a:pt x="1199" y="262"/>
+                </a:lnTo>
+                <a:lnTo>
+                  <a:pt x="1210" y="260"/>
+                </a:lnTo>
+                <a:lnTo>
+                  <a:pt x="1218" y="254"/>
+                </a:lnTo>
+                <a:lnTo>
+                  <a:pt x="1224" y="243"/>
+                </a:lnTo>
+                <a:lnTo>
+                  <a:pt x="1226" y="230"/>
+                </a:lnTo>
+                <a:lnTo>
+                  <a:pt x="1224" y="217"/>
+                </a:lnTo>
+                <a:lnTo>
+                  <a:pt x="1218" y="207"/>
+                </a:lnTo>
+                <a:lnTo>
+                  <a:pt x="1210" y="200"/>
+                </a:lnTo>
+                <a:lnTo>
+                  <a:pt x="1199" y="197"/>
+                </a:lnTo>
+                <a:lnTo>
+                  <a:pt x="727" y="197"/>
+                </a:lnTo>
+                <a:close/>
+                <a:moveTo>
+                  <a:pt x="224" y="0"/>
+                </a:moveTo>
+                <a:lnTo>
+                  <a:pt x="1702" y="0"/>
+                </a:lnTo>
+                <a:lnTo>
+                  <a:pt x="1738" y="4"/>
+                </a:lnTo>
+                <a:lnTo>
+                  <a:pt x="1773" y="13"/>
+                </a:lnTo>
+                <a:lnTo>
+                  <a:pt x="1805" y="31"/>
+                </a:lnTo>
+                <a:lnTo>
+                  <a:pt x="1834" y="53"/>
+                </a:lnTo>
+                <a:lnTo>
+                  <a:pt x="1860" y="81"/>
+                </a:lnTo>
+                <a:lnTo>
+                  <a:pt x="1882" y="113"/>
+                </a:lnTo>
+                <a:lnTo>
+                  <a:pt x="1900" y="148"/>
+                </a:lnTo>
+                <a:lnTo>
+                  <a:pt x="1915" y="188"/>
+                </a:lnTo>
+                <a:lnTo>
+                  <a:pt x="1923" y="229"/>
+                </a:lnTo>
+                <a:lnTo>
+                  <a:pt x="1926" y="273"/>
+                </a:lnTo>
+                <a:lnTo>
+                  <a:pt x="1926" y="3772"/>
+                </a:lnTo>
+                <a:lnTo>
+                  <a:pt x="1923" y="3816"/>
+                </a:lnTo>
+                <a:lnTo>
+                  <a:pt x="1915" y="3857"/>
+                </a:lnTo>
+                <a:lnTo>
+                  <a:pt x="1900" y="3897"/>
+                </a:lnTo>
+                <a:lnTo>
+                  <a:pt x="1882" y="3932"/>
+                </a:lnTo>
+                <a:lnTo>
+                  <a:pt x="1860" y="3964"/>
+                </a:lnTo>
+                <a:lnTo>
+                  <a:pt x="1834" y="3992"/>
+                </a:lnTo>
+                <a:lnTo>
+                  <a:pt x="1805" y="4014"/>
+                </a:lnTo>
+                <a:lnTo>
+                  <a:pt x="1773" y="4032"/>
+                </a:lnTo>
+                <a:lnTo>
+                  <a:pt x="1738" y="4041"/>
+                </a:lnTo>
+                <a:lnTo>
+                  <a:pt x="1702" y="4045"/>
+                </a:lnTo>
+                <a:lnTo>
+                  <a:pt x="224" y="4045"/>
+                </a:lnTo>
+                <a:lnTo>
+                  <a:pt x="188" y="4041"/>
+                </a:lnTo>
+                <a:lnTo>
+                  <a:pt x="154" y="4032"/>
+                </a:lnTo>
+                <a:lnTo>
+                  <a:pt x="122" y="4014"/>
+                </a:lnTo>
+                <a:lnTo>
+                  <a:pt x="92" y="3992"/>
+                </a:lnTo>
+                <a:lnTo>
+                  <a:pt x="66" y="3964"/>
+                </a:lnTo>
+                <a:lnTo>
+                  <a:pt x="43" y="3932"/>
+                </a:lnTo>
+                <a:lnTo>
+                  <a:pt x="25" y="3897"/>
+                </a:lnTo>
+                <a:lnTo>
+                  <a:pt x="12" y="3857"/>
+                </a:lnTo>
+                <a:lnTo>
+                  <a:pt x="3" y="3816"/>
+                </a:lnTo>
+                <a:lnTo>
+                  <a:pt x="0" y="3772"/>
+                </a:lnTo>
+                <a:lnTo>
+                  <a:pt x="0" y="273"/>
+                </a:lnTo>
+                <a:lnTo>
+                  <a:pt x="3" y="229"/>
+                </a:lnTo>
+                <a:lnTo>
+                  <a:pt x="12" y="188"/>
+                </a:lnTo>
+                <a:lnTo>
+                  <a:pt x="25" y="148"/>
+                </a:lnTo>
+                <a:lnTo>
+                  <a:pt x="43" y="113"/>
+                </a:lnTo>
+                <a:lnTo>
+                  <a:pt x="66" y="81"/>
+                </a:lnTo>
+                <a:lnTo>
+                  <a:pt x="92" y="53"/>
+                </a:lnTo>
+                <a:lnTo>
+                  <a:pt x="122" y="31"/>
+                </a:lnTo>
+                <a:lnTo>
+                  <a:pt x="154" y="13"/>
+                </a:lnTo>
+                <a:lnTo>
+                  <a:pt x="188" y="4"/>
+                </a:lnTo>
+                <a:lnTo>
+                  <a:pt x="224" y="0"/>
+                </a:lnTo>
+                <a:close/>
+              </a:path>
+            </a:pathLst>
+          </a:custGeom>
+          <a:solidFill>
+            <a:schemeClr val="bg1"/>
+          </a:solidFill>
+          <a:ln w="0">
+            <a:noFill/>
+            <a:prstDash val="solid"/>
+            <a:round/>
+            <a:headEnd/>
+            <a:tailEnd/>
+          </a:ln>
+        </p:spPr>
+        <p:txBody>
+          <a:bodyPr vert="horz" wrap="square" lIns="91440" tIns="45720" rIns="91440" bIns="45720" numCol="1" anchor="t" anchorCtr="0" compatLnSpc="1">
+            <a:prstTxWarp prst="textNoShape">
+              <a:avLst/>
+            </a:prstTxWarp>
+          </a:bodyPr>
+          <a:lstStyle/>
+          <a:p>
+            <a:endParaRPr lang="ko-KR" altLang="en-US">
+              <a:solidFill>
+                <a:prstClr val="black"/>
+              </a:solidFill>
+            </a:endParaRPr>
+          </a:p>
+        </p:txBody>
+      </p:sp>
+      <p:sp>
+        <p:nvSpPr>
+          <p:cNvPr id="24" name="자유형 23"/>
+          <p:cNvSpPr>
+            <a:spLocks/>
+          </p:cNvSpPr>
+          <p:nvPr/>
+        </p:nvSpPr>
+        <p:spPr bwMode="auto">
+          <a:xfrm>
+            <a:off x="462778" y="3768685"/>
+            <a:ext cx="170716" cy="149410"/>
+          </a:xfrm>
+          <a:custGeom>
+            <a:avLst/>
+            <a:gdLst>
+              <a:gd name="connsiteX0" fmla="*/ 149021 w 448462"/>
+              <a:gd name="connsiteY0" fmla="*/ 328125 h 392491"/>
+              <a:gd name="connsiteX1" fmla="*/ 210588 w 448462"/>
+              <a:gd name="connsiteY1" fmla="*/ 357224 h 392491"/>
+              <a:gd name="connsiteX2" fmla="*/ 160375 w 448462"/>
+              <a:gd name="connsiteY2" fmla="*/ 391211 h 392491"/>
+              <a:gd name="connsiteX3" fmla="*/ 158502 w 448462"/>
+              <a:gd name="connsiteY3" fmla="*/ 392025 h 392491"/>
+              <a:gd name="connsiteX4" fmla="*/ 156629 w 448462"/>
+              <a:gd name="connsiteY4" fmla="*/ 392491 h 392491"/>
+              <a:gd name="connsiteX5" fmla="*/ 154757 w 448462"/>
+              <a:gd name="connsiteY5" fmla="*/ 392375 h 392491"/>
+              <a:gd name="connsiteX6" fmla="*/ 153001 w 448462"/>
+              <a:gd name="connsiteY6" fmla="*/ 391676 h 392491"/>
+              <a:gd name="connsiteX7" fmla="*/ 151362 w 448462"/>
+              <a:gd name="connsiteY7" fmla="*/ 390396 h 392491"/>
+              <a:gd name="connsiteX8" fmla="*/ 150075 w 448462"/>
+              <a:gd name="connsiteY8" fmla="*/ 388883 h 392491"/>
+              <a:gd name="connsiteX9" fmla="*/ 149255 w 448462"/>
+              <a:gd name="connsiteY9" fmla="*/ 387137 h 392491"/>
+              <a:gd name="connsiteX10" fmla="*/ 149021 w 448462"/>
+              <a:gd name="connsiteY10" fmla="*/ 385158 h 392491"/>
+              <a:gd name="connsiteX11" fmla="*/ 441235 w 448462"/>
+              <a:gd name="connsiteY11" fmla="*/ 0 h 392491"/>
+              <a:gd name="connsiteX12" fmla="*/ 442983 w 448462"/>
+              <a:gd name="connsiteY12" fmla="*/ 233 h 392491"/>
+              <a:gd name="connsiteX13" fmla="*/ 444615 w 448462"/>
+              <a:gd name="connsiteY13" fmla="*/ 816 h 392491"/>
+              <a:gd name="connsiteX14" fmla="*/ 446131 w 448462"/>
+              <a:gd name="connsiteY14" fmla="*/ 1866 h 392491"/>
+              <a:gd name="connsiteX15" fmla="*/ 447530 w 448462"/>
+              <a:gd name="connsiteY15" fmla="*/ 3615 h 392491"/>
+              <a:gd name="connsiteX16" fmla="*/ 448346 w 448462"/>
+              <a:gd name="connsiteY16" fmla="*/ 5714 h 392491"/>
+              <a:gd name="connsiteX17" fmla="*/ 448462 w 448462"/>
+              <a:gd name="connsiteY17" fmla="*/ 7696 h 392491"/>
+              <a:gd name="connsiteX18" fmla="*/ 447879 w 448462"/>
+              <a:gd name="connsiteY18" fmla="*/ 9911 h 392491"/>
+              <a:gd name="connsiteX19" fmla="*/ 307990 w 448462"/>
+              <a:gd name="connsiteY19" fmla="*/ 362641 h 392491"/>
+              <a:gd name="connsiteX20" fmla="*/ 306708 w 448462"/>
+              <a:gd name="connsiteY20" fmla="*/ 364973 h 392491"/>
+              <a:gd name="connsiteX21" fmla="*/ 305076 w 448462"/>
+              <a:gd name="connsiteY21" fmla="*/ 366955 h 392491"/>
+              <a:gd name="connsiteX22" fmla="*/ 303094 w 448462"/>
+              <a:gd name="connsiteY22" fmla="*/ 368588 h 392491"/>
+              <a:gd name="connsiteX23" fmla="*/ 300646 w 448462"/>
+              <a:gd name="connsiteY23" fmla="*/ 369870 h 392491"/>
+              <a:gd name="connsiteX24" fmla="*/ 298314 w 448462"/>
+              <a:gd name="connsiteY24" fmla="*/ 370570 h 392491"/>
+              <a:gd name="connsiteX25" fmla="*/ 295983 w 448462"/>
+              <a:gd name="connsiteY25" fmla="*/ 370803 h 392491"/>
+              <a:gd name="connsiteX26" fmla="*/ 293068 w 448462"/>
+              <a:gd name="connsiteY26" fmla="*/ 370453 h 392491"/>
+              <a:gd name="connsiteX27" fmla="*/ 290387 w 448462"/>
+              <a:gd name="connsiteY27" fmla="*/ 369404 h 392491"/>
+              <a:gd name="connsiteX28" fmla="*/ 148982 w 448462"/>
+              <a:gd name="connsiteY28" fmla="*/ 302123 h 392491"/>
+              <a:gd name="connsiteX29" fmla="*/ 347858 w 448462"/>
+              <a:gd name="connsiteY29" fmla="*/ 102379 h 392491"/>
+              <a:gd name="connsiteX30" fmla="*/ 120771 w 448462"/>
+              <a:gd name="connsiteY30" fmla="*/ 288830 h 392491"/>
+              <a:gd name="connsiteX31" fmla="*/ 7344 w 448462"/>
+              <a:gd name="connsiteY31" fmla="*/ 234842 h 392491"/>
+              <a:gd name="connsiteX32" fmla="*/ 4896 w 448462"/>
+              <a:gd name="connsiteY32" fmla="*/ 233209 h 392491"/>
+              <a:gd name="connsiteX33" fmla="*/ 2798 w 448462"/>
+              <a:gd name="connsiteY33" fmla="*/ 231227 h 392491"/>
+              <a:gd name="connsiteX34" fmla="*/ 1282 w 448462"/>
+              <a:gd name="connsiteY34" fmla="*/ 228895 h 392491"/>
+              <a:gd name="connsiteX35" fmla="*/ 349 w 448462"/>
+              <a:gd name="connsiteY35" fmla="*/ 226213 h 392491"/>
+              <a:gd name="connsiteX36" fmla="*/ 0 w 448462"/>
+              <a:gd name="connsiteY36" fmla="*/ 223298 h 392491"/>
+              <a:gd name="connsiteX37" fmla="*/ 233 w 448462"/>
+              <a:gd name="connsiteY37" fmla="*/ 220499 h 392491"/>
+              <a:gd name="connsiteX38" fmla="*/ 1165 w 448462"/>
+              <a:gd name="connsiteY38" fmla="*/ 217701 h 392491"/>
+              <a:gd name="connsiteX39" fmla="*/ 2681 w 448462"/>
+              <a:gd name="connsiteY39" fmla="*/ 215252 h 392491"/>
+              <a:gd name="connsiteX40" fmla="*/ 4779 w 448462"/>
+              <a:gd name="connsiteY40" fmla="*/ 213270 h 392491"/>
+              <a:gd name="connsiteX41" fmla="*/ 7227 w 448462"/>
+              <a:gd name="connsiteY41" fmla="*/ 211754 h 392491"/>
+              <a:gd name="connsiteX42" fmla="*/ 437971 w 448462"/>
+              <a:gd name="connsiteY42" fmla="*/ 583 h 392491"/>
+              <a:gd name="connsiteX43" fmla="*/ 439603 w 448462"/>
+              <a:gd name="connsiteY43" fmla="*/ 117 h 392491"/>
+            </a:gdLst>
+            <a:ahLst/>
+            <a:cxnLst>
+              <a:cxn ang="0">
+                <a:pos x="connsiteX0" y="connsiteY0"/>
+              </a:cxn>
+              <a:cxn ang="0">
+                <a:pos x="connsiteX1" y="connsiteY1"/>
+              </a:cxn>
+              <a:cxn ang="0">
+                <a:pos x="connsiteX2" y="connsiteY2"/>
+              </a:cxn>
+              <a:cxn ang="0">
+                <a:pos x="connsiteX3" y="connsiteY3"/>
+              </a:cxn>
+              <a:cxn ang="0">
+                <a:pos x="connsiteX4" y="connsiteY4"/>
+              </a:cxn>
+              <a:cxn ang="0">
+                <a:pos x="connsiteX5" y="connsiteY5"/>
+              </a:cxn>
+              <a:cxn ang="0">
+                <a:pos x="connsiteX6" y="connsiteY6"/>
+              </a:cxn>
+              <a:cxn ang="0">
+                <a:pos x="connsiteX7" y="connsiteY7"/>
+              </a:cxn>
+              <a:cxn ang="0">
+                <a:pos x="connsiteX8" y="connsiteY8"/>
+              </a:cxn>
+              <a:cxn ang="0">
+                <a:pos x="connsiteX9" y="connsiteY9"/>
+              </a:cxn>
+              <a:cxn ang="0">
+                <a:pos x="connsiteX10" y="connsiteY10"/>
+              </a:cxn>
+              <a:cxn ang="0">
+                <a:pos x="connsiteX11" y="connsiteY11"/>
+              </a:cxn>
+              <a:cxn ang="0">
+                <a:pos x="connsiteX12" y="connsiteY12"/>
+              </a:cxn>
+              <a:cxn ang="0">
+                <a:pos x="connsiteX13" y="connsiteY13"/>
+              </a:cxn>
+              <a:cxn ang="0">
+                <a:pos x="connsiteX14" y="connsiteY14"/>
+              </a:cxn>
+              <a:cxn ang="0">
+                <a:pos x="connsiteX15" y="connsiteY15"/>
+              </a:cxn>
+              <a:cxn ang="0">
+                <a:pos x="connsiteX16" y="connsiteY16"/>
+              </a:cxn>
+              <a:cxn ang="0">
+                <a:pos x="connsiteX17" y="connsiteY17"/>
+              </a:cxn>
+              <a:cxn ang="0">
+                <a:pos x="connsiteX18" y="connsiteY18"/>
+              </a:cxn>
+              <a:cxn ang="0">
+                <a:pos x="connsiteX19" y="connsiteY19"/>
+              </a:cxn>
+              <a:cxn ang="0">
+                <a:pos x="connsiteX20" y="connsiteY20"/>
+              </a:cxn>
+              <a:cxn ang="0">
+                <a:pos x="connsiteX21" y="connsiteY21"/>
+              </a:cxn>
+              <a:cxn ang="0">
+                <a:pos x="connsiteX22" y="connsiteY22"/>
+              </a:cxn>
+              <a:cxn ang="0">
+                <a:pos x="connsiteX23" y="connsiteY23"/>
+              </a:cxn>
+              <a:cxn ang="0">
+                <a:pos x="connsiteX24" y="connsiteY24"/>
+              </a:cxn>
+              <a:cxn ang="0">
+                <a:pos x="connsiteX25" y="connsiteY25"/>
+              </a:cxn>
+              <a:cxn ang="0">
+                <a:pos x="connsiteX26" y="connsiteY26"/>
+              </a:cxn>
+              <a:cxn ang="0">
+                <a:pos x="connsiteX27" y="connsiteY27"/>
+              </a:cxn>
+              <a:cxn ang="0">
+                <a:pos x="connsiteX28" y="connsiteY28"/>
+              </a:cxn>
+              <a:cxn ang="0">
+                <a:pos x="connsiteX29" y="connsiteY29"/>
+              </a:cxn>
+              <a:cxn ang="0">
+                <a:pos x="connsiteX30" y="connsiteY30"/>
+              </a:cxn>
+              <a:cxn ang="0">
+                <a:pos x="connsiteX31" y="connsiteY31"/>
+              </a:cxn>
+              <a:cxn ang="0">
+                <a:pos x="connsiteX32" y="connsiteY32"/>
+              </a:cxn>
+              <a:cxn ang="0">
+                <a:pos x="connsiteX33" y="connsiteY33"/>
+              </a:cxn>
+              <a:cxn ang="0">
+                <a:pos x="connsiteX34" y="connsiteY34"/>
+              </a:cxn>
+              <a:cxn ang="0">
+                <a:pos x="connsiteX35" y="connsiteY35"/>
+              </a:cxn>
+              <a:cxn ang="0">
+                <a:pos x="connsiteX36" y="connsiteY36"/>
+              </a:cxn>
+              <a:cxn ang="0">
+                <a:pos x="connsiteX37" y="connsiteY37"/>
+              </a:cxn>
+              <a:cxn ang="0">
+                <a:pos x="connsiteX38" y="connsiteY38"/>
+              </a:cxn>
+              <a:cxn ang="0">
+                <a:pos x="connsiteX39" y="connsiteY39"/>
+              </a:cxn>
+              <a:cxn ang="0">
+                <a:pos x="connsiteX40" y="connsiteY40"/>
+              </a:cxn>
+              <a:cxn ang="0">
+                <a:pos x="connsiteX41" y="connsiteY41"/>
+              </a:cxn>
+              <a:cxn ang="0">
+                <a:pos x="connsiteX42" y="connsiteY42"/>
+              </a:cxn>
+              <a:cxn ang="0">
+                <a:pos x="connsiteX43" y="connsiteY43"/>
+              </a:cxn>
+            </a:cxnLst>
+            <a:rect l="l" t="t" r="r" b="b"/>
+            <a:pathLst>
+              <a:path w="448462" h="392491">
+                <a:moveTo>
+                  <a:pt x="149021" y="328125"/>
+                </a:moveTo>
+                <a:lnTo>
+                  <a:pt x="210588" y="357224"/>
+                </a:lnTo>
+                <a:lnTo>
+                  <a:pt x="160375" y="391211"/>
+                </a:lnTo>
+                <a:lnTo>
+                  <a:pt x="158502" y="392025"/>
+                </a:lnTo>
+                <a:lnTo>
+                  <a:pt x="156629" y="392491"/>
+                </a:lnTo>
+                <a:lnTo>
+                  <a:pt x="154757" y="392375"/>
+                </a:lnTo>
+                <a:lnTo>
+                  <a:pt x="153001" y="391676"/>
+                </a:lnTo>
+                <a:lnTo>
+                  <a:pt x="151362" y="390396"/>
+                </a:lnTo>
+                <a:lnTo>
+                  <a:pt x="150075" y="388883"/>
+                </a:lnTo>
+                <a:lnTo>
+                  <a:pt x="149255" y="387137"/>
+                </a:lnTo>
+                <a:lnTo>
+                  <a:pt x="149021" y="385158"/>
+                </a:lnTo>
+                <a:close/>
+                <a:moveTo>
+                  <a:pt x="441235" y="0"/>
+                </a:moveTo>
+                <a:lnTo>
+                  <a:pt x="442983" y="233"/>
+                </a:lnTo>
+                <a:lnTo>
+                  <a:pt x="444615" y="816"/>
+                </a:lnTo>
+                <a:lnTo>
+                  <a:pt x="446131" y="1866"/>
+                </a:lnTo>
+                <a:lnTo>
+                  <a:pt x="447530" y="3615"/>
+                </a:lnTo>
+                <a:lnTo>
+                  <a:pt x="448346" y="5714"/>
+                </a:lnTo>
+                <a:lnTo>
+                  <a:pt x="448462" y="7696"/>
+                </a:lnTo>
+                <a:lnTo>
+                  <a:pt x="447879" y="9911"/>
+                </a:lnTo>
+                <a:lnTo>
+                  <a:pt x="307990" y="362641"/>
+                </a:lnTo>
+                <a:lnTo>
+                  <a:pt x="306708" y="364973"/>
+                </a:lnTo>
+                <a:lnTo>
+                  <a:pt x="305076" y="366955"/>
+                </a:lnTo>
+                <a:lnTo>
+                  <a:pt x="303094" y="368588"/>
+                </a:lnTo>
+                <a:lnTo>
+                  <a:pt x="300646" y="369870"/>
+                </a:lnTo>
+                <a:lnTo>
+                  <a:pt x="298314" y="370570"/>
+                </a:lnTo>
+                <a:lnTo>
+                  <a:pt x="295983" y="370803"/>
+                </a:lnTo>
+                <a:lnTo>
+                  <a:pt x="293068" y="370453"/>
+                </a:lnTo>
+                <a:lnTo>
+                  <a:pt x="290387" y="369404"/>
+                </a:lnTo>
+                <a:lnTo>
+                  <a:pt x="148982" y="302123"/>
+                </a:lnTo>
+                <a:lnTo>
+                  <a:pt x="347858" y="102379"/>
+                </a:lnTo>
+                <a:lnTo>
+                  <a:pt x="120771" y="288830"/>
+                </a:lnTo>
+                <a:lnTo>
+                  <a:pt x="7344" y="234842"/>
+                </a:lnTo>
+                <a:lnTo>
+                  <a:pt x="4896" y="233209"/>
+                </a:lnTo>
+                <a:lnTo>
+                  <a:pt x="2798" y="231227"/>
+                </a:lnTo>
+                <a:lnTo>
+                  <a:pt x="1282" y="228895"/>
+                </a:lnTo>
+                <a:lnTo>
+                  <a:pt x="349" y="226213"/>
+                </a:lnTo>
+                <a:lnTo>
+                  <a:pt x="0" y="223298"/>
+                </a:lnTo>
+                <a:lnTo>
+                  <a:pt x="233" y="220499"/>
+                </a:lnTo>
+                <a:lnTo>
+                  <a:pt x="1165" y="217701"/>
+                </a:lnTo>
+                <a:lnTo>
+                  <a:pt x="2681" y="215252"/>
+                </a:lnTo>
+                <a:lnTo>
+                  <a:pt x="4779" y="213270"/>
+                </a:lnTo>
+                <a:lnTo>
+                  <a:pt x="7227" y="211754"/>
+                </a:lnTo>
+                <a:lnTo>
+                  <a:pt x="437971" y="583"/>
+                </a:lnTo>
+                <a:lnTo>
+                  <a:pt x="439603" y="117"/>
+                </a:lnTo>
+                <a:close/>
+              </a:path>
+            </a:pathLst>
+          </a:custGeom>
+          <a:solidFill>
+            <a:schemeClr val="bg1"/>
+          </a:solidFill>
+          <a:ln w="0">
+            <a:noFill/>
+            <a:prstDash val="solid"/>
+            <a:round/>
+            <a:headEnd/>
+            <a:tailEnd/>
+          </a:ln>
+        </p:spPr>
+        <p:txBody>
+          <a:bodyPr vert="horz" wrap="square" lIns="91440" tIns="45720" rIns="91440" bIns="45720" numCol="1" anchor="t" anchorCtr="0" compatLnSpc="1">
+            <a:prstTxWarp prst="textNoShape">
+              <a:avLst/>
+            </a:prstTxWarp>
+            <a:noAutofit/>
+          </a:bodyPr>
+          <a:lstStyle/>
+          <a:p>
+            <a:endParaRPr lang="ko-KR" altLang="en-US">
+              <a:solidFill>
+                <a:prstClr val="black"/>
+              </a:solidFill>
+            </a:endParaRPr>
+          </a:p>
+        </p:txBody>
+      </p:sp>
+      <p:sp>
+        <p:nvSpPr>
+          <p:cNvPr id="25" name="Freeform 6"/>
+          <p:cNvSpPr>
+            <a:spLocks/>
+          </p:cNvSpPr>
+          <p:nvPr/>
+        </p:nvSpPr>
+        <p:spPr bwMode="auto">
+          <a:xfrm rot="10800000" flipH="1" flipV="1">
+            <a:off x="461886" y="3136838"/>
+            <a:ext cx="172500" cy="152938"/>
+          </a:xfrm>
+          <a:custGeom>
+            <a:avLst/>
+            <a:gdLst>
+              <a:gd name="T0" fmla="*/ 2689 w 3491"/>
+              <a:gd name="T1" fmla="*/ 15 h 3097"/>
+              <a:gd name="T2" fmla="*/ 2963 w 3491"/>
+              <a:gd name="T3" fmla="*/ 108 h 3097"/>
+              <a:gd name="T4" fmla="*/ 3204 w 3491"/>
+              <a:gd name="T5" fmla="*/ 281 h 3097"/>
+              <a:gd name="T6" fmla="*/ 3382 w 3491"/>
+              <a:gd name="T7" fmla="*/ 518 h 3097"/>
+              <a:gd name="T8" fmla="*/ 3475 w 3491"/>
+              <a:gd name="T9" fmla="*/ 786 h 3097"/>
+              <a:gd name="T10" fmla="*/ 3486 w 3491"/>
+              <a:gd name="T11" fmla="*/ 1066 h 3097"/>
+              <a:gd name="T12" fmla="*/ 3413 w 3491"/>
+              <a:gd name="T13" fmla="*/ 1339 h 3097"/>
+              <a:gd name="T14" fmla="*/ 3256 w 3491"/>
+              <a:gd name="T15" fmla="*/ 1586 h 3097"/>
+              <a:gd name="T16" fmla="*/ 1965 w 3491"/>
+              <a:gd name="T17" fmla="*/ 2838 h 3097"/>
+              <a:gd name="T18" fmla="*/ 1873 w 3491"/>
+              <a:gd name="T19" fmla="*/ 2828 h 3097"/>
+              <a:gd name="T20" fmla="*/ 1821 w 3491"/>
+              <a:gd name="T21" fmla="*/ 2749 h 3097"/>
+              <a:gd name="T22" fmla="*/ 1853 w 3491"/>
+              <a:gd name="T23" fmla="*/ 2662 h 3097"/>
+              <a:gd name="T24" fmla="*/ 3153 w 3491"/>
+              <a:gd name="T25" fmla="*/ 1355 h 3097"/>
+              <a:gd name="T26" fmla="*/ 3242 w 3491"/>
+              <a:gd name="T27" fmla="*/ 1126 h 3097"/>
+              <a:gd name="T28" fmla="*/ 3253 w 3491"/>
+              <a:gd name="T29" fmla="*/ 885 h 3097"/>
+              <a:gd name="T30" fmla="*/ 3183 w 3491"/>
+              <a:gd name="T31" fmla="*/ 653 h 3097"/>
+              <a:gd name="T32" fmla="*/ 3035 w 3491"/>
+              <a:gd name="T33" fmla="*/ 448 h 3097"/>
+              <a:gd name="T34" fmla="*/ 2825 w 3491"/>
+              <a:gd name="T35" fmla="*/ 301 h 3097"/>
+              <a:gd name="T36" fmla="*/ 2586 w 3491"/>
+              <a:gd name="T37" fmla="*/ 234 h 3097"/>
+              <a:gd name="T38" fmla="*/ 2340 w 3491"/>
+              <a:gd name="T39" fmla="*/ 243 h 3097"/>
+              <a:gd name="T40" fmla="*/ 2108 w 3491"/>
+              <a:gd name="T41" fmla="*/ 331 h 3097"/>
+              <a:gd name="T42" fmla="*/ 378 w 3491"/>
+              <a:gd name="T43" fmla="*/ 1972 h 3097"/>
+              <a:gd name="T44" fmla="*/ 258 w 3491"/>
+              <a:gd name="T45" fmla="*/ 2149 h 3097"/>
+              <a:gd name="T46" fmla="*/ 218 w 3491"/>
+              <a:gd name="T47" fmla="*/ 2350 h 3097"/>
+              <a:gd name="T48" fmla="*/ 258 w 3491"/>
+              <a:gd name="T49" fmla="*/ 2551 h 3097"/>
+              <a:gd name="T50" fmla="*/ 378 w 3491"/>
+              <a:gd name="T51" fmla="*/ 2728 h 3097"/>
+              <a:gd name="T52" fmla="*/ 558 w 3491"/>
+              <a:gd name="T53" fmla="*/ 2846 h 3097"/>
+              <a:gd name="T54" fmla="*/ 763 w 3491"/>
+              <a:gd name="T55" fmla="*/ 2885 h 3097"/>
+              <a:gd name="T56" fmla="*/ 968 w 3491"/>
+              <a:gd name="T57" fmla="*/ 2846 h 3097"/>
+              <a:gd name="T58" fmla="*/ 1149 w 3491"/>
+              <a:gd name="T59" fmla="*/ 2728 h 3097"/>
+              <a:gd name="T60" fmla="*/ 2809 w 3491"/>
+              <a:gd name="T61" fmla="*/ 1091 h 3097"/>
+              <a:gd name="T62" fmla="*/ 2837 w 3491"/>
+              <a:gd name="T63" fmla="*/ 942 h 3097"/>
+              <a:gd name="T64" fmla="*/ 2791 w 3491"/>
+              <a:gd name="T65" fmla="*/ 797 h 3097"/>
+              <a:gd name="T66" fmla="*/ 2677 w 3491"/>
+              <a:gd name="T67" fmla="*/ 685 h 3097"/>
+              <a:gd name="T68" fmla="*/ 2528 w 3491"/>
+              <a:gd name="T69" fmla="*/ 641 h 3097"/>
+              <a:gd name="T70" fmla="*/ 2377 w 3491"/>
+              <a:gd name="T71" fmla="*/ 668 h 3097"/>
+              <a:gd name="T72" fmla="*/ 1082 w 3491"/>
+              <a:gd name="T73" fmla="*/ 1906 h 3097"/>
+              <a:gd name="T74" fmla="*/ 992 w 3491"/>
+              <a:gd name="T75" fmla="*/ 1937 h 3097"/>
+              <a:gd name="T76" fmla="*/ 911 w 3491"/>
+              <a:gd name="T77" fmla="*/ 1887 h 3097"/>
+              <a:gd name="T78" fmla="*/ 900 w 3491"/>
+              <a:gd name="T79" fmla="*/ 1796 h 3097"/>
+              <a:gd name="T80" fmla="*/ 2165 w 3491"/>
+              <a:gd name="T81" fmla="*/ 546 h 3097"/>
+              <a:gd name="T82" fmla="*/ 2354 w 3491"/>
+              <a:gd name="T83" fmla="*/ 449 h 3097"/>
+              <a:gd name="T84" fmla="*/ 2562 w 3491"/>
+              <a:gd name="T85" fmla="*/ 429 h 3097"/>
+              <a:gd name="T86" fmla="*/ 2763 w 3491"/>
+              <a:gd name="T87" fmla="*/ 488 h 3097"/>
+              <a:gd name="T88" fmla="*/ 2932 w 3491"/>
+              <a:gd name="T89" fmla="*/ 623 h 3097"/>
+              <a:gd name="T90" fmla="*/ 3032 w 3491"/>
+              <a:gd name="T91" fmla="*/ 809 h 3097"/>
+              <a:gd name="T92" fmla="*/ 3053 w 3491"/>
+              <a:gd name="T93" fmla="*/ 1012 h 3097"/>
+              <a:gd name="T94" fmla="*/ 2993 w 3491"/>
+              <a:gd name="T95" fmla="*/ 1209 h 3097"/>
+              <a:gd name="T96" fmla="*/ 1303 w 3491"/>
+              <a:gd name="T97" fmla="*/ 2879 h 3097"/>
+              <a:gd name="T98" fmla="*/ 1094 w 3491"/>
+              <a:gd name="T99" fmla="*/ 3025 h 3097"/>
+              <a:gd name="T100" fmla="*/ 855 w 3491"/>
+              <a:gd name="T101" fmla="*/ 3092 h 3097"/>
+              <a:gd name="T102" fmla="*/ 609 w 3491"/>
+              <a:gd name="T103" fmla="*/ 3083 h 3097"/>
+              <a:gd name="T104" fmla="*/ 377 w 3491"/>
+              <a:gd name="T105" fmla="*/ 2995 h 3097"/>
+              <a:gd name="T106" fmla="*/ 178 w 3491"/>
+              <a:gd name="T107" fmla="*/ 2832 h 3097"/>
+              <a:gd name="T108" fmla="*/ 51 w 3491"/>
+              <a:gd name="T109" fmla="*/ 2617 h 3097"/>
+              <a:gd name="T110" fmla="*/ 0 w 3491"/>
+              <a:gd name="T111" fmla="*/ 2381 h 3097"/>
+              <a:gd name="T112" fmla="*/ 30 w 3491"/>
+              <a:gd name="T113" fmla="*/ 2141 h 3097"/>
+              <a:gd name="T114" fmla="*/ 139 w 3491"/>
+              <a:gd name="T115" fmla="*/ 1920 h 3097"/>
+              <a:gd name="T116" fmla="*/ 1872 w 3491"/>
+              <a:gd name="T117" fmla="*/ 230 h 3097"/>
+              <a:gd name="T118" fmla="*/ 2123 w 3491"/>
+              <a:gd name="T119" fmla="*/ 76 h 3097"/>
+              <a:gd name="T120" fmla="*/ 2402 w 3491"/>
+              <a:gd name="T121" fmla="*/ 5 h 3097"/>
+            </a:gdLst>
+            <a:ahLst/>
+            <a:cxnLst>
+              <a:cxn ang="0">
+                <a:pos x="T0" y="T1"/>
+              </a:cxn>
+              <a:cxn ang="0">
+                <a:pos x="T2" y="T3"/>
+              </a:cxn>
+              <a:cxn ang="0">
+                <a:pos x="T4" y="T5"/>
+              </a:cxn>
+              <a:cxn ang="0">
+                <a:pos x="T6" y="T7"/>
+              </a:cxn>
+              <a:cxn ang="0">
+                <a:pos x="T8" y="T9"/>
+              </a:cxn>
+              <a:cxn ang="0">
+                <a:pos x="T10" y="T11"/>
+              </a:cxn>
+              <a:cxn ang="0">
+                <a:pos x="T12" y="T13"/>
+              </a:cxn>
+              <a:cxn ang="0">
+                <a:pos x="T14" y="T15"/>
+              </a:cxn>
+              <a:cxn ang="0">
+                <a:pos x="T16" y="T17"/>
+              </a:cxn>
+              <a:cxn ang="0">
+                <a:pos x="T18" y="T19"/>
+              </a:cxn>
+              <a:cxn ang="0">
+                <a:pos x="T20" y="T21"/>
+              </a:cxn>
+              <a:cxn ang="0">
+                <a:pos x="T22" y="T23"/>
+              </a:cxn>
+              <a:cxn ang="0">
+                <a:pos x="T24" y="T25"/>
+              </a:cxn>
+              <a:cxn ang="0">
+                <a:pos x="T26" y="T27"/>
+              </a:cxn>
+              <a:cxn ang="0">
+                <a:pos x="T28" y="T29"/>
+              </a:cxn>
+              <a:cxn ang="0">
+                <a:pos x="T30" y="T31"/>
+              </a:cxn>
+              <a:cxn ang="0">
+                <a:pos x="T32" y="T33"/>
+              </a:cxn>
+              <a:cxn ang="0">
+                <a:pos x="T34" y="T35"/>
+              </a:cxn>
+              <a:cxn ang="0">
+                <a:pos x="T36" y="T37"/>
+              </a:cxn>
+              <a:cxn ang="0">
+                <a:pos x="T38" y="T39"/>
+              </a:cxn>
+              <a:cxn ang="0">
+                <a:pos x="T40" y="T41"/>
+              </a:cxn>
+              <a:cxn ang="0">
+                <a:pos x="T42" y="T43"/>
+              </a:cxn>
+              <a:cxn ang="0">
+                <a:pos x="T44" y="T45"/>
+              </a:cxn>
+              <a:cxn ang="0">
+                <a:pos x="T46" y="T47"/>
+              </a:cxn>
+              <a:cxn ang="0">
+                <a:pos x="T48" y="T49"/>
+              </a:cxn>
+              <a:cxn ang="0">
+                <a:pos x="T50" y="T51"/>
+              </a:cxn>
+              <a:cxn ang="0">
+                <a:pos x="T52" y="T53"/>
+              </a:cxn>
+              <a:cxn ang="0">
+                <a:pos x="T54" y="T55"/>
+              </a:cxn>
+              <a:cxn ang="0">
+                <a:pos x="T56" y="T57"/>
+              </a:cxn>
+              <a:cxn ang="0">
+                <a:pos x="T58" y="T59"/>
+              </a:cxn>
+              <a:cxn ang="0">
+                <a:pos x="T60" y="T61"/>
+              </a:cxn>
+              <a:cxn ang="0">
+                <a:pos x="T62" y="T63"/>
+              </a:cxn>
+              <a:cxn ang="0">
+                <a:pos x="T64" y="T65"/>
+              </a:cxn>
+              <a:cxn ang="0">
+                <a:pos x="T66" y="T67"/>
+              </a:cxn>
+              <a:cxn ang="0">
+                <a:pos x="T68" y="T69"/>
+              </a:cxn>
+              <a:cxn ang="0">
+                <a:pos x="T70" y="T71"/>
+              </a:cxn>
+              <a:cxn ang="0">
+                <a:pos x="T72" y="T73"/>
+              </a:cxn>
+              <a:cxn ang="0">
+                <a:pos x="T74" y="T75"/>
+              </a:cxn>
+              <a:cxn ang="0">
+                <a:pos x="T76" y="T77"/>
+              </a:cxn>
+              <a:cxn ang="0">
+                <a:pos x="T78" y="T79"/>
+              </a:cxn>
+              <a:cxn ang="0">
+                <a:pos x="T80" y="T81"/>
+              </a:cxn>
+              <a:cxn ang="0">
+                <a:pos x="T82" y="T83"/>
+              </a:cxn>
+              <a:cxn ang="0">
+                <a:pos x="T84" y="T85"/>
+              </a:cxn>
+              <a:cxn ang="0">
+                <a:pos x="T86" y="T87"/>
+              </a:cxn>
+              <a:cxn ang="0">
+                <a:pos x="T88" y="T89"/>
+              </a:cxn>
+              <a:cxn ang="0">
+                <a:pos x="T90" y="T91"/>
+              </a:cxn>
+              <a:cxn ang="0">
+                <a:pos x="T92" y="T93"/>
+              </a:cxn>
+              <a:cxn ang="0">
+                <a:pos x="T94" y="T95"/>
+              </a:cxn>
+              <a:cxn ang="0">
+                <a:pos x="T96" y="T97"/>
+              </a:cxn>
+              <a:cxn ang="0">
+                <a:pos x="T98" y="T99"/>
+              </a:cxn>
+              <a:cxn ang="0">
+                <a:pos x="T100" y="T101"/>
+              </a:cxn>
+              <a:cxn ang="0">
+                <a:pos x="T102" y="T103"/>
+              </a:cxn>
+              <a:cxn ang="0">
+                <a:pos x="T104" y="T105"/>
+              </a:cxn>
+              <a:cxn ang="0">
+                <a:pos x="T106" y="T107"/>
+              </a:cxn>
+              <a:cxn ang="0">
+                <a:pos x="T108" y="T109"/>
+              </a:cxn>
+              <a:cxn ang="0">
+                <a:pos x="T110" y="T111"/>
+              </a:cxn>
+              <a:cxn ang="0">
+                <a:pos x="T112" y="T113"/>
+              </a:cxn>
+              <a:cxn ang="0">
+                <a:pos x="T114" y="T115"/>
+              </a:cxn>
+              <a:cxn ang="0">
+                <a:pos x="T116" y="T117"/>
+              </a:cxn>
+              <a:cxn ang="0">
+                <a:pos x="T118" y="T119"/>
+              </a:cxn>
+              <a:cxn ang="0">
+                <a:pos x="T120" y="T121"/>
+              </a:cxn>
+            </a:cxnLst>
+            <a:rect l="0" t="0" r="r" b="b"/>
+            <a:pathLst>
+              <a:path w="3491" h="3097">
+                <a:moveTo>
+                  <a:pt x="2474" y="0"/>
+                </a:moveTo>
+                <a:lnTo>
+                  <a:pt x="2546" y="0"/>
+                </a:lnTo>
+                <a:lnTo>
+                  <a:pt x="2618" y="5"/>
+                </a:lnTo>
+                <a:lnTo>
+                  <a:pt x="2689" y="15"/>
+                </a:lnTo>
+                <a:lnTo>
+                  <a:pt x="2758" y="31"/>
+                </a:lnTo>
+                <a:lnTo>
+                  <a:pt x="2828" y="51"/>
+                </a:lnTo>
+                <a:lnTo>
+                  <a:pt x="2896" y="76"/>
+                </a:lnTo>
+                <a:lnTo>
+                  <a:pt x="2963" y="108"/>
+                </a:lnTo>
+                <a:lnTo>
+                  <a:pt x="3026" y="143"/>
+                </a:lnTo>
+                <a:lnTo>
+                  <a:pt x="3088" y="183"/>
+                </a:lnTo>
+                <a:lnTo>
+                  <a:pt x="3147" y="230"/>
+                </a:lnTo>
+                <a:lnTo>
+                  <a:pt x="3204" y="281"/>
+                </a:lnTo>
+                <a:lnTo>
+                  <a:pt x="3256" y="336"/>
+                </a:lnTo>
+                <a:lnTo>
+                  <a:pt x="3303" y="394"/>
+                </a:lnTo>
+                <a:lnTo>
+                  <a:pt x="3345" y="455"/>
+                </a:lnTo>
+                <a:lnTo>
+                  <a:pt x="3382" y="518"/>
+                </a:lnTo>
+                <a:lnTo>
+                  <a:pt x="3413" y="582"/>
+                </a:lnTo>
+                <a:lnTo>
+                  <a:pt x="3439" y="650"/>
+                </a:lnTo>
+                <a:lnTo>
+                  <a:pt x="3460" y="717"/>
+                </a:lnTo>
+                <a:lnTo>
+                  <a:pt x="3475" y="786"/>
+                </a:lnTo>
+                <a:lnTo>
+                  <a:pt x="3486" y="856"/>
+                </a:lnTo>
+                <a:lnTo>
+                  <a:pt x="3491" y="926"/>
+                </a:lnTo>
+                <a:lnTo>
+                  <a:pt x="3491" y="996"/>
+                </a:lnTo>
+                <a:lnTo>
+                  <a:pt x="3486" y="1066"/>
+                </a:lnTo>
+                <a:lnTo>
+                  <a:pt x="3475" y="1136"/>
+                </a:lnTo>
+                <a:lnTo>
+                  <a:pt x="3460" y="1205"/>
+                </a:lnTo>
+                <a:lnTo>
+                  <a:pt x="3439" y="1273"/>
+                </a:lnTo>
+                <a:lnTo>
+                  <a:pt x="3413" y="1339"/>
+                </a:lnTo>
+                <a:lnTo>
+                  <a:pt x="3382" y="1404"/>
+                </a:lnTo>
+                <a:lnTo>
+                  <a:pt x="3345" y="1467"/>
+                </a:lnTo>
+                <a:lnTo>
+                  <a:pt x="3303" y="1528"/>
+                </a:lnTo>
+                <a:lnTo>
+                  <a:pt x="3256" y="1586"/>
+                </a:lnTo>
+                <a:lnTo>
+                  <a:pt x="3204" y="1641"/>
+                </a:lnTo>
+                <a:lnTo>
+                  <a:pt x="2007" y="2813"/>
+                </a:lnTo>
+                <a:lnTo>
+                  <a:pt x="1988" y="2828"/>
+                </a:lnTo>
+                <a:lnTo>
+                  <a:pt x="1965" y="2838"/>
+                </a:lnTo>
+                <a:lnTo>
+                  <a:pt x="1942" y="2844"/>
+                </a:lnTo>
+                <a:lnTo>
+                  <a:pt x="1918" y="2844"/>
+                </a:lnTo>
+                <a:lnTo>
+                  <a:pt x="1894" y="2838"/>
+                </a:lnTo>
+                <a:lnTo>
+                  <a:pt x="1873" y="2828"/>
+                </a:lnTo>
+                <a:lnTo>
+                  <a:pt x="1853" y="2813"/>
+                </a:lnTo>
+                <a:lnTo>
+                  <a:pt x="1837" y="2793"/>
+                </a:lnTo>
+                <a:lnTo>
+                  <a:pt x="1827" y="2772"/>
+                </a:lnTo>
+                <a:lnTo>
+                  <a:pt x="1821" y="2749"/>
+                </a:lnTo>
+                <a:lnTo>
+                  <a:pt x="1821" y="2726"/>
+                </a:lnTo>
+                <a:lnTo>
+                  <a:pt x="1827" y="2703"/>
+                </a:lnTo>
+                <a:lnTo>
+                  <a:pt x="1837" y="2681"/>
+                </a:lnTo>
+                <a:lnTo>
+                  <a:pt x="1853" y="2662"/>
+                </a:lnTo>
+                <a:lnTo>
+                  <a:pt x="3035" y="1505"/>
+                </a:lnTo>
+                <a:lnTo>
+                  <a:pt x="3079" y="1458"/>
+                </a:lnTo>
+                <a:lnTo>
+                  <a:pt x="3118" y="1407"/>
+                </a:lnTo>
+                <a:lnTo>
+                  <a:pt x="3153" y="1355"/>
+                </a:lnTo>
+                <a:lnTo>
+                  <a:pt x="3183" y="1300"/>
+                </a:lnTo>
+                <a:lnTo>
+                  <a:pt x="3208" y="1243"/>
+                </a:lnTo>
+                <a:lnTo>
+                  <a:pt x="3228" y="1185"/>
+                </a:lnTo>
+                <a:lnTo>
+                  <a:pt x="3242" y="1126"/>
+                </a:lnTo>
+                <a:lnTo>
+                  <a:pt x="3253" y="1066"/>
+                </a:lnTo>
+                <a:lnTo>
+                  <a:pt x="3257" y="1006"/>
+                </a:lnTo>
+                <a:lnTo>
+                  <a:pt x="3257" y="946"/>
+                </a:lnTo>
+                <a:lnTo>
+                  <a:pt x="3253" y="885"/>
+                </a:lnTo>
+                <a:lnTo>
+                  <a:pt x="3242" y="826"/>
+                </a:lnTo>
+                <a:lnTo>
+                  <a:pt x="3228" y="766"/>
+                </a:lnTo>
+                <a:lnTo>
+                  <a:pt x="3208" y="709"/>
+                </a:lnTo>
+                <a:lnTo>
+                  <a:pt x="3183" y="653"/>
+                </a:lnTo>
+                <a:lnTo>
+                  <a:pt x="3153" y="598"/>
+                </a:lnTo>
+                <a:lnTo>
+                  <a:pt x="3118" y="545"/>
+                </a:lnTo>
+                <a:lnTo>
+                  <a:pt x="3079" y="495"/>
+                </a:lnTo>
+                <a:lnTo>
+                  <a:pt x="3035" y="448"/>
+                </a:lnTo>
+                <a:lnTo>
+                  <a:pt x="2985" y="403"/>
+                </a:lnTo>
+                <a:lnTo>
+                  <a:pt x="2935" y="364"/>
+                </a:lnTo>
+                <a:lnTo>
+                  <a:pt x="2881" y="331"/>
+                </a:lnTo>
+                <a:lnTo>
+                  <a:pt x="2825" y="301"/>
+                </a:lnTo>
+                <a:lnTo>
+                  <a:pt x="2767" y="277"/>
+                </a:lnTo>
+                <a:lnTo>
+                  <a:pt x="2708" y="258"/>
+                </a:lnTo>
+                <a:lnTo>
+                  <a:pt x="2648" y="243"/>
+                </a:lnTo>
+                <a:lnTo>
+                  <a:pt x="2586" y="234"/>
+                </a:lnTo>
+                <a:lnTo>
+                  <a:pt x="2525" y="229"/>
+                </a:lnTo>
+                <a:lnTo>
+                  <a:pt x="2464" y="229"/>
+                </a:lnTo>
+                <a:lnTo>
+                  <a:pt x="2402" y="234"/>
+                </a:lnTo>
+                <a:lnTo>
+                  <a:pt x="2340" y="243"/>
+                </a:lnTo>
+                <a:lnTo>
+                  <a:pt x="2280" y="258"/>
+                </a:lnTo>
+                <a:lnTo>
+                  <a:pt x="2221" y="277"/>
+                </a:lnTo>
+                <a:lnTo>
+                  <a:pt x="2164" y="301"/>
+                </a:lnTo>
+                <a:lnTo>
+                  <a:pt x="2108" y="331"/>
+                </a:lnTo>
+                <a:lnTo>
+                  <a:pt x="2055" y="364"/>
+                </a:lnTo>
+                <a:lnTo>
+                  <a:pt x="2003" y="403"/>
+                </a:lnTo>
+                <a:lnTo>
+                  <a:pt x="1955" y="448"/>
+                </a:lnTo>
+                <a:lnTo>
+                  <a:pt x="378" y="1972"/>
+                </a:lnTo>
+                <a:lnTo>
+                  <a:pt x="341" y="2013"/>
+                </a:lnTo>
+                <a:lnTo>
+                  <a:pt x="307" y="2057"/>
+                </a:lnTo>
+                <a:lnTo>
+                  <a:pt x="280" y="2102"/>
+                </a:lnTo>
+                <a:lnTo>
+                  <a:pt x="258" y="2149"/>
+                </a:lnTo>
+                <a:lnTo>
+                  <a:pt x="241" y="2199"/>
+                </a:lnTo>
+                <a:lnTo>
+                  <a:pt x="228" y="2248"/>
+                </a:lnTo>
+                <a:lnTo>
+                  <a:pt x="220" y="2299"/>
+                </a:lnTo>
+                <a:lnTo>
+                  <a:pt x="218" y="2350"/>
+                </a:lnTo>
+                <a:lnTo>
+                  <a:pt x="220" y="2402"/>
+                </a:lnTo>
+                <a:lnTo>
+                  <a:pt x="228" y="2452"/>
+                </a:lnTo>
+                <a:lnTo>
+                  <a:pt x="241" y="2503"/>
+                </a:lnTo>
+                <a:lnTo>
+                  <a:pt x="258" y="2551"/>
+                </a:lnTo>
+                <a:lnTo>
+                  <a:pt x="280" y="2599"/>
+                </a:lnTo>
+                <a:lnTo>
+                  <a:pt x="307" y="2644"/>
+                </a:lnTo>
+                <a:lnTo>
+                  <a:pt x="341" y="2687"/>
+                </a:lnTo>
+                <a:lnTo>
+                  <a:pt x="378" y="2728"/>
+                </a:lnTo>
+                <a:lnTo>
+                  <a:pt x="419" y="2765"/>
+                </a:lnTo>
+                <a:lnTo>
+                  <a:pt x="463" y="2796"/>
+                </a:lnTo>
+                <a:lnTo>
+                  <a:pt x="509" y="2824"/>
+                </a:lnTo>
+                <a:lnTo>
+                  <a:pt x="558" y="2846"/>
+                </a:lnTo>
+                <a:lnTo>
+                  <a:pt x="608" y="2863"/>
+                </a:lnTo>
+                <a:lnTo>
+                  <a:pt x="660" y="2874"/>
+                </a:lnTo>
+                <a:lnTo>
+                  <a:pt x="711" y="2882"/>
+                </a:lnTo>
+                <a:lnTo>
+                  <a:pt x="763" y="2885"/>
+                </a:lnTo>
+                <a:lnTo>
+                  <a:pt x="816" y="2882"/>
+                </a:lnTo>
+                <a:lnTo>
+                  <a:pt x="867" y="2874"/>
+                </a:lnTo>
+                <a:lnTo>
+                  <a:pt x="919" y="2863"/>
+                </a:lnTo>
+                <a:lnTo>
+                  <a:pt x="968" y="2846"/>
+                </a:lnTo>
+                <a:lnTo>
+                  <a:pt x="1018" y="2824"/>
+                </a:lnTo>
+                <a:lnTo>
+                  <a:pt x="1064" y="2796"/>
+                </a:lnTo>
+                <a:lnTo>
+                  <a:pt x="1108" y="2765"/>
+                </a:lnTo>
+                <a:lnTo>
+                  <a:pt x="1149" y="2728"/>
+                </a:lnTo>
+                <a:lnTo>
+                  <a:pt x="2741" y="1187"/>
+                </a:lnTo>
+                <a:lnTo>
+                  <a:pt x="2768" y="1158"/>
+                </a:lnTo>
+                <a:lnTo>
+                  <a:pt x="2791" y="1125"/>
+                </a:lnTo>
+                <a:lnTo>
+                  <a:pt x="2809" y="1091"/>
+                </a:lnTo>
+                <a:lnTo>
+                  <a:pt x="2823" y="1055"/>
+                </a:lnTo>
+                <a:lnTo>
+                  <a:pt x="2831" y="1018"/>
+                </a:lnTo>
+                <a:lnTo>
+                  <a:pt x="2837" y="980"/>
+                </a:lnTo>
+                <a:lnTo>
+                  <a:pt x="2837" y="942"/>
+                </a:lnTo>
+                <a:lnTo>
+                  <a:pt x="2831" y="904"/>
+                </a:lnTo>
+                <a:lnTo>
+                  <a:pt x="2823" y="867"/>
+                </a:lnTo>
+                <a:lnTo>
+                  <a:pt x="2809" y="832"/>
+                </a:lnTo>
+                <a:lnTo>
+                  <a:pt x="2791" y="797"/>
+                </a:lnTo>
+                <a:lnTo>
+                  <a:pt x="2768" y="764"/>
+                </a:lnTo>
+                <a:lnTo>
+                  <a:pt x="2741" y="734"/>
+                </a:lnTo>
+                <a:lnTo>
+                  <a:pt x="2710" y="707"/>
+                </a:lnTo>
+                <a:lnTo>
+                  <a:pt x="2677" y="685"/>
+                </a:lnTo>
+                <a:lnTo>
+                  <a:pt x="2642" y="668"/>
+                </a:lnTo>
+                <a:lnTo>
+                  <a:pt x="2605" y="654"/>
+                </a:lnTo>
+                <a:lnTo>
+                  <a:pt x="2567" y="645"/>
+                </a:lnTo>
+                <a:lnTo>
+                  <a:pt x="2528" y="641"/>
+                </a:lnTo>
+                <a:lnTo>
+                  <a:pt x="2490" y="641"/>
+                </a:lnTo>
+                <a:lnTo>
+                  <a:pt x="2452" y="645"/>
+                </a:lnTo>
+                <a:lnTo>
+                  <a:pt x="2415" y="654"/>
+                </a:lnTo>
+                <a:lnTo>
+                  <a:pt x="2377" y="668"/>
+                </a:lnTo>
+                <a:lnTo>
+                  <a:pt x="2343" y="685"/>
+                </a:lnTo>
+                <a:lnTo>
+                  <a:pt x="2309" y="707"/>
+                </a:lnTo>
+                <a:lnTo>
+                  <a:pt x="2278" y="734"/>
+                </a:lnTo>
+                <a:lnTo>
+                  <a:pt x="1082" y="1906"/>
+                </a:lnTo>
+                <a:lnTo>
+                  <a:pt x="1062" y="1922"/>
+                </a:lnTo>
+                <a:lnTo>
+                  <a:pt x="1040" y="1931"/>
+                </a:lnTo>
+                <a:lnTo>
+                  <a:pt x="1017" y="1937"/>
+                </a:lnTo>
+                <a:lnTo>
+                  <a:pt x="992" y="1937"/>
+                </a:lnTo>
+                <a:lnTo>
+                  <a:pt x="969" y="1931"/>
+                </a:lnTo>
+                <a:lnTo>
+                  <a:pt x="947" y="1922"/>
+                </a:lnTo>
+                <a:lnTo>
+                  <a:pt x="927" y="1906"/>
+                </a:lnTo>
+                <a:lnTo>
+                  <a:pt x="911" y="1887"/>
+                </a:lnTo>
+                <a:lnTo>
+                  <a:pt x="900" y="1865"/>
+                </a:lnTo>
+                <a:lnTo>
+                  <a:pt x="896" y="1842"/>
+                </a:lnTo>
+                <a:lnTo>
+                  <a:pt x="896" y="1819"/>
+                </a:lnTo>
+                <a:lnTo>
+                  <a:pt x="900" y="1796"/>
+                </a:lnTo>
+                <a:lnTo>
+                  <a:pt x="911" y="1775"/>
+                </a:lnTo>
+                <a:lnTo>
+                  <a:pt x="927" y="1755"/>
+                </a:lnTo>
+                <a:lnTo>
+                  <a:pt x="2123" y="583"/>
+                </a:lnTo>
+                <a:lnTo>
+                  <a:pt x="2165" y="546"/>
+                </a:lnTo>
+                <a:lnTo>
+                  <a:pt x="2209" y="515"/>
+                </a:lnTo>
+                <a:lnTo>
+                  <a:pt x="2255" y="488"/>
+                </a:lnTo>
+                <a:lnTo>
+                  <a:pt x="2304" y="465"/>
+                </a:lnTo>
+                <a:lnTo>
+                  <a:pt x="2354" y="449"/>
+                </a:lnTo>
+                <a:lnTo>
+                  <a:pt x="2405" y="436"/>
+                </a:lnTo>
+                <a:lnTo>
+                  <a:pt x="2457" y="429"/>
+                </a:lnTo>
+                <a:lnTo>
+                  <a:pt x="2509" y="427"/>
+                </a:lnTo>
+                <a:lnTo>
+                  <a:pt x="2562" y="429"/>
+                </a:lnTo>
+                <a:lnTo>
+                  <a:pt x="2613" y="436"/>
+                </a:lnTo>
+                <a:lnTo>
+                  <a:pt x="2665" y="449"/>
+                </a:lnTo>
+                <a:lnTo>
+                  <a:pt x="2714" y="465"/>
+                </a:lnTo>
+                <a:lnTo>
+                  <a:pt x="2763" y="488"/>
+                </a:lnTo>
+                <a:lnTo>
+                  <a:pt x="2810" y="515"/>
+                </a:lnTo>
+                <a:lnTo>
+                  <a:pt x="2854" y="546"/>
+                </a:lnTo>
+                <a:lnTo>
+                  <a:pt x="2895" y="583"/>
+                </a:lnTo>
+                <a:lnTo>
+                  <a:pt x="2932" y="623"/>
+                </a:lnTo>
+                <a:lnTo>
+                  <a:pt x="2965" y="666"/>
+                </a:lnTo>
+                <a:lnTo>
+                  <a:pt x="2993" y="713"/>
+                </a:lnTo>
+                <a:lnTo>
+                  <a:pt x="3015" y="760"/>
+                </a:lnTo>
+                <a:lnTo>
+                  <a:pt x="3032" y="809"/>
+                </a:lnTo>
+                <a:lnTo>
+                  <a:pt x="3045" y="859"/>
+                </a:lnTo>
+                <a:lnTo>
+                  <a:pt x="3053" y="910"/>
+                </a:lnTo>
+                <a:lnTo>
+                  <a:pt x="3055" y="961"/>
+                </a:lnTo>
+                <a:lnTo>
+                  <a:pt x="3053" y="1012"/>
+                </a:lnTo>
+                <a:lnTo>
+                  <a:pt x="3045" y="1063"/>
+                </a:lnTo>
+                <a:lnTo>
+                  <a:pt x="3032" y="1113"/>
+                </a:lnTo>
+                <a:lnTo>
+                  <a:pt x="3015" y="1162"/>
+                </a:lnTo>
+                <a:lnTo>
+                  <a:pt x="2993" y="1209"/>
+                </a:lnTo>
+                <a:lnTo>
+                  <a:pt x="2965" y="1255"/>
+                </a:lnTo>
+                <a:lnTo>
+                  <a:pt x="2932" y="1298"/>
+                </a:lnTo>
+                <a:lnTo>
+                  <a:pt x="2895" y="1339"/>
+                </a:lnTo>
+                <a:lnTo>
+                  <a:pt x="1303" y="2879"/>
+                </a:lnTo>
+                <a:lnTo>
+                  <a:pt x="1255" y="2923"/>
+                </a:lnTo>
+                <a:lnTo>
+                  <a:pt x="1203" y="2962"/>
+                </a:lnTo>
+                <a:lnTo>
+                  <a:pt x="1150" y="2995"/>
+                </a:lnTo>
+                <a:lnTo>
+                  <a:pt x="1094" y="3025"/>
+                </a:lnTo>
+                <a:lnTo>
+                  <a:pt x="1036" y="3049"/>
+                </a:lnTo>
+                <a:lnTo>
+                  <a:pt x="977" y="3068"/>
+                </a:lnTo>
+                <a:lnTo>
+                  <a:pt x="917" y="3083"/>
+                </a:lnTo>
+                <a:lnTo>
+                  <a:pt x="855" y="3092"/>
+                </a:lnTo>
+                <a:lnTo>
+                  <a:pt x="794" y="3097"/>
+                </a:lnTo>
+                <a:lnTo>
+                  <a:pt x="733" y="3097"/>
+                </a:lnTo>
+                <a:lnTo>
+                  <a:pt x="671" y="3092"/>
+                </a:lnTo>
+                <a:lnTo>
+                  <a:pt x="609" y="3083"/>
+                </a:lnTo>
+                <a:lnTo>
+                  <a:pt x="549" y="3068"/>
+                </a:lnTo>
+                <a:lnTo>
+                  <a:pt x="490" y="3049"/>
+                </a:lnTo>
+                <a:lnTo>
+                  <a:pt x="433" y="3025"/>
+                </a:lnTo>
+                <a:lnTo>
+                  <a:pt x="377" y="2995"/>
+                </a:lnTo>
+                <a:lnTo>
+                  <a:pt x="323" y="2962"/>
+                </a:lnTo>
+                <a:lnTo>
+                  <a:pt x="272" y="2923"/>
+                </a:lnTo>
+                <a:lnTo>
+                  <a:pt x="224" y="2879"/>
+                </a:lnTo>
+                <a:lnTo>
+                  <a:pt x="178" y="2832"/>
+                </a:lnTo>
+                <a:lnTo>
+                  <a:pt x="139" y="2782"/>
+                </a:lnTo>
+                <a:lnTo>
+                  <a:pt x="104" y="2729"/>
+                </a:lnTo>
+                <a:lnTo>
+                  <a:pt x="75" y="2674"/>
+                </a:lnTo>
+                <a:lnTo>
+                  <a:pt x="51" y="2617"/>
+                </a:lnTo>
+                <a:lnTo>
+                  <a:pt x="30" y="2560"/>
+                </a:lnTo>
+                <a:lnTo>
+                  <a:pt x="15" y="2501"/>
+                </a:lnTo>
+                <a:lnTo>
+                  <a:pt x="5" y="2441"/>
+                </a:lnTo>
+                <a:lnTo>
+                  <a:pt x="0" y="2381"/>
+                </a:lnTo>
+                <a:lnTo>
+                  <a:pt x="0" y="2321"/>
+                </a:lnTo>
+                <a:lnTo>
+                  <a:pt x="5" y="2260"/>
+                </a:lnTo>
+                <a:lnTo>
+                  <a:pt x="15" y="2200"/>
+                </a:lnTo>
+                <a:lnTo>
+                  <a:pt x="30" y="2141"/>
+                </a:lnTo>
+                <a:lnTo>
+                  <a:pt x="51" y="2083"/>
+                </a:lnTo>
+                <a:lnTo>
+                  <a:pt x="75" y="2027"/>
+                </a:lnTo>
+                <a:lnTo>
+                  <a:pt x="104" y="1972"/>
+                </a:lnTo>
+                <a:lnTo>
+                  <a:pt x="139" y="1920"/>
+                </a:lnTo>
+                <a:lnTo>
+                  <a:pt x="178" y="1869"/>
+                </a:lnTo>
+                <a:lnTo>
+                  <a:pt x="224" y="1822"/>
+                </a:lnTo>
+                <a:lnTo>
+                  <a:pt x="1815" y="281"/>
+                </a:lnTo>
+                <a:lnTo>
+                  <a:pt x="1872" y="230"/>
+                </a:lnTo>
+                <a:lnTo>
+                  <a:pt x="1931" y="183"/>
+                </a:lnTo>
+                <a:lnTo>
+                  <a:pt x="1992" y="143"/>
+                </a:lnTo>
+                <a:lnTo>
+                  <a:pt x="2057" y="108"/>
+                </a:lnTo>
+                <a:lnTo>
+                  <a:pt x="2123" y="76"/>
+                </a:lnTo>
+                <a:lnTo>
+                  <a:pt x="2191" y="51"/>
+                </a:lnTo>
+                <a:lnTo>
+                  <a:pt x="2261" y="31"/>
+                </a:lnTo>
+                <a:lnTo>
+                  <a:pt x="2331" y="15"/>
+                </a:lnTo>
+                <a:lnTo>
+                  <a:pt x="2402" y="5"/>
+                </a:lnTo>
+                <a:lnTo>
+                  <a:pt x="2474" y="0"/>
+                </a:lnTo>
+                <a:close/>
+              </a:path>
+            </a:pathLst>
+          </a:custGeom>
+          <a:solidFill>
+            <a:schemeClr val="bg1"/>
+          </a:solidFill>
+          <a:ln w="0">
+            <a:noFill/>
+            <a:prstDash val="solid"/>
+            <a:round/>
+            <a:headEnd/>
+            <a:tailEnd/>
+          </a:ln>
+        </p:spPr>
+        <p:txBody>
+          <a:bodyPr vert="horz" wrap="square" lIns="91440" tIns="45720" rIns="91440" bIns="45720" numCol="1" anchor="t" anchorCtr="0" compatLnSpc="1">
+            <a:prstTxWarp prst="textNoShape">
+              <a:avLst/>
+            </a:prstTxWarp>
+          </a:bodyPr>
+          <a:lstStyle/>
+          <a:p>
+            <a:endParaRPr lang="ko-KR" altLang="en-US">
+              <a:solidFill>
+                <a:prstClr val="black"/>
+              </a:solidFill>
+            </a:endParaRPr>
+          </a:p>
+        </p:txBody>
+      </p:sp>
+      <p:grpSp>
+        <p:nvGrpSpPr>
+          <p:cNvPr id="27" name="그룹 26"/>
+          <p:cNvGrpSpPr/>
+          <p:nvPr/>
+        </p:nvGrpSpPr>
+        <p:grpSpPr>
+          <a:xfrm>
+            <a:off x="393568" y="656552"/>
+            <a:ext cx="323769" cy="323769"/>
+            <a:chOff x="1593332" y="2172798"/>
+            <a:chExt cx="1083168" cy="1083168"/>
+          </a:xfrm>
+        </p:grpSpPr>
+        <p:sp>
+          <p:nvSpPr>
+            <p:cNvPr id="28" name="타원 27"/>
+            <p:cNvSpPr/>
+            <p:nvPr/>
+          </p:nvSpPr>
+          <p:spPr>
+            <a:xfrm>
+              <a:off x="1593332" y="2172798"/>
+              <a:ext cx="1083168" cy="1083168"/>
+            </a:xfrm>
+            <a:prstGeom prst="ellipse">
+              <a:avLst/>
+            </a:prstGeom>
+            <a:solidFill>
+              <a:schemeClr val="bg1">
+                <a:lumMod val="75000"/>
+              </a:schemeClr>
+            </a:solidFill>
+            <a:ln>
+              <a:solidFill>
+                <a:schemeClr val="bg1"/>
+              </a:solidFill>
+            </a:ln>
+          </p:spPr>
+          <p:style>
+            <a:lnRef idx="2">
+              <a:schemeClr val="accent1">
+                <a:shade val="50000"/>
+              </a:schemeClr>
+            </a:lnRef>
+            <a:fillRef idx="1">
+              <a:schemeClr val="accent1"/>
+            </a:fillRef>
+            <a:effectRef idx="0">
+              <a:schemeClr val="accent1"/>
+            </a:effectRef>
+            <a:fontRef idx="minor">
+              <a:schemeClr val="lt1"/>
+            </a:fontRef>
+          </p:style>
+          <p:txBody>
+            <a:bodyPr rtlCol="0" anchor="ctr"/>
+            <a:lstStyle/>
+            <a:p>
+              <a:pPr algn="ctr"/>
+              <a:endParaRPr lang="ko-KR" altLang="en-US" b="1">
+                <a:solidFill>
+                  <a:prstClr val="white"/>
+                </a:solidFill>
+              </a:endParaRPr>
+            </a:p>
+          </p:txBody>
+        </p:sp>
+        <p:pic>
+          <p:nvPicPr>
+            <p:cNvPr id="29" name="그림 28"/>
+            <p:cNvPicPr>
+              <a:picLocks noChangeAspect="1"/>
+            </p:cNvPicPr>
+            <p:nvPr/>
+          </p:nvPicPr>
+          <p:blipFill>
+            <a:blip r:embed="rId2" cstate="print">
+              <a:extLst>
+                <a:ext uri="{28A0092B-C50C-407E-A947-70E740481C1C}">
+                  <a14:useLocalDpi xmlns:a14="http://schemas.microsoft.com/office/drawing/2010/main" val="0"/>
+                </a:ext>
+              </a:extLst>
+            </a:blip>
+            <a:stretch>
+              <a:fillRect/>
+            </a:stretch>
+          </p:blipFill>
+          <p:spPr>
+            <a:xfrm>
+              <a:off x="1741655" y="2321121"/>
+              <a:ext cx="786521" cy="786521"/>
+            </a:xfrm>
+            <a:prstGeom prst="rect">
+              <a:avLst/>
+            </a:prstGeom>
+          </p:spPr>
+        </p:pic>
+      </p:grpSp>
+      <p:sp>
+        <p:nvSpPr>
+          <p:cNvPr id="32" name="모서리가 둥근 직사각형 31"/>
+          <p:cNvSpPr/>
+          <p:nvPr/>
+        </p:nvSpPr>
+        <p:spPr>
+          <a:xfrm>
+            <a:off x="350136" y="1719059"/>
+            <a:ext cx="396000" cy="396000"/>
+          </a:xfrm>
+          <a:prstGeom prst="roundRect">
+            <a:avLst/>
+          </a:prstGeom>
+          <a:solidFill>
+            <a:srgbClr val="00D65E"/>
+          </a:solidFill>
+          <a:ln>
+            <a:noFill/>
+          </a:ln>
+        </p:spPr>
+        <p:style>
+          <a:lnRef idx="2">
+            <a:schemeClr val="accent1">
+              <a:shade val="50000"/>
+            </a:schemeClr>
+          </a:lnRef>
+          <a:fillRef idx="1">
+            <a:schemeClr val="accent1"/>
+          </a:fillRef>
+          <a:effectRef idx="0">
+            <a:schemeClr val="accent1"/>
+          </a:effectRef>
+          <a:fontRef idx="minor">
+            <a:schemeClr val="lt1"/>
+          </a:fontRef>
+        </p:style>
+        <p:txBody>
+          <a:bodyPr lIns="126000" rtlCol="0" anchor="ctr"/>
+          <a:lstStyle/>
+          <a:p>
+            <a:endParaRPr lang="en-US" altLang="ko-KR" sz="1050" dirty="0">
+              <a:solidFill>
+                <a:prstClr val="white"/>
+              </a:solidFill>
+            </a:endParaRPr>
+          </a:p>
+        </p:txBody>
+      </p:sp>
+      <p:grpSp>
+        <p:nvGrpSpPr>
+          <p:cNvPr id="20" name="Group 12"/>
+          <p:cNvGrpSpPr>
+            <a:grpSpLocks noChangeAspect="1"/>
+          </p:cNvGrpSpPr>
+          <p:nvPr/>
+        </p:nvGrpSpPr>
+        <p:grpSpPr bwMode="auto">
+          <a:xfrm>
+            <a:off x="433464" y="1832474"/>
+            <a:ext cx="229344" cy="182438"/>
+            <a:chOff x="6124" y="305"/>
+            <a:chExt cx="841" cy="669"/>
+          </a:xfrm>
+          <a:solidFill>
+            <a:schemeClr val="bg1"/>
+          </a:solidFill>
+        </p:grpSpPr>
+        <p:sp>
+          <p:nvSpPr>
+            <p:cNvPr id="21" name="Freeform 13"/>
+            <p:cNvSpPr>
+              <a:spLocks/>
+            </p:cNvSpPr>
+            <p:nvPr/>
+          </p:nvSpPr>
+          <p:spPr bwMode="auto">
+            <a:xfrm>
+              <a:off x="6244" y="440"/>
+              <a:ext cx="601" cy="534"/>
+            </a:xfrm>
+            <a:custGeom>
+              <a:avLst/>
+              <a:gdLst>
+                <a:gd name="T0" fmla="*/ 902 w 1802"/>
+                <a:gd name="T1" fmla="*/ 0 h 1602"/>
+                <a:gd name="T2" fmla="*/ 2 w 1802"/>
+                <a:gd name="T3" fmla="*/ 742 h 1602"/>
+                <a:gd name="T4" fmla="*/ 2 w 1802"/>
+                <a:gd name="T5" fmla="*/ 743 h 1602"/>
+                <a:gd name="T6" fmla="*/ 2 w 1802"/>
+                <a:gd name="T7" fmla="*/ 746 h 1602"/>
+                <a:gd name="T8" fmla="*/ 0 w 1802"/>
+                <a:gd name="T9" fmla="*/ 749 h 1602"/>
+                <a:gd name="T10" fmla="*/ 0 w 1802"/>
+                <a:gd name="T11" fmla="*/ 751 h 1602"/>
+                <a:gd name="T12" fmla="*/ 0 w 1802"/>
+                <a:gd name="T13" fmla="*/ 1501 h 1602"/>
+                <a:gd name="T14" fmla="*/ 2 w 1802"/>
+                <a:gd name="T15" fmla="*/ 1521 h 1602"/>
+                <a:gd name="T16" fmla="*/ 16 w 1802"/>
+                <a:gd name="T17" fmla="*/ 1557 h 1602"/>
+                <a:gd name="T18" fmla="*/ 30 w 1802"/>
+                <a:gd name="T19" fmla="*/ 1572 h 1602"/>
+                <a:gd name="T20" fmla="*/ 45 w 1802"/>
+                <a:gd name="T21" fmla="*/ 1586 h 1602"/>
+                <a:gd name="T22" fmla="*/ 81 w 1802"/>
+                <a:gd name="T23" fmla="*/ 1601 h 1602"/>
+                <a:gd name="T24" fmla="*/ 100 w 1802"/>
+                <a:gd name="T25" fmla="*/ 1602 h 1602"/>
+                <a:gd name="T26" fmla="*/ 702 w 1802"/>
+                <a:gd name="T27" fmla="*/ 1602 h 1602"/>
+                <a:gd name="T28" fmla="*/ 702 w 1802"/>
+                <a:gd name="T29" fmla="*/ 1001 h 1602"/>
+                <a:gd name="T30" fmla="*/ 1102 w 1802"/>
+                <a:gd name="T31" fmla="*/ 1001 h 1602"/>
+                <a:gd name="T32" fmla="*/ 1102 w 1802"/>
+                <a:gd name="T33" fmla="*/ 1602 h 1602"/>
+                <a:gd name="T34" fmla="*/ 1703 w 1802"/>
+                <a:gd name="T35" fmla="*/ 1602 h 1602"/>
+                <a:gd name="T36" fmla="*/ 1723 w 1802"/>
+                <a:gd name="T37" fmla="*/ 1601 h 1602"/>
+                <a:gd name="T38" fmla="*/ 1758 w 1802"/>
+                <a:gd name="T39" fmla="*/ 1586 h 1602"/>
+                <a:gd name="T40" fmla="*/ 1773 w 1802"/>
+                <a:gd name="T41" fmla="*/ 1572 h 1602"/>
+                <a:gd name="T42" fmla="*/ 1786 w 1802"/>
+                <a:gd name="T43" fmla="*/ 1557 h 1602"/>
+                <a:gd name="T44" fmla="*/ 1802 w 1802"/>
+                <a:gd name="T45" fmla="*/ 1521 h 1602"/>
+                <a:gd name="T46" fmla="*/ 1802 w 1802"/>
+                <a:gd name="T47" fmla="*/ 1501 h 1602"/>
+                <a:gd name="T48" fmla="*/ 1802 w 1802"/>
+                <a:gd name="T49" fmla="*/ 751 h 1602"/>
+                <a:gd name="T50" fmla="*/ 1802 w 1802"/>
+                <a:gd name="T51" fmla="*/ 745 h 1602"/>
+                <a:gd name="T52" fmla="*/ 1801 w 1802"/>
+                <a:gd name="T53" fmla="*/ 742 h 1602"/>
+                <a:gd name="T54" fmla="*/ 902 w 1802"/>
+                <a:gd name="T55" fmla="*/ 0 h 1602"/>
+              </a:gdLst>
+              <a:ahLst/>
+              <a:cxnLst>
+                <a:cxn ang="0">
+                  <a:pos x="T0" y="T1"/>
+                </a:cxn>
+                <a:cxn ang="0">
+                  <a:pos x="T2" y="T3"/>
+                </a:cxn>
+                <a:cxn ang="0">
+                  <a:pos x="T4" y="T5"/>
+                </a:cxn>
+                <a:cxn ang="0">
+                  <a:pos x="T6" y="T7"/>
+                </a:cxn>
+                <a:cxn ang="0">
+                  <a:pos x="T8" y="T9"/>
+                </a:cxn>
+                <a:cxn ang="0">
+                  <a:pos x="T10" y="T11"/>
+                </a:cxn>
+                <a:cxn ang="0">
+                  <a:pos x="T12" y="T13"/>
+                </a:cxn>
+                <a:cxn ang="0">
+                  <a:pos x="T14" y="T15"/>
+                </a:cxn>
+                <a:cxn ang="0">
+                  <a:pos x="T16" y="T17"/>
+                </a:cxn>
+                <a:cxn ang="0">
+                  <a:pos x="T18" y="T19"/>
+                </a:cxn>
+                <a:cxn ang="0">
+                  <a:pos x="T20" y="T21"/>
+                </a:cxn>
+                <a:cxn ang="0">
+                  <a:pos x="T22" y="T23"/>
+                </a:cxn>
+                <a:cxn ang="0">
+                  <a:pos x="T24" y="T25"/>
+                </a:cxn>
+                <a:cxn ang="0">
+                  <a:pos x="T26" y="T27"/>
+                </a:cxn>
+                <a:cxn ang="0">
+                  <a:pos x="T28" y="T29"/>
+                </a:cxn>
+                <a:cxn ang="0">
+                  <a:pos x="T30" y="T31"/>
+                </a:cxn>
+                <a:cxn ang="0">
+                  <a:pos x="T32" y="T33"/>
+                </a:cxn>
+                <a:cxn ang="0">
+                  <a:pos x="T34" y="T35"/>
+                </a:cxn>
+                <a:cxn ang="0">
+                  <a:pos x="T36" y="T37"/>
+                </a:cxn>
+                <a:cxn ang="0">
+                  <a:pos x="T38" y="T39"/>
+                </a:cxn>
+                <a:cxn ang="0">
+                  <a:pos x="T40" y="T41"/>
+                </a:cxn>
+                <a:cxn ang="0">
+                  <a:pos x="T42" y="T43"/>
+                </a:cxn>
+                <a:cxn ang="0">
+                  <a:pos x="T44" y="T45"/>
+                </a:cxn>
+                <a:cxn ang="0">
+                  <a:pos x="T46" y="T47"/>
+                </a:cxn>
+                <a:cxn ang="0">
+                  <a:pos x="T48" y="T49"/>
+                </a:cxn>
+                <a:cxn ang="0">
+                  <a:pos x="T50" y="T51"/>
+                </a:cxn>
+                <a:cxn ang="0">
+                  <a:pos x="T52" y="T53"/>
+                </a:cxn>
+                <a:cxn ang="0">
+                  <a:pos x="T54" y="T55"/>
+                </a:cxn>
+              </a:cxnLst>
+              <a:rect l="0" t="0" r="r" b="b"/>
+              <a:pathLst>
+                <a:path w="1802" h="1602">
+                  <a:moveTo>
+                    <a:pt x="902" y="0"/>
+                  </a:moveTo>
+                  <a:lnTo>
+                    <a:pt x="2" y="742"/>
+                  </a:lnTo>
+                  <a:lnTo>
+                    <a:pt x="2" y="743"/>
+                  </a:lnTo>
+                  <a:lnTo>
+                    <a:pt x="2" y="746"/>
+                  </a:lnTo>
+                  <a:lnTo>
+                    <a:pt x="0" y="749"/>
+                  </a:lnTo>
+                  <a:lnTo>
+                    <a:pt x="0" y="751"/>
+                  </a:lnTo>
+                  <a:lnTo>
+                    <a:pt x="0" y="1501"/>
+                  </a:lnTo>
+                  <a:lnTo>
+                    <a:pt x="2" y="1521"/>
+                  </a:lnTo>
+                  <a:lnTo>
+                    <a:pt x="16" y="1557"/>
+                  </a:lnTo>
+                  <a:lnTo>
+                    <a:pt x="30" y="1572"/>
+                  </a:lnTo>
+                  <a:lnTo>
+                    <a:pt x="45" y="1586"/>
+                  </a:lnTo>
+                  <a:lnTo>
+                    <a:pt x="81" y="1601"/>
+                  </a:lnTo>
+                  <a:lnTo>
+                    <a:pt x="100" y="1602"/>
+                  </a:lnTo>
+                  <a:lnTo>
+                    <a:pt x="702" y="1602"/>
+                  </a:lnTo>
+                  <a:lnTo>
+                    <a:pt x="702" y="1001"/>
+                  </a:lnTo>
+                  <a:lnTo>
+                    <a:pt x="1102" y="1001"/>
+                  </a:lnTo>
+                  <a:lnTo>
+                    <a:pt x="1102" y="1602"/>
+                  </a:lnTo>
+                  <a:lnTo>
+                    <a:pt x="1703" y="1602"/>
+                  </a:lnTo>
+                  <a:lnTo>
+                    <a:pt x="1723" y="1601"/>
+                  </a:lnTo>
+                  <a:lnTo>
+                    <a:pt x="1758" y="1586"/>
+                  </a:lnTo>
+                  <a:lnTo>
+                    <a:pt x="1773" y="1572"/>
+                  </a:lnTo>
+                  <a:lnTo>
+                    <a:pt x="1786" y="1557"/>
+                  </a:lnTo>
+                  <a:lnTo>
+                    <a:pt x="1802" y="1521"/>
+                  </a:lnTo>
+                  <a:lnTo>
+                    <a:pt x="1802" y="1501"/>
+                  </a:lnTo>
+                  <a:lnTo>
+                    <a:pt x="1802" y="751"/>
+                  </a:lnTo>
+                  <a:lnTo>
+                    <a:pt x="1802" y="745"/>
+                  </a:lnTo>
+                  <a:lnTo>
+                    <a:pt x="1801" y="742"/>
+                  </a:lnTo>
+                  <a:lnTo>
+                    <a:pt x="902" y="0"/>
+                  </a:lnTo>
+                  <a:close/>
+                </a:path>
+              </a:pathLst>
+            </a:custGeom>
+            <a:grpFill/>
+            <a:ln>
+              <a:noFill/>
+            </a:ln>
+            <a:extLst>
+              <a:ext uri="{91240B29-F687-4F45-9708-019B960494DF}">
+                <a14:hiddenLine xmlns:a14="http://schemas.microsoft.com/office/drawing/2010/main" w="9525">
+                  <a:solidFill>
+                    <a:srgbClr val="000000"/>
+                  </a:solidFill>
+                  <a:round/>
+                  <a:headEnd/>
+                  <a:tailEnd/>
+                </a14:hiddenLine>
+              </a:ext>
+            </a:extLst>
+          </p:spPr>
+          <p:txBody>
+            <a:bodyPr vert="horz" wrap="square" lIns="91440" tIns="45720" rIns="91440" bIns="45720" numCol="1" anchor="t" anchorCtr="0" compatLnSpc="1">
+              <a:prstTxWarp prst="textNoShape">
+                <a:avLst/>
+              </a:prstTxWarp>
+            </a:bodyPr>
+            <a:lstStyle/>
+            <a:p>
+              <a:endParaRPr lang="ko-KR" altLang="en-US">
+                <a:solidFill>
+                  <a:prstClr val="black"/>
+                </a:solidFill>
+              </a:endParaRPr>
+            </a:p>
+          </p:txBody>
+        </p:sp>
+        <p:sp>
+          <p:nvSpPr>
+            <p:cNvPr id="22" name="Freeform 14"/>
+            <p:cNvSpPr>
+              <a:spLocks/>
+            </p:cNvSpPr>
+            <p:nvPr/>
+          </p:nvSpPr>
+          <p:spPr bwMode="auto">
+            <a:xfrm>
+              <a:off x="6124" y="305"/>
+              <a:ext cx="841" cy="394"/>
+            </a:xfrm>
+            <a:custGeom>
+              <a:avLst/>
+              <a:gdLst>
+                <a:gd name="T0" fmla="*/ 2505 w 2522"/>
+                <a:gd name="T1" fmla="*/ 978 h 1181"/>
+                <a:gd name="T2" fmla="*/ 2162 w 2522"/>
+                <a:gd name="T3" fmla="*/ 694 h 1181"/>
+                <a:gd name="T4" fmla="*/ 2162 w 2522"/>
+                <a:gd name="T5" fmla="*/ 54 h 1181"/>
+                <a:gd name="T6" fmla="*/ 2162 w 2522"/>
+                <a:gd name="T7" fmla="*/ 44 h 1181"/>
+                <a:gd name="T8" fmla="*/ 2155 w 2522"/>
+                <a:gd name="T9" fmla="*/ 26 h 1181"/>
+                <a:gd name="T10" fmla="*/ 2149 w 2522"/>
+                <a:gd name="T11" fmla="*/ 18 h 1181"/>
+                <a:gd name="T12" fmla="*/ 2141 w 2522"/>
+                <a:gd name="T13" fmla="*/ 13 h 1181"/>
+                <a:gd name="T14" fmla="*/ 2123 w 2522"/>
+                <a:gd name="T15" fmla="*/ 5 h 1181"/>
+                <a:gd name="T16" fmla="*/ 2113 w 2522"/>
+                <a:gd name="T17" fmla="*/ 5 h 1181"/>
+                <a:gd name="T18" fmla="*/ 1812 w 2522"/>
+                <a:gd name="T19" fmla="*/ 5 h 1181"/>
+                <a:gd name="T20" fmla="*/ 1802 w 2522"/>
+                <a:gd name="T21" fmla="*/ 5 h 1181"/>
+                <a:gd name="T22" fmla="*/ 1783 w 2522"/>
+                <a:gd name="T23" fmla="*/ 13 h 1181"/>
+                <a:gd name="T24" fmla="*/ 1776 w 2522"/>
+                <a:gd name="T25" fmla="*/ 18 h 1181"/>
+                <a:gd name="T26" fmla="*/ 1770 w 2522"/>
+                <a:gd name="T27" fmla="*/ 26 h 1181"/>
+                <a:gd name="T28" fmla="*/ 1763 w 2522"/>
+                <a:gd name="T29" fmla="*/ 44 h 1181"/>
+                <a:gd name="T30" fmla="*/ 1762 w 2522"/>
+                <a:gd name="T31" fmla="*/ 54 h 1181"/>
+                <a:gd name="T32" fmla="*/ 1762 w 2522"/>
+                <a:gd name="T33" fmla="*/ 360 h 1181"/>
+                <a:gd name="T34" fmla="*/ 1380 w 2522"/>
+                <a:gd name="T35" fmla="*/ 41 h 1181"/>
+                <a:gd name="T36" fmla="*/ 1354 w 2522"/>
+                <a:gd name="T37" fmla="*/ 23 h 1181"/>
+                <a:gd name="T38" fmla="*/ 1295 w 2522"/>
+                <a:gd name="T39" fmla="*/ 1 h 1181"/>
+                <a:gd name="T40" fmla="*/ 1262 w 2522"/>
+                <a:gd name="T41" fmla="*/ 0 h 1181"/>
+                <a:gd name="T42" fmla="*/ 1227 w 2522"/>
+                <a:gd name="T43" fmla="*/ 1 h 1181"/>
+                <a:gd name="T44" fmla="*/ 1168 w 2522"/>
+                <a:gd name="T45" fmla="*/ 23 h 1181"/>
+                <a:gd name="T46" fmla="*/ 1142 w 2522"/>
+                <a:gd name="T47" fmla="*/ 41 h 1181"/>
+                <a:gd name="T48" fmla="*/ 17 w 2522"/>
+                <a:gd name="T49" fmla="*/ 978 h 1181"/>
+                <a:gd name="T50" fmla="*/ 10 w 2522"/>
+                <a:gd name="T51" fmla="*/ 985 h 1181"/>
+                <a:gd name="T52" fmla="*/ 1 w 2522"/>
+                <a:gd name="T53" fmla="*/ 1001 h 1181"/>
+                <a:gd name="T54" fmla="*/ 0 w 2522"/>
+                <a:gd name="T55" fmla="*/ 1012 h 1181"/>
+                <a:gd name="T56" fmla="*/ 0 w 2522"/>
+                <a:gd name="T57" fmla="*/ 1023 h 1181"/>
+                <a:gd name="T58" fmla="*/ 6 w 2522"/>
+                <a:gd name="T59" fmla="*/ 1040 h 1181"/>
+                <a:gd name="T60" fmla="*/ 12 w 2522"/>
+                <a:gd name="T61" fmla="*/ 1048 h 1181"/>
+                <a:gd name="T62" fmla="*/ 108 w 2522"/>
+                <a:gd name="T63" fmla="*/ 1164 h 1181"/>
+                <a:gd name="T64" fmla="*/ 122 w 2522"/>
+                <a:gd name="T65" fmla="*/ 1177 h 1181"/>
+                <a:gd name="T66" fmla="*/ 141 w 2522"/>
+                <a:gd name="T67" fmla="*/ 1181 h 1181"/>
+                <a:gd name="T68" fmla="*/ 160 w 2522"/>
+                <a:gd name="T69" fmla="*/ 1181 h 1181"/>
+                <a:gd name="T70" fmla="*/ 179 w 2522"/>
+                <a:gd name="T71" fmla="*/ 1171 h 1181"/>
+                <a:gd name="T72" fmla="*/ 1262 w 2522"/>
+                <a:gd name="T73" fmla="*/ 268 h 1181"/>
+                <a:gd name="T74" fmla="*/ 2344 w 2522"/>
+                <a:gd name="T75" fmla="*/ 1171 h 1181"/>
+                <a:gd name="T76" fmla="*/ 2358 w 2522"/>
+                <a:gd name="T77" fmla="*/ 1180 h 1181"/>
+                <a:gd name="T78" fmla="*/ 2377 w 2522"/>
+                <a:gd name="T79" fmla="*/ 1181 h 1181"/>
+                <a:gd name="T80" fmla="*/ 2383 w 2522"/>
+                <a:gd name="T81" fmla="*/ 1181 h 1181"/>
+                <a:gd name="T82" fmla="*/ 2401 w 2522"/>
+                <a:gd name="T83" fmla="*/ 1177 h 1181"/>
+                <a:gd name="T84" fmla="*/ 2414 w 2522"/>
+                <a:gd name="T85" fmla="*/ 1164 h 1181"/>
+                <a:gd name="T86" fmla="*/ 2512 w 2522"/>
+                <a:gd name="T87" fmla="*/ 1048 h 1181"/>
+                <a:gd name="T88" fmla="*/ 2518 w 2522"/>
+                <a:gd name="T89" fmla="*/ 1040 h 1181"/>
+                <a:gd name="T90" fmla="*/ 2522 w 2522"/>
+                <a:gd name="T91" fmla="*/ 1023 h 1181"/>
+                <a:gd name="T92" fmla="*/ 2522 w 2522"/>
+                <a:gd name="T93" fmla="*/ 1012 h 1181"/>
+                <a:gd name="T94" fmla="*/ 2521 w 2522"/>
+                <a:gd name="T95" fmla="*/ 1001 h 1181"/>
+                <a:gd name="T96" fmla="*/ 2512 w 2522"/>
+                <a:gd name="T97" fmla="*/ 985 h 1181"/>
+                <a:gd name="T98" fmla="*/ 2505 w 2522"/>
+                <a:gd name="T99" fmla="*/ 978 h 1181"/>
+              </a:gdLst>
+              <a:ahLst/>
+              <a:cxnLst>
+                <a:cxn ang="0">
+                  <a:pos x="T0" y="T1"/>
+                </a:cxn>
+                <a:cxn ang="0">
+                  <a:pos x="T2" y="T3"/>
+                </a:cxn>
+                <a:cxn ang="0">
+                  <a:pos x="T4" y="T5"/>
+                </a:cxn>
+                <a:cxn ang="0">
+                  <a:pos x="T6" y="T7"/>
+                </a:cxn>
+                <a:cxn ang="0">
+                  <a:pos x="T8" y="T9"/>
+                </a:cxn>
+                <a:cxn ang="0">
+                  <a:pos x="T10" y="T11"/>
+                </a:cxn>
+                <a:cxn ang="0">
+                  <a:pos x="T12" y="T13"/>
+                </a:cxn>
+                <a:cxn ang="0">
+                  <a:pos x="T14" y="T15"/>
+                </a:cxn>
+                <a:cxn ang="0">
+                  <a:pos x="T16" y="T17"/>
+                </a:cxn>
+                <a:cxn ang="0">
+                  <a:pos x="T18" y="T19"/>
+                </a:cxn>
+                <a:cxn ang="0">
+                  <a:pos x="T20" y="T21"/>
+                </a:cxn>
+                <a:cxn ang="0">
+                  <a:pos x="T22" y="T23"/>
+                </a:cxn>
+                <a:cxn ang="0">
+                  <a:pos x="T24" y="T25"/>
+                </a:cxn>
+                <a:cxn ang="0">
+                  <a:pos x="T26" y="T27"/>
+                </a:cxn>
+                <a:cxn ang="0">
+                  <a:pos x="T28" y="T29"/>
+                </a:cxn>
+                <a:cxn ang="0">
+                  <a:pos x="T30" y="T31"/>
+                </a:cxn>
+                <a:cxn ang="0">
+                  <a:pos x="T32" y="T33"/>
+                </a:cxn>
+                <a:cxn ang="0">
+                  <a:pos x="T34" y="T35"/>
+                </a:cxn>
+                <a:cxn ang="0">
+                  <a:pos x="T36" y="T37"/>
+                </a:cxn>
+                <a:cxn ang="0">
+                  <a:pos x="T38" y="T39"/>
+                </a:cxn>
+                <a:cxn ang="0">
+                  <a:pos x="T40" y="T41"/>
+                </a:cxn>
+                <a:cxn ang="0">
+                  <a:pos x="T42" y="T43"/>
+                </a:cxn>
+                <a:cxn ang="0">
+                  <a:pos x="T44" y="T45"/>
+                </a:cxn>
+                <a:cxn ang="0">
+                  <a:pos x="T46" y="T47"/>
+                </a:cxn>
+                <a:cxn ang="0">
+                  <a:pos x="T48" y="T49"/>
+                </a:cxn>
+                <a:cxn ang="0">
+                  <a:pos x="T50" y="T51"/>
+                </a:cxn>
+                <a:cxn ang="0">
+                  <a:pos x="T52" y="T53"/>
+                </a:cxn>
+                <a:cxn ang="0">
+                  <a:pos x="T54" y="T55"/>
+                </a:cxn>
+                <a:cxn ang="0">
+                  <a:pos x="T56" y="T57"/>
+                </a:cxn>
+                <a:cxn ang="0">
+                  <a:pos x="T58" y="T59"/>
+                </a:cxn>
+                <a:cxn ang="0">
+                  <a:pos x="T60" y="T61"/>
+                </a:cxn>
+                <a:cxn ang="0">
+                  <a:pos x="T62" y="T63"/>
+                </a:cxn>
+                <a:cxn ang="0">
+                  <a:pos x="T64" y="T65"/>
+                </a:cxn>
+                <a:cxn ang="0">
+                  <a:pos x="T66" y="T67"/>
+                </a:cxn>
+                <a:cxn ang="0">
+                  <a:pos x="T68" y="T69"/>
+                </a:cxn>
+                <a:cxn ang="0">
+                  <a:pos x="T70" y="T71"/>
+                </a:cxn>
+                <a:cxn ang="0">
+                  <a:pos x="T72" y="T73"/>
+                </a:cxn>
+                <a:cxn ang="0">
+                  <a:pos x="T74" y="T75"/>
+                </a:cxn>
+                <a:cxn ang="0">
+                  <a:pos x="T76" y="T77"/>
+                </a:cxn>
+                <a:cxn ang="0">
+                  <a:pos x="T78" y="T79"/>
+                </a:cxn>
+                <a:cxn ang="0">
+                  <a:pos x="T80" y="T81"/>
+                </a:cxn>
+                <a:cxn ang="0">
+                  <a:pos x="T82" y="T83"/>
+                </a:cxn>
+                <a:cxn ang="0">
+                  <a:pos x="T84" y="T85"/>
+                </a:cxn>
+                <a:cxn ang="0">
+                  <a:pos x="T86" y="T87"/>
+                </a:cxn>
+                <a:cxn ang="0">
+                  <a:pos x="T88" y="T89"/>
+                </a:cxn>
+                <a:cxn ang="0">
+                  <a:pos x="T90" y="T91"/>
+                </a:cxn>
+                <a:cxn ang="0">
+                  <a:pos x="T92" y="T93"/>
+                </a:cxn>
+                <a:cxn ang="0">
+                  <a:pos x="T94" y="T95"/>
+                </a:cxn>
+                <a:cxn ang="0">
+                  <a:pos x="T96" y="T97"/>
+                </a:cxn>
+                <a:cxn ang="0">
+                  <a:pos x="T98" y="T99"/>
+                </a:cxn>
+              </a:cxnLst>
+              <a:rect l="0" t="0" r="r" b="b"/>
+              <a:pathLst>
+                <a:path w="2522" h="1181">
+                  <a:moveTo>
+                    <a:pt x="2505" y="978"/>
+                  </a:moveTo>
+                  <a:lnTo>
+                    <a:pt x="2162" y="694"/>
+                  </a:lnTo>
+                  <a:lnTo>
+                    <a:pt x="2162" y="54"/>
+                  </a:lnTo>
+                  <a:lnTo>
+                    <a:pt x="2162" y="44"/>
+                  </a:lnTo>
+                  <a:lnTo>
+                    <a:pt x="2155" y="26"/>
+                  </a:lnTo>
+                  <a:lnTo>
+                    <a:pt x="2149" y="18"/>
+                  </a:lnTo>
+                  <a:lnTo>
+                    <a:pt x="2141" y="13"/>
+                  </a:lnTo>
+                  <a:lnTo>
+                    <a:pt x="2123" y="5"/>
+                  </a:lnTo>
+                  <a:lnTo>
+                    <a:pt x="2113" y="5"/>
+                  </a:lnTo>
+                  <a:lnTo>
+                    <a:pt x="1812" y="5"/>
+                  </a:lnTo>
+                  <a:lnTo>
+                    <a:pt x="1802" y="5"/>
+                  </a:lnTo>
+                  <a:lnTo>
+                    <a:pt x="1783" y="13"/>
+                  </a:lnTo>
+                  <a:lnTo>
+                    <a:pt x="1776" y="18"/>
+                  </a:lnTo>
+                  <a:lnTo>
+                    <a:pt x="1770" y="26"/>
+                  </a:lnTo>
+                  <a:lnTo>
+                    <a:pt x="1763" y="44"/>
+                  </a:lnTo>
+                  <a:lnTo>
+                    <a:pt x="1762" y="54"/>
+                  </a:lnTo>
+                  <a:lnTo>
+                    <a:pt x="1762" y="360"/>
+                  </a:lnTo>
+                  <a:lnTo>
+                    <a:pt x="1380" y="41"/>
+                  </a:lnTo>
+                  <a:lnTo>
+                    <a:pt x="1354" y="23"/>
+                  </a:lnTo>
+                  <a:lnTo>
+                    <a:pt x="1295" y="1"/>
+                  </a:lnTo>
+                  <a:lnTo>
+                    <a:pt x="1262" y="0"/>
+                  </a:lnTo>
+                  <a:lnTo>
+                    <a:pt x="1227" y="1"/>
+                  </a:lnTo>
+                  <a:lnTo>
+                    <a:pt x="1168" y="23"/>
+                  </a:lnTo>
+                  <a:lnTo>
+                    <a:pt x="1142" y="41"/>
+                  </a:lnTo>
+                  <a:lnTo>
+                    <a:pt x="17" y="978"/>
+                  </a:lnTo>
+                  <a:lnTo>
+                    <a:pt x="10" y="985"/>
+                  </a:lnTo>
+                  <a:lnTo>
+                    <a:pt x="1" y="1001"/>
+                  </a:lnTo>
+                  <a:lnTo>
+                    <a:pt x="0" y="1012"/>
+                  </a:lnTo>
+                  <a:lnTo>
+                    <a:pt x="0" y="1023"/>
+                  </a:lnTo>
+                  <a:lnTo>
+                    <a:pt x="6" y="1040"/>
+                  </a:lnTo>
+                  <a:lnTo>
+                    <a:pt x="12" y="1048"/>
+                  </a:lnTo>
+                  <a:lnTo>
+                    <a:pt x="108" y="1164"/>
+                  </a:lnTo>
+                  <a:lnTo>
+                    <a:pt x="122" y="1177"/>
+                  </a:lnTo>
+                  <a:lnTo>
+                    <a:pt x="141" y="1181"/>
+                  </a:lnTo>
+                  <a:lnTo>
+                    <a:pt x="160" y="1181"/>
+                  </a:lnTo>
+                  <a:lnTo>
+                    <a:pt x="179" y="1171"/>
+                  </a:lnTo>
+                  <a:lnTo>
+                    <a:pt x="1262" y="268"/>
+                  </a:lnTo>
+                  <a:lnTo>
+                    <a:pt x="2344" y="1171"/>
+                  </a:lnTo>
+                  <a:lnTo>
+                    <a:pt x="2358" y="1180"/>
+                  </a:lnTo>
+                  <a:lnTo>
+                    <a:pt x="2377" y="1181"/>
+                  </a:lnTo>
+                  <a:lnTo>
+                    <a:pt x="2383" y="1181"/>
+                  </a:lnTo>
+                  <a:lnTo>
+                    <a:pt x="2401" y="1177"/>
+                  </a:lnTo>
+                  <a:lnTo>
+                    <a:pt x="2414" y="1164"/>
+                  </a:lnTo>
+                  <a:lnTo>
+                    <a:pt x="2512" y="1048"/>
+                  </a:lnTo>
+                  <a:lnTo>
+                    <a:pt x="2518" y="1040"/>
+                  </a:lnTo>
+                  <a:lnTo>
+                    <a:pt x="2522" y="1023"/>
+                  </a:lnTo>
+                  <a:lnTo>
+                    <a:pt x="2522" y="1012"/>
+                  </a:lnTo>
+                  <a:lnTo>
+                    <a:pt x="2521" y="1001"/>
+                  </a:lnTo>
+                  <a:lnTo>
+                    <a:pt x="2512" y="985"/>
+                  </a:lnTo>
+                  <a:lnTo>
+                    <a:pt x="2505" y="978"/>
+                  </a:lnTo>
+                  <a:close/>
+                </a:path>
+              </a:pathLst>
+            </a:custGeom>
+            <a:grpFill/>
+            <a:ln>
+              <a:noFill/>
+            </a:ln>
+            <a:extLst>
+              <a:ext uri="{91240B29-F687-4F45-9708-019B960494DF}">
+                <a14:hiddenLine xmlns:a14="http://schemas.microsoft.com/office/drawing/2010/main" w="9525">
+                  <a:solidFill>
+                    <a:srgbClr val="000000"/>
+                  </a:solidFill>
+                  <a:round/>
+                  <a:headEnd/>
+                  <a:tailEnd/>
+                </a14:hiddenLine>
+              </a:ext>
+            </a:extLst>
+          </p:spPr>
+          <p:txBody>
+            <a:bodyPr vert="horz" wrap="square" lIns="91440" tIns="45720" rIns="91440" bIns="45720" numCol="1" anchor="t" anchorCtr="0" compatLnSpc="1">
+              <a:prstTxWarp prst="textNoShape">
+                <a:avLst/>
+              </a:prstTxWarp>
+            </a:bodyPr>
+            <a:lstStyle/>
+            <a:p>
+              <a:endParaRPr lang="ko-KR" altLang="en-US">
+                <a:solidFill>
+                  <a:prstClr val="black"/>
+                </a:solidFill>
+              </a:endParaRPr>
+            </a:p>
+          </p:txBody>
+        </p:sp>
+      </p:grpSp>
+      <p:sp>
+        <p:nvSpPr>
+          <p:cNvPr id="33" name="직사각형 32"/>
+          <p:cNvSpPr/>
+          <p:nvPr/>
+        </p:nvSpPr>
+        <p:spPr>
+          <a:xfrm>
+            <a:off x="236536" y="1030641"/>
+            <a:ext cx="630239" cy="184666"/>
+          </a:xfrm>
+          <a:prstGeom prst="rect">
+            <a:avLst/>
+          </a:prstGeom>
+        </p:spPr>
+        <p:txBody>
+          <a:bodyPr wrap="square">
+            <a:spAutoFit/>
+          </a:bodyPr>
+          <a:lstStyle/>
+          <a:p>
+            <a:pPr algn="ctr"/>
+            <a:r>
+              <a:rPr lang="en-US" altLang="ko-KR" sz="600" dirty="0">
+                <a:solidFill>
+                  <a:prstClr val="white"/>
+                </a:solidFill>
+              </a:rPr>
+              <a:t>seok830621</a:t>
+            </a:r>
+            <a:endParaRPr lang="ko-KR" altLang="en-US" sz="600" dirty="0">
+              <a:solidFill>
+                <a:prstClr val="white"/>
+              </a:solidFill>
+            </a:endParaRPr>
+          </a:p>
+        </p:txBody>
+      </p:sp>
+      <p:sp>
+        <p:nvSpPr>
+          <p:cNvPr id="35" name="타원 34"/>
+          <p:cNvSpPr/>
+          <p:nvPr/>
+        </p:nvSpPr>
+        <p:spPr>
+          <a:xfrm>
+            <a:off x="578088" y="2370814"/>
+            <a:ext cx="177525" cy="177525"/>
+          </a:xfrm>
+          <a:prstGeom prst="ellipse">
+            <a:avLst/>
+          </a:prstGeom>
+          <a:solidFill>
+            <a:srgbClr val="C00000"/>
+          </a:solidFill>
+          <a:ln>
+            <a:noFill/>
+          </a:ln>
+        </p:spPr>
+        <p:style>
+          <a:lnRef idx="2">
+            <a:schemeClr val="accent1">
+              <a:shade val="50000"/>
+            </a:schemeClr>
+          </a:lnRef>
+          <a:fillRef idx="1">
+            <a:schemeClr val="accent1"/>
+          </a:fillRef>
+          <a:effectRef idx="0">
+            <a:schemeClr val="accent1"/>
+          </a:effectRef>
+          <a:fontRef idx="minor">
+            <a:schemeClr val="lt1"/>
+          </a:fontRef>
+        </p:style>
+        <p:txBody>
+          <a:bodyPr wrap="none" lIns="36000" tIns="36000" rIns="36000" bIns="36000" rtlCol="0" anchor="ctr"/>
+          <a:lstStyle/>
+          <a:p>
+            <a:pPr algn="ctr"/>
+            <a:r>
+              <a:rPr lang="en-US" altLang="ko-KR" sz="1000" dirty="0">
+                <a:solidFill>
+                  <a:prstClr val="white"/>
+                </a:solidFill>
+              </a:rPr>
+              <a:t>5</a:t>
+            </a:r>
+            <a:endParaRPr lang="ko-KR" altLang="en-US" sz="1000" dirty="0">
+              <a:solidFill>
+                <a:prstClr val="white"/>
+              </a:solidFill>
+            </a:endParaRPr>
+          </a:p>
+        </p:txBody>
+      </p:sp>
+      <p:sp>
+        <p:nvSpPr>
+          <p:cNvPr id="51" name="타원 50"/>
+          <p:cNvSpPr/>
+          <p:nvPr/>
+        </p:nvSpPr>
+        <p:spPr>
+          <a:xfrm>
+            <a:off x="555404" y="4304681"/>
+            <a:ext cx="177525" cy="177525"/>
+          </a:xfrm>
+          <a:prstGeom prst="ellipse">
+            <a:avLst/>
+          </a:prstGeom>
+          <a:solidFill>
+            <a:srgbClr val="C00000"/>
+          </a:solidFill>
+          <a:ln>
+            <a:noFill/>
+          </a:ln>
+        </p:spPr>
+        <p:style>
+          <a:lnRef idx="2">
+            <a:schemeClr val="accent1">
+              <a:shade val="50000"/>
+            </a:schemeClr>
+          </a:lnRef>
+          <a:fillRef idx="1">
+            <a:schemeClr val="accent1"/>
+          </a:fillRef>
+          <a:effectRef idx="0">
+            <a:schemeClr val="accent1"/>
+          </a:effectRef>
+          <a:fontRef idx="minor">
+            <a:schemeClr val="lt1"/>
+          </a:fontRef>
+        </p:style>
+        <p:txBody>
+          <a:bodyPr wrap="none" lIns="36000" tIns="36000" rIns="36000" bIns="36000" rtlCol="0" anchor="ctr"/>
+          <a:lstStyle/>
+          <a:p>
+            <a:pPr algn="ctr"/>
+            <a:r>
+              <a:rPr lang="en-US" altLang="ko-KR" sz="600" dirty="0">
+                <a:solidFill>
+                  <a:prstClr val="white"/>
+                </a:solidFill>
+              </a:rPr>
+              <a:t>off</a:t>
+            </a:r>
+            <a:endParaRPr lang="ko-KR" altLang="en-US" sz="600" dirty="0">
+              <a:solidFill>
+                <a:prstClr val="white"/>
+              </a:solidFill>
+            </a:endParaRPr>
+          </a:p>
+        </p:txBody>
+      </p:sp>
+      <p:sp>
+        <p:nvSpPr>
+          <p:cNvPr id="26" name="TextBox 25"/>
+          <p:cNvSpPr txBox="1"/>
+          <p:nvPr/>
+        </p:nvSpPr>
+        <p:spPr>
+          <a:xfrm>
+            <a:off x="3599402" y="2428477"/>
             <a:ext cx="4943982" cy="1569660"/>
           </a:xfrm>
           <a:prstGeom prst="rect">
@@ -25433,269 +30132,6 @@
       </p:par>
     </p:tnLst>
   </p:timing>
-</p:sld>
-</file>
-
-<file path=ppt/slides/slide6.xml><?xml version="1.0" encoding="utf-8"?>
-<p:sld xmlns:a="http://schemas.openxmlformats.org/drawingml/2006/main" xmlns:r="http://schemas.openxmlformats.org/officeDocument/2006/relationships" xmlns:p="http://schemas.openxmlformats.org/presentationml/2006/main">
-  <p:cSld>
-    <p:spTree>
-      <p:nvGrpSpPr>
-        <p:cNvPr id="1" name=""/>
-        <p:cNvGrpSpPr/>
-        <p:nvPr/>
-      </p:nvGrpSpPr>
-      <p:grpSpPr>
-        <a:xfrm>
-          <a:off x="0" y="0"/>
-          <a:ext cx="0" cy="0"/>
-          <a:chOff x="0" y="0"/>
-          <a:chExt cx="0" cy="0"/>
-        </a:xfrm>
-      </p:grpSpPr>
-      <p:sp>
-        <p:nvSpPr>
-          <p:cNvPr id="2" name="TextBox 1">
-            <a:extLst>
-              <a:ext uri="{FF2B5EF4-FFF2-40B4-BE49-F238E27FC236}">
-                <a16:creationId xmlns="" xmlns:a16="http://schemas.microsoft.com/office/drawing/2014/main" id="{A7461189-974C-487C-AFF6-D14AB65D1F50}"/>
-              </a:ext>
-            </a:extLst>
-          </p:cNvPr>
-          <p:cNvSpPr txBox="1"/>
-          <p:nvPr/>
-        </p:nvSpPr>
-        <p:spPr>
-          <a:xfrm>
-            <a:off x="520117" y="474345"/>
-            <a:ext cx="10502560" cy="5909310"/>
-          </a:xfrm>
-          <a:prstGeom prst="rect">
-            <a:avLst/>
-          </a:prstGeom>
-          <a:noFill/>
-        </p:spPr>
-        <p:txBody>
-          <a:bodyPr wrap="square" rtlCol="0">
-            <a:spAutoFit/>
-          </a:bodyPr>
-          <a:lstStyle/>
-          <a:p>
-            <a:r>
-              <a:rPr lang="ko-KR" altLang="en-US" dirty="0"/>
-              <a:t>부족한점</a:t>
-            </a:r>
-            <a:endParaRPr lang="en-US" altLang="ko-KR" dirty="0"/>
-          </a:p>
-          <a:p>
-            <a:endParaRPr lang="en-US" altLang="ko-KR" dirty="0"/>
-          </a:p>
-          <a:p>
-            <a:r>
-              <a:rPr lang="ko-KR" altLang="en-US" dirty="0"/>
-              <a:t>팀원 모두 개발 경험 과 팀 프로젝트에 익숙하지 </a:t>
-            </a:r>
-            <a:r>
-              <a:rPr lang="ko-KR" altLang="en-US" dirty="0" err="1"/>
-              <a:t>않다보니</a:t>
-            </a:r>
-            <a:endParaRPr lang="en-US" altLang="ko-KR" dirty="0"/>
-          </a:p>
-          <a:p>
-            <a:r>
-              <a:rPr lang="ko-KR" altLang="en-US" dirty="0"/>
-              <a:t>프로그램 구현이나 기획단계에서 어려움이 </a:t>
-            </a:r>
-            <a:r>
-              <a:rPr lang="ko-KR" altLang="en-US" dirty="0" err="1"/>
-              <a:t>많앗던거</a:t>
-            </a:r>
-            <a:r>
-              <a:rPr lang="ko-KR" altLang="en-US" dirty="0"/>
-              <a:t> 같고</a:t>
-            </a:r>
-            <a:endParaRPr lang="en-US" altLang="ko-KR" dirty="0"/>
-          </a:p>
-          <a:p>
-            <a:endParaRPr lang="en-US" altLang="ko-KR" dirty="0"/>
-          </a:p>
-          <a:p>
-            <a:r>
-              <a:rPr lang="ko-KR" altLang="en-US" dirty="0"/>
-              <a:t>은행이라는 주제로써 보안에 조금 더 </a:t>
-            </a:r>
-            <a:r>
-              <a:rPr lang="ko-KR" altLang="en-US" dirty="0" err="1"/>
-              <a:t>신경쓰고</a:t>
-            </a:r>
-            <a:r>
-              <a:rPr lang="ko-KR" altLang="en-US" dirty="0"/>
-              <a:t> </a:t>
-            </a:r>
-            <a:r>
-              <a:rPr lang="ko-KR" altLang="en-US" dirty="0" err="1"/>
-              <a:t>싶엇지만</a:t>
-            </a:r>
-            <a:r>
-              <a:rPr lang="ko-KR" altLang="en-US" dirty="0"/>
-              <a:t> 구현하는데 </a:t>
-            </a:r>
-            <a:r>
-              <a:rPr lang="ko-KR" altLang="en-US" dirty="0" err="1"/>
-              <a:t>한계가있어</a:t>
-            </a:r>
-            <a:r>
-              <a:rPr lang="ko-KR" altLang="en-US" dirty="0"/>
-              <a:t> </a:t>
-            </a:r>
-            <a:r>
-              <a:rPr lang="ko-KR" altLang="en-US" dirty="0" err="1"/>
-              <a:t>원하는만큼</a:t>
-            </a:r>
-            <a:r>
-              <a:rPr lang="ko-KR" altLang="en-US" dirty="0"/>
-              <a:t> 구현 되지 </a:t>
-            </a:r>
-            <a:r>
-              <a:rPr lang="ko-KR" altLang="en-US" dirty="0" err="1"/>
-              <a:t>못한것에대한</a:t>
-            </a:r>
-            <a:r>
-              <a:rPr lang="ko-KR" altLang="en-US" dirty="0"/>
-              <a:t> 아쉬움이 많이 남습니다</a:t>
-            </a:r>
-            <a:r>
-              <a:rPr lang="en-US" altLang="ko-KR" dirty="0"/>
-              <a:t>.</a:t>
-            </a:r>
-          </a:p>
-          <a:p>
-            <a:endParaRPr lang="en-US" altLang="ko-KR" dirty="0"/>
-          </a:p>
-          <a:p>
-            <a:r>
-              <a:rPr lang="ko-KR" altLang="en-US" dirty="0" err="1"/>
-              <a:t>잘한점</a:t>
-            </a:r>
-            <a:endParaRPr lang="en-US" altLang="ko-KR" dirty="0"/>
-          </a:p>
-          <a:p>
-            <a:endParaRPr lang="en-US" altLang="ko-KR" dirty="0"/>
-          </a:p>
-          <a:p>
-            <a:r>
-              <a:rPr lang="ko-KR" altLang="en-US" dirty="0" err="1"/>
-              <a:t>연이은</a:t>
-            </a:r>
-            <a:r>
-              <a:rPr lang="ko-KR" altLang="en-US" dirty="0"/>
-              <a:t> </a:t>
-            </a:r>
-            <a:r>
-              <a:rPr lang="ko-KR" altLang="en-US" dirty="0" err="1"/>
-              <a:t>프로젝트및</a:t>
-            </a:r>
-            <a:r>
-              <a:rPr lang="ko-KR" altLang="en-US" dirty="0"/>
-              <a:t> 자격증 공부 때문에 프로젝트 기간이 타이트하게 잡혀서 </a:t>
-            </a:r>
-            <a:r>
-              <a:rPr lang="ko-KR" altLang="en-US" dirty="0" err="1"/>
-              <a:t>팀원들모두</a:t>
-            </a:r>
-            <a:r>
-              <a:rPr lang="ko-KR" altLang="en-US" dirty="0"/>
-              <a:t> 많이</a:t>
-            </a:r>
-            <a:endParaRPr lang="en-US" altLang="ko-KR" dirty="0"/>
-          </a:p>
-          <a:p>
-            <a:r>
-              <a:rPr lang="ko-KR" altLang="en-US" dirty="0" err="1"/>
-              <a:t>힘들었을탠데</a:t>
-            </a:r>
-            <a:r>
-              <a:rPr lang="ko-KR" altLang="en-US" dirty="0"/>
-              <a:t> 끝까지 포기안하고 프로젝트를 완성한점</a:t>
-            </a:r>
-            <a:endParaRPr lang="en-US" altLang="ko-KR" dirty="0"/>
-          </a:p>
-          <a:p>
-            <a:endParaRPr lang="en-US" altLang="ko-KR" dirty="0"/>
-          </a:p>
-          <a:p>
-            <a:r>
-              <a:rPr lang="ko-KR" altLang="en-US" dirty="0"/>
-              <a:t>각자 서로가 맡은 </a:t>
-            </a:r>
-            <a:r>
-              <a:rPr lang="ko-KR" altLang="en-US" dirty="0" err="1"/>
-              <a:t>파트에대해서</a:t>
-            </a:r>
-            <a:r>
-              <a:rPr lang="ko-KR" altLang="en-US" dirty="0"/>
-              <a:t> </a:t>
-            </a:r>
-            <a:r>
-              <a:rPr lang="ko-KR" altLang="en-US" dirty="0" err="1"/>
-              <a:t>책임감을가지고</a:t>
-            </a:r>
-            <a:r>
-              <a:rPr lang="ko-KR" altLang="en-US" dirty="0"/>
-              <a:t> </a:t>
-            </a:r>
-            <a:r>
-              <a:rPr lang="ko-KR" altLang="en-US" dirty="0" err="1"/>
-              <a:t>해왓던점</a:t>
-            </a:r>
-            <a:endParaRPr lang="en-US" altLang="ko-KR" dirty="0"/>
-          </a:p>
-          <a:p>
-            <a:endParaRPr lang="en-US" altLang="ko-KR" dirty="0"/>
-          </a:p>
-          <a:p>
-            <a:r>
-              <a:rPr lang="ko-KR" altLang="en-US" dirty="0"/>
-              <a:t>자주 회의를 함으로써 팀 프로젝트가 나아가는 방향에 대해서 서로 서로가 인지하며 협력하여 어려운 문제도 같이 </a:t>
-            </a:r>
-            <a:r>
-              <a:rPr lang="ko-KR" altLang="en-US" dirty="0" err="1"/>
-              <a:t>풀어나갈수</a:t>
-            </a:r>
-            <a:r>
-              <a:rPr lang="ko-KR" altLang="en-US" dirty="0"/>
-              <a:t> </a:t>
-            </a:r>
-            <a:r>
-              <a:rPr lang="ko-KR" altLang="en-US" dirty="0" err="1"/>
-              <a:t>있엇던점</a:t>
-            </a:r>
-            <a:endParaRPr lang="en-US" altLang="ko-KR" dirty="0"/>
-          </a:p>
-          <a:p>
-            <a:endParaRPr lang="en-US" altLang="ko-KR" dirty="0"/>
-          </a:p>
-          <a:p>
-            <a:endParaRPr lang="en-US" altLang="ko-KR" dirty="0"/>
-          </a:p>
-          <a:p>
-            <a:endParaRPr lang="en-US" altLang="ko-KR" dirty="0"/>
-          </a:p>
-          <a:p>
-            <a:endParaRPr lang="ko-KR" altLang="en-US" dirty="0"/>
-          </a:p>
-        </p:txBody>
-      </p:sp>
-    </p:spTree>
-    <p:extLst>
-      <p:ext uri="{BB962C8B-B14F-4D97-AF65-F5344CB8AC3E}">
-        <p14:creationId xmlns:p14="http://schemas.microsoft.com/office/powerpoint/2010/main" val="915281917"/>
-      </p:ext>
-    </p:extLst>
-  </p:cSld>
-  <p:clrMapOvr>
-    <a:masterClrMapping/>
-  </p:clrMapOvr>
 </p:sld>
 </file>
 
@@ -29997,7 +34433,7 @@
         </p:nvSpPr>
         <p:spPr>
           <a:xfrm>
-            <a:off x="4461306" y="2347872"/>
+            <a:off x="4678539" y="2428477"/>
             <a:ext cx="3377848" cy="1569660"/>
           </a:xfrm>
           <a:prstGeom prst="rect">
